--- a/Proyecto Integrador de saberes.pptx
+++ b/Proyecto Integrador de saberes.pptx
@@ -117,6 +117,11 @@
       </a:defRPr>
     </a:lvl9pPr>
   </p:defaultTextStyle>
+  <p:extLst>
+    <p:ext uri="{EFAFB233-063F-42B5-8137-9DF3F51BA10A}">
+      <p15:sldGuideLst xmlns:p15="http://schemas.microsoft.com/office/powerpoint/2012/main"/>
+    </p:ext>
+  </p:extLst>
 </p:presentation>
 </file>
 
@@ -305,7 +310,7 @@
           <a:p>
             <a:fld id="{C6149DEC-0B74-4EB2-84E5-925F2477763F}" type="datetimeFigureOut">
               <a:rPr lang="en-US" smtClean="0"/>
-              <a:t>1/21/2020</a:t>
+              <a:t>1/26/2020</a:t>
             </a:fld>
             <a:endParaRPr lang="en-US"/>
           </a:p>
@@ -603,7 +608,7 @@
           <a:p>
             <a:fld id="{C6149DEC-0B74-4EB2-84E5-925F2477763F}" type="datetimeFigureOut">
               <a:rPr lang="en-US" smtClean="0"/>
-              <a:t>1/21/2020</a:t>
+              <a:t>1/26/2020</a:t>
             </a:fld>
             <a:endParaRPr lang="en-US"/>
           </a:p>
@@ -795,7 +800,7 @@
           <a:p>
             <a:fld id="{C6149DEC-0B74-4EB2-84E5-925F2477763F}" type="datetimeFigureOut">
               <a:rPr lang="en-US" smtClean="0"/>
-              <a:t>1/21/2020</a:t>
+              <a:t>1/26/2020</a:t>
             </a:fld>
             <a:endParaRPr lang="en-US"/>
           </a:p>
@@ -1056,7 +1061,7 @@
           <a:p>
             <a:fld id="{C6149DEC-0B74-4EB2-84E5-925F2477763F}" type="datetimeFigureOut">
               <a:rPr lang="en-US" smtClean="0"/>
-              <a:t>1/21/2020</a:t>
+              <a:t>1/26/2020</a:t>
             </a:fld>
             <a:endParaRPr lang="en-US"/>
           </a:p>
@@ -1480,7 +1485,7 @@
           <a:p>
             <a:fld id="{C6149DEC-0B74-4EB2-84E5-925F2477763F}" type="datetimeFigureOut">
               <a:rPr lang="en-US" smtClean="0"/>
-              <a:t>1/21/2020</a:t>
+              <a:t>1/26/2020</a:t>
             </a:fld>
             <a:endParaRPr lang="en-US"/>
           </a:p>
@@ -2017,7 +2022,7 @@
           <a:p>
             <a:fld id="{C6149DEC-0B74-4EB2-84E5-925F2477763F}" type="datetimeFigureOut">
               <a:rPr lang="en-US" smtClean="0"/>
-              <a:t>1/21/2020</a:t>
+              <a:t>1/26/2020</a:t>
             </a:fld>
             <a:endParaRPr lang="en-US"/>
           </a:p>
@@ -2881,7 +2886,7 @@
           <a:p>
             <a:fld id="{C6149DEC-0B74-4EB2-84E5-925F2477763F}" type="datetimeFigureOut">
               <a:rPr lang="en-US" smtClean="0"/>
-              <a:t>1/21/2020</a:t>
+              <a:t>1/26/2020</a:t>
             </a:fld>
             <a:endParaRPr lang="en-US"/>
           </a:p>
@@ -3051,7 +3056,7 @@
           <a:p>
             <a:fld id="{C6149DEC-0B74-4EB2-84E5-925F2477763F}" type="datetimeFigureOut">
               <a:rPr lang="en-US" smtClean="0"/>
-              <a:t>1/21/2020</a:t>
+              <a:t>1/26/2020</a:t>
             </a:fld>
             <a:endParaRPr lang="en-US"/>
           </a:p>
@@ -3235,7 +3240,7 @@
           <a:p>
             <a:fld id="{C6149DEC-0B74-4EB2-84E5-925F2477763F}" type="datetimeFigureOut">
               <a:rPr lang="en-US" smtClean="0"/>
-              <a:t>1/21/2020</a:t>
+              <a:t>1/26/2020</a:t>
             </a:fld>
             <a:endParaRPr lang="en-US"/>
           </a:p>
@@ -3405,7 +3410,7 @@
           <a:p>
             <a:fld id="{C6149DEC-0B74-4EB2-84E5-925F2477763F}" type="datetimeFigureOut">
               <a:rPr lang="en-US" smtClean="0"/>
-              <a:t>1/21/2020</a:t>
+              <a:t>1/26/2020</a:t>
             </a:fld>
             <a:endParaRPr lang="en-US"/>
           </a:p>
@@ -3649,7 +3654,7 @@
           <a:p>
             <a:fld id="{C6149DEC-0B74-4EB2-84E5-925F2477763F}" type="datetimeFigureOut">
               <a:rPr lang="en-US" smtClean="0"/>
-              <a:t>1/21/2020</a:t>
+              <a:t>1/26/2020</a:t>
             </a:fld>
             <a:endParaRPr lang="en-US"/>
           </a:p>
@@ -3885,7 +3890,7 @@
           <a:p>
             <a:fld id="{C6149DEC-0B74-4EB2-84E5-925F2477763F}" type="datetimeFigureOut">
               <a:rPr lang="en-US" smtClean="0"/>
-              <a:t>1/21/2020</a:t>
+              <a:t>1/26/2020</a:t>
             </a:fld>
             <a:endParaRPr lang="en-US"/>
           </a:p>
@@ -4356,7 +4361,7 @@
           <a:p>
             <a:fld id="{C6149DEC-0B74-4EB2-84E5-925F2477763F}" type="datetimeFigureOut">
               <a:rPr lang="en-US" smtClean="0"/>
-              <a:t>1/21/2020</a:t>
+              <a:t>1/26/2020</a:t>
             </a:fld>
             <a:endParaRPr lang="en-US"/>
           </a:p>
@@ -4479,7 +4484,7 @@
           <a:p>
             <a:fld id="{C6149DEC-0B74-4EB2-84E5-925F2477763F}" type="datetimeFigureOut">
               <a:rPr lang="en-US" smtClean="0"/>
-              <a:t>1/21/2020</a:t>
+              <a:t>1/26/2020</a:t>
             </a:fld>
             <a:endParaRPr lang="en-US"/>
           </a:p>
@@ -4574,7 +4579,7 @@
           <a:p>
             <a:fld id="{C6149DEC-0B74-4EB2-84E5-925F2477763F}" type="datetimeFigureOut">
               <a:rPr lang="en-US" smtClean="0"/>
-              <a:t>1/21/2020</a:t>
+              <a:t>1/26/2020</a:t>
             </a:fld>
             <a:endParaRPr lang="en-US"/>
           </a:p>
@@ -4829,7 +4834,7 @@
           <a:p>
             <a:fld id="{C6149DEC-0B74-4EB2-84E5-925F2477763F}" type="datetimeFigureOut">
               <a:rPr lang="en-US" smtClean="0"/>
-              <a:t>1/21/2020</a:t>
+              <a:t>1/26/2020</a:t>
             </a:fld>
             <a:endParaRPr lang="en-US"/>
           </a:p>
@@ -5134,7 +5139,7 @@
           <a:p>
             <a:fld id="{C6149DEC-0B74-4EB2-84E5-925F2477763F}" type="datetimeFigureOut">
               <a:rPr lang="en-US" smtClean="0"/>
-              <a:t>1/21/2020</a:t>
+              <a:t>1/26/2020</a:t>
             </a:fld>
             <a:endParaRPr lang="en-US"/>
           </a:p>
@@ -5368,7 +5373,7 @@
           <a:p>
             <a:fld id="{C6149DEC-0B74-4EB2-84E5-925F2477763F}" type="datetimeFigureOut">
               <a:rPr lang="en-US" smtClean="0"/>
-              <a:t>1/21/2020</a:t>
+              <a:t>1/26/2020</a:t>
             </a:fld>
             <a:endParaRPr lang="en-US"/>
           </a:p>
@@ -6284,31 +6289,37 @@
           </a:p>
         </p:txBody>
       </p:sp>
-      <p:sp>
-        <p:nvSpPr>
-          <p:cNvPr id="3" name="Marcador de contenido 2">
+      <p:pic>
+        <p:nvPicPr>
+          <p:cNvPr id="4" name="Marcador de contenido 3">
             <a:extLst>
               <a:ext uri="{FF2B5EF4-FFF2-40B4-BE49-F238E27FC236}">
-                <a16:creationId xmlns:a16="http://schemas.microsoft.com/office/drawing/2014/main" id="{93C94FDB-6DB7-4DEC-BF35-520EFA4FEC42}"/>
+                <a16:creationId xmlns:a16="http://schemas.microsoft.com/office/drawing/2014/main" id="{0ECC9319-2B95-45F8-A699-99FEB8B43123}"/>
               </a:ext>
             </a:extLst>
           </p:cNvPr>
-          <p:cNvSpPr>
-            <a:spLocks noGrp="1"/>
-          </p:cNvSpPr>
+          <p:cNvPicPr>
+            <a:picLocks noGrp="1" noChangeAspect="1"/>
+          </p:cNvPicPr>
           <p:nvPr>
             <p:ph idx="1"/>
           </p:nvPr>
-        </p:nvSpPr>
-        <p:spPr/>
-        <p:txBody>
-          <a:bodyPr/>
-          <a:lstStyle/>
-          <a:p>
-            <a:endParaRPr lang="en-US"/>
-          </a:p>
-        </p:txBody>
-      </p:sp>
+        </p:nvPicPr>
+        <p:blipFill rotWithShape="1">
+          <a:blip r:embed="rId2"/>
+          <a:srcRect l="7536" t="53278" r="34769" b="26977"/>
+          <a:stretch/>
+        </p:blipFill>
+        <p:spPr>
+          <a:xfrm>
+            <a:off x="1637047" y="2009817"/>
+            <a:ext cx="9245442" cy="1778933"/>
+          </a:xfrm>
+          <a:prstGeom prst="rect">
+            <a:avLst/>
+          </a:prstGeom>
+        </p:spPr>
+      </p:pic>
     </p:spTree>
     <p:extLst>
       <p:ext uri="{BB962C8B-B14F-4D97-AF65-F5344CB8AC3E}">
@@ -6367,31 +6378,37 @@
           </a:p>
         </p:txBody>
       </p:sp>
-      <p:sp>
-        <p:nvSpPr>
-          <p:cNvPr id="3" name="Marcador de contenido 2">
+      <p:pic>
+        <p:nvPicPr>
+          <p:cNvPr id="4" name="Marcador de contenido 3">
             <a:extLst>
               <a:ext uri="{FF2B5EF4-FFF2-40B4-BE49-F238E27FC236}">
-                <a16:creationId xmlns:a16="http://schemas.microsoft.com/office/drawing/2014/main" id="{772E0149-5908-4FDE-AAE1-796BF75A1444}"/>
+                <a16:creationId xmlns:a16="http://schemas.microsoft.com/office/drawing/2014/main" id="{F397FF5D-B335-4FE0-820B-A49C8E4AC770}"/>
               </a:ext>
             </a:extLst>
           </p:cNvPr>
-          <p:cNvSpPr>
-            <a:spLocks noGrp="1"/>
-          </p:cNvSpPr>
+          <p:cNvPicPr>
+            <a:picLocks noGrp="1" noChangeAspect="1"/>
+          </p:cNvPicPr>
           <p:nvPr>
             <p:ph idx="1"/>
           </p:nvPr>
-        </p:nvSpPr>
-        <p:spPr/>
-        <p:txBody>
-          <a:bodyPr/>
-          <a:lstStyle/>
-          <a:p>
-            <a:endParaRPr lang="en-US"/>
-          </a:p>
-        </p:txBody>
-      </p:sp>
+        </p:nvPicPr>
+        <p:blipFill rotWithShape="1">
+          <a:blip r:embed="rId2"/>
+          <a:srcRect l="7381" t="18793" r="31270" b="68136"/>
+          <a:stretch/>
+        </p:blipFill>
+        <p:spPr>
+          <a:xfrm>
+            <a:off x="347615" y="2176791"/>
+            <a:ext cx="11698155" cy="1401295"/>
+          </a:xfrm>
+          <a:prstGeom prst="rect">
+            <a:avLst/>
+          </a:prstGeom>
+        </p:spPr>
+      </p:pic>
     </p:spTree>
     <p:extLst>
       <p:ext uri="{BB962C8B-B14F-4D97-AF65-F5344CB8AC3E}">
@@ -6453,31 +6470,37 @@
           </a:p>
         </p:txBody>
       </p:sp>
-      <p:sp>
-        <p:nvSpPr>
-          <p:cNvPr id="3" name="Marcador de contenido 2">
+      <p:pic>
+        <p:nvPicPr>
+          <p:cNvPr id="4" name="Marcador de contenido 3">
             <a:extLst>
               <a:ext uri="{FF2B5EF4-FFF2-40B4-BE49-F238E27FC236}">
-                <a16:creationId xmlns:a16="http://schemas.microsoft.com/office/drawing/2014/main" id="{2D2FEC6F-FE9F-4743-B0B1-B373075EEBD3}"/>
+                <a16:creationId xmlns:a16="http://schemas.microsoft.com/office/drawing/2014/main" id="{1B6DF738-C7C1-476A-9D57-2C1DD5131D5E}"/>
               </a:ext>
             </a:extLst>
           </p:cNvPr>
-          <p:cNvSpPr>
-            <a:spLocks noGrp="1"/>
-          </p:cNvSpPr>
+          <p:cNvPicPr>
+            <a:picLocks noGrp="1" noChangeAspect="1"/>
+          </p:cNvPicPr>
           <p:nvPr>
             <p:ph idx="1"/>
           </p:nvPr>
-        </p:nvSpPr>
-        <p:spPr/>
-        <p:txBody>
-          <a:bodyPr/>
-          <a:lstStyle/>
-          <a:p>
-            <a:endParaRPr lang="en-US"/>
-          </a:p>
-        </p:txBody>
-      </p:sp>
+        </p:nvPicPr>
+        <p:blipFill rotWithShape="1">
+          <a:blip r:embed="rId2"/>
+          <a:srcRect l="7116" t="41807" r="20749" b="15344"/>
+          <a:stretch/>
+        </p:blipFill>
+        <p:spPr>
+          <a:xfrm>
+            <a:off x="322441" y="2001078"/>
+            <a:ext cx="11723785" cy="3915387"/>
+          </a:xfrm>
+          <a:prstGeom prst="rect">
+            <a:avLst/>
+          </a:prstGeom>
+        </p:spPr>
+      </p:pic>
     </p:spTree>
     <p:extLst>
       <p:ext uri="{BB962C8B-B14F-4D97-AF65-F5344CB8AC3E}">
@@ -6526,62 +6549,92 @@
         </p:nvSpPr>
         <p:spPr>
           <a:xfrm>
-            <a:off x="439926" y="516834"/>
-            <a:ext cx="10827631" cy="1152939"/>
+            <a:off x="612205" y="291547"/>
+            <a:ext cx="10546126" cy="940905"/>
           </a:xfrm>
         </p:spPr>
         <p:txBody>
           <a:bodyPr>
-            <a:normAutofit fontScale="90000"/>
+            <a:noAutofit/>
           </a:bodyPr>
           <a:lstStyle/>
           <a:p>
             <a:r>
-              <a:rPr lang="es-ES" dirty="0"/>
+              <a:rPr lang="es-ES" sz="3200" dirty="0"/>
               <a:t>El comportamiento de los usuarios. Por cada usuario se debe presentar: la cantidad de seguidores y de amigos, también el número de Tweets y </a:t>
             </a:r>
             <a:r>
-              <a:rPr lang="es-ES" dirty="0" err="1"/>
+              <a:rPr lang="es-ES" sz="3200" dirty="0" err="1"/>
               <a:t>re-tweets</a:t>
             </a:r>
             <a:r>
-              <a:rPr lang="es-ES" dirty="0"/>
+              <a:rPr lang="es-ES" sz="3200" dirty="0"/>
               <a:t>.</a:t>
             </a:r>
-            <a:endParaRPr lang="en-US" dirty="0"/>
-          </a:p>
-        </p:txBody>
-      </p:sp>
-      <p:sp>
-        <p:nvSpPr>
-          <p:cNvPr id="3" name="Marcador de contenido 2">
+            <a:endParaRPr lang="en-US" sz="3200" dirty="0"/>
+          </a:p>
+        </p:txBody>
+      </p:sp>
+      <p:pic>
+        <p:nvPicPr>
+          <p:cNvPr id="4" name="Marcador de contenido 3">
             <a:extLst>
               <a:ext uri="{FF2B5EF4-FFF2-40B4-BE49-F238E27FC236}">
-                <a16:creationId xmlns:a16="http://schemas.microsoft.com/office/drawing/2014/main" id="{45CE5C49-1192-4939-9AD9-558DFEF8ECB7}"/>
+                <a16:creationId xmlns:a16="http://schemas.microsoft.com/office/drawing/2014/main" id="{6CE63A9B-C3B8-4A98-88FE-94F12FDDBF32}"/>
               </a:ext>
             </a:extLst>
           </p:cNvPr>
-          <p:cNvSpPr>
-            <a:spLocks noGrp="1"/>
-          </p:cNvSpPr>
+          <p:cNvPicPr>
+            <a:picLocks noGrp="1" noChangeAspect="1"/>
+          </p:cNvPicPr>
           <p:nvPr>
             <p:ph idx="1"/>
           </p:nvPr>
-        </p:nvSpPr>
+        </p:nvPicPr>
+        <p:blipFill rotWithShape="1">
+          <a:blip r:embed="rId2"/>
+          <a:srcRect l="7610" t="20500" r="24473" b="39613"/>
+          <a:stretch/>
+        </p:blipFill>
         <p:spPr>
           <a:xfrm>
-            <a:off x="913795" y="2080591"/>
-            <a:ext cx="10353762" cy="4651513"/>
+            <a:off x="1683027" y="1603513"/>
+            <a:ext cx="8521148" cy="2813586"/>
           </a:xfrm>
+          <a:prstGeom prst="rect">
+            <a:avLst/>
+          </a:prstGeom>
         </p:spPr>
-        <p:txBody>
-          <a:bodyPr/>
-          <a:lstStyle/>
-          <a:p>
-            <a:endParaRPr lang="en-US" dirty="0"/>
-          </a:p>
-        </p:txBody>
-      </p:sp>
+      </p:pic>
+      <p:pic>
+        <p:nvPicPr>
+          <p:cNvPr id="5" name="Imagen 4">
+            <a:extLst>
+              <a:ext uri="{FF2B5EF4-FFF2-40B4-BE49-F238E27FC236}">
+                <a16:creationId xmlns:a16="http://schemas.microsoft.com/office/drawing/2014/main" id="{100E722B-E048-41E6-A74A-F014667BAE60}"/>
+              </a:ext>
+            </a:extLst>
+          </p:cNvPr>
+          <p:cNvPicPr>
+            <a:picLocks noChangeAspect="1"/>
+          </p:cNvPicPr>
+          <p:nvPr/>
+        </p:nvPicPr>
+        <p:blipFill rotWithShape="1">
+          <a:blip r:embed="rId3"/>
+          <a:srcRect l="7499" t="39222" r="22610" b="27392"/>
+          <a:stretch/>
+        </p:blipFill>
+        <p:spPr>
+          <a:xfrm>
+            <a:off x="1683027" y="4417099"/>
+            <a:ext cx="8521148" cy="2288501"/>
+          </a:xfrm>
+          <a:prstGeom prst="rect">
+            <a:avLst/>
+          </a:prstGeom>
+        </p:spPr>
+      </p:pic>
     </p:spTree>
     <p:extLst>
       <p:ext uri="{BB962C8B-B14F-4D97-AF65-F5344CB8AC3E}">
@@ -6643,31 +6696,37 @@
           </a:p>
         </p:txBody>
       </p:sp>
-      <p:sp>
-        <p:nvSpPr>
-          <p:cNvPr id="3" name="Marcador de contenido 2">
+      <p:pic>
+        <p:nvPicPr>
+          <p:cNvPr id="4" name="Marcador de contenido 3">
             <a:extLst>
               <a:ext uri="{FF2B5EF4-FFF2-40B4-BE49-F238E27FC236}">
-                <a16:creationId xmlns:a16="http://schemas.microsoft.com/office/drawing/2014/main" id="{106327A4-B0B2-4BFF-B2D8-C94DA9F9A024}"/>
+                <a16:creationId xmlns:a16="http://schemas.microsoft.com/office/drawing/2014/main" id="{329F1AEC-3C1F-43D4-9162-921B3A764BBA}"/>
               </a:ext>
             </a:extLst>
           </p:cNvPr>
-          <p:cNvSpPr>
-            <a:spLocks noGrp="1"/>
-          </p:cNvSpPr>
+          <p:cNvPicPr>
+            <a:picLocks noGrp="1" noChangeAspect="1"/>
+          </p:cNvPicPr>
           <p:nvPr>
             <p:ph idx="1"/>
           </p:nvPr>
-        </p:nvSpPr>
-        <p:spPr/>
-        <p:txBody>
-          <a:bodyPr/>
-          <a:lstStyle/>
-          <a:p>
-            <a:endParaRPr lang="en-US"/>
-          </a:p>
-        </p:txBody>
-      </p:sp>
+        </p:nvPicPr>
+        <p:blipFill rotWithShape="1">
+          <a:blip r:embed="rId2"/>
+          <a:srcRect l="6924" t="63485" r="26192" b="19393"/>
+          <a:stretch/>
+        </p:blipFill>
+        <p:spPr>
+          <a:xfrm>
+            <a:off x="456897" y="2311368"/>
+            <a:ext cx="11267557" cy="1621805"/>
+          </a:xfrm>
+          <a:prstGeom prst="rect">
+            <a:avLst/>
+          </a:prstGeom>
+        </p:spPr>
+      </p:pic>
     </p:spTree>
     <p:extLst>
       <p:ext uri="{BB962C8B-B14F-4D97-AF65-F5344CB8AC3E}">
@@ -7506,36 +7565,37 @@
           </a:p>
         </p:txBody>
       </p:sp>
-      <p:sp>
-        <p:nvSpPr>
-          <p:cNvPr id="3" name="Marcador de contenido 2">
+      <p:pic>
+        <p:nvPicPr>
+          <p:cNvPr id="7" name="Marcador de contenido 4">
             <a:extLst>
               <a:ext uri="{FF2B5EF4-FFF2-40B4-BE49-F238E27FC236}">
-                <a16:creationId xmlns:a16="http://schemas.microsoft.com/office/drawing/2014/main" id="{9BAEAD17-38BF-4BC3-A242-1A7586991F08}"/>
+                <a16:creationId xmlns:a16="http://schemas.microsoft.com/office/drawing/2014/main" id="{4BAE2654-A293-4ACB-8EFB-0C0CE2AB69AC}"/>
               </a:ext>
             </a:extLst>
           </p:cNvPr>
-          <p:cNvSpPr>
-            <a:spLocks noGrp="1"/>
-          </p:cNvSpPr>
+          <p:cNvPicPr>
+            <a:picLocks noGrp="1" noChangeAspect="1"/>
+          </p:cNvPicPr>
           <p:nvPr>
             <p:ph idx="1"/>
           </p:nvPr>
-        </p:nvSpPr>
-        <p:spPr/>
-        <p:txBody>
-          <a:bodyPr>
-            <a:normAutofit/>
-          </a:bodyPr>
-          <a:lstStyle/>
-          <a:p>
-            <a:pPr marL="36900" indent="0">
-              <a:buNone/>
-            </a:pPr>
-            <a:endParaRPr lang="en-US" sz="3200" dirty="0"/>
-          </a:p>
-        </p:txBody>
-      </p:sp>
+        </p:nvPicPr>
+        <p:blipFill rotWithShape="1">
+          <a:blip r:embed="rId2"/>
+          <a:srcRect l="7536" t="26858" r="12409" b="20024"/>
+          <a:stretch/>
+        </p:blipFill>
+        <p:spPr>
+          <a:xfrm>
+            <a:off x="997913" y="2005232"/>
+            <a:ext cx="9997466" cy="3729524"/>
+          </a:xfrm>
+          <a:prstGeom prst="rect">
+            <a:avLst/>
+          </a:prstGeom>
+        </p:spPr>
+      </p:pic>
     </p:spTree>
     <p:extLst>
       <p:ext uri="{BB962C8B-B14F-4D97-AF65-F5344CB8AC3E}">
@@ -7595,31 +7655,37 @@
           </a:p>
         </p:txBody>
       </p:sp>
-      <p:sp>
-        <p:nvSpPr>
-          <p:cNvPr id="3" name="Marcador de contenido 2">
+      <p:pic>
+        <p:nvPicPr>
+          <p:cNvPr id="4" name="Marcador de contenido 3">
             <a:extLst>
               <a:ext uri="{FF2B5EF4-FFF2-40B4-BE49-F238E27FC236}">
-                <a16:creationId xmlns:a16="http://schemas.microsoft.com/office/drawing/2014/main" id="{C8DB34D3-BF81-44B5-9D90-963516BCE525}"/>
+                <a16:creationId xmlns:a16="http://schemas.microsoft.com/office/drawing/2014/main" id="{65997A1B-7385-4B6F-B0AE-235F9D97F75F}"/>
               </a:ext>
             </a:extLst>
           </p:cNvPr>
-          <p:cNvSpPr>
-            <a:spLocks noGrp="1"/>
-          </p:cNvSpPr>
+          <p:cNvPicPr>
+            <a:picLocks noGrp="1" noChangeAspect="1"/>
+          </p:cNvPicPr>
           <p:nvPr>
             <p:ph idx="1"/>
           </p:nvPr>
-        </p:nvSpPr>
-        <p:spPr/>
-        <p:txBody>
-          <a:bodyPr/>
-          <a:lstStyle/>
-          <a:p>
-            <a:endParaRPr lang="en-US"/>
-          </a:p>
-        </p:txBody>
-      </p:sp>
+        </p:nvPicPr>
+        <p:blipFill rotWithShape="1">
+          <a:blip r:embed="rId2"/>
+          <a:srcRect l="6009" t="26025" r="29920" b="29479"/>
+          <a:stretch/>
+        </p:blipFill>
+        <p:spPr>
+          <a:xfrm>
+            <a:off x="1367308" y="2054182"/>
+            <a:ext cx="9686433" cy="3782173"/>
+          </a:xfrm>
+          <a:prstGeom prst="rect">
+            <a:avLst/>
+          </a:prstGeom>
+        </p:spPr>
+      </p:pic>
     </p:spTree>
     <p:extLst>
       <p:ext uri="{BB962C8B-B14F-4D97-AF65-F5344CB8AC3E}">
@@ -7681,31 +7747,37 @@
           </a:p>
         </p:txBody>
       </p:sp>
-      <p:sp>
-        <p:nvSpPr>
-          <p:cNvPr id="3" name="Marcador de contenido 2">
+      <p:pic>
+        <p:nvPicPr>
+          <p:cNvPr id="4" name="Marcador de contenido 3">
             <a:extLst>
               <a:ext uri="{FF2B5EF4-FFF2-40B4-BE49-F238E27FC236}">
-                <a16:creationId xmlns:a16="http://schemas.microsoft.com/office/drawing/2014/main" id="{1307D134-7665-41A1-BD16-0175D9252E18}"/>
+                <a16:creationId xmlns:a16="http://schemas.microsoft.com/office/drawing/2014/main" id="{4B33B69A-FE8B-45E8-8938-B56D6C90F783}"/>
               </a:ext>
             </a:extLst>
           </p:cNvPr>
-          <p:cNvSpPr>
-            <a:spLocks noGrp="1"/>
-          </p:cNvSpPr>
+          <p:cNvPicPr>
+            <a:picLocks noGrp="1" noChangeAspect="1"/>
+          </p:cNvPicPr>
           <p:nvPr>
             <p:ph idx="1"/>
           </p:nvPr>
-        </p:nvSpPr>
-        <p:spPr/>
-        <p:txBody>
-          <a:bodyPr/>
-          <a:lstStyle/>
-          <a:p>
-            <a:endParaRPr lang="en-US"/>
-          </a:p>
-        </p:txBody>
-      </p:sp>
+        </p:nvPicPr>
+        <p:blipFill rotWithShape="1">
+          <a:blip r:embed="rId2"/>
+          <a:srcRect l="7068" t="29362" r="33360" b="34763"/>
+          <a:stretch/>
+        </p:blipFill>
+        <p:spPr>
+          <a:xfrm>
+            <a:off x="1002092" y="2257778"/>
+            <a:ext cx="10402579" cy="3522135"/>
+          </a:xfrm>
+          <a:prstGeom prst="rect">
+            <a:avLst/>
+          </a:prstGeom>
+        </p:spPr>
+      </p:pic>
     </p:spTree>
     <p:extLst>
       <p:ext uri="{BB962C8B-B14F-4D97-AF65-F5344CB8AC3E}">
@@ -7764,31 +7836,37 @@
           </a:p>
         </p:txBody>
       </p:sp>
-      <p:sp>
-        <p:nvSpPr>
-          <p:cNvPr id="3" name="Marcador de contenido 2">
+      <p:pic>
+        <p:nvPicPr>
+          <p:cNvPr id="4" name="Marcador de contenido 3">
             <a:extLst>
               <a:ext uri="{FF2B5EF4-FFF2-40B4-BE49-F238E27FC236}">
-                <a16:creationId xmlns:a16="http://schemas.microsoft.com/office/drawing/2014/main" id="{FEB52013-344A-4AEA-9A82-A07252B90E94}"/>
+                <a16:creationId xmlns:a16="http://schemas.microsoft.com/office/drawing/2014/main" id="{96F0D5BC-84F5-4244-BF3D-9853DD169EAB}"/>
               </a:ext>
             </a:extLst>
           </p:cNvPr>
-          <p:cNvSpPr>
-            <a:spLocks noGrp="1"/>
-          </p:cNvSpPr>
+          <p:cNvPicPr>
+            <a:picLocks noGrp="1" noChangeAspect="1"/>
+          </p:cNvPicPr>
           <p:nvPr>
             <p:ph idx="1"/>
           </p:nvPr>
-        </p:nvSpPr>
-        <p:spPr/>
-        <p:txBody>
-          <a:bodyPr/>
-          <a:lstStyle/>
-          <a:p>
-            <a:endParaRPr lang="en-US"/>
-          </a:p>
-        </p:txBody>
-      </p:sp>
+        </p:nvPicPr>
+        <p:blipFill rotWithShape="1">
+          <a:blip r:embed="rId2"/>
+          <a:srcRect l="8010" t="19304" r="31759" b="58227"/>
+          <a:stretch/>
+        </p:blipFill>
+        <p:spPr>
+          <a:xfrm>
+            <a:off x="1840088" y="1930399"/>
+            <a:ext cx="8719355" cy="1828800"/>
+          </a:xfrm>
+          <a:prstGeom prst="rect">
+            <a:avLst/>
+          </a:prstGeom>
+        </p:spPr>
+      </p:pic>
     </p:spTree>
     <p:extLst>
       <p:ext uri="{BB962C8B-B14F-4D97-AF65-F5344CB8AC3E}">
@@ -7852,31 +7930,37 @@
           </a:p>
         </p:txBody>
       </p:sp>
-      <p:sp>
-        <p:nvSpPr>
-          <p:cNvPr id="3" name="Marcador de contenido 2">
+      <p:pic>
+        <p:nvPicPr>
+          <p:cNvPr id="4" name="Marcador de contenido 3">
             <a:extLst>
               <a:ext uri="{FF2B5EF4-FFF2-40B4-BE49-F238E27FC236}">
-                <a16:creationId xmlns:a16="http://schemas.microsoft.com/office/drawing/2014/main" id="{CF19EE20-69B2-49D4-8012-1A3294BEF606}"/>
+                <a16:creationId xmlns:a16="http://schemas.microsoft.com/office/drawing/2014/main" id="{9F7F164F-1B56-4E29-9AA3-7441F690C310}"/>
               </a:ext>
             </a:extLst>
           </p:cNvPr>
-          <p:cNvSpPr>
-            <a:spLocks noGrp="1"/>
-          </p:cNvSpPr>
+          <p:cNvPicPr>
+            <a:picLocks noGrp="1" noChangeAspect="1"/>
+          </p:cNvPicPr>
           <p:nvPr>
             <p:ph idx="1"/>
           </p:nvPr>
-        </p:nvSpPr>
-        <p:spPr/>
-        <p:txBody>
-          <a:bodyPr/>
-          <a:lstStyle/>
-          <a:p>
-            <a:endParaRPr lang="en-US"/>
-          </a:p>
-        </p:txBody>
-      </p:sp>
+        </p:nvPicPr>
+        <p:blipFill rotWithShape="1">
+          <a:blip r:embed="rId2"/>
+          <a:srcRect l="6910" t="37983" r="26481" b="41994"/>
+          <a:stretch/>
+        </p:blipFill>
+        <p:spPr>
+          <a:xfrm>
+            <a:off x="1014570" y="2303327"/>
+            <a:ext cx="10016555" cy="1692939"/>
+          </a:xfrm>
+          <a:prstGeom prst="rect">
+            <a:avLst/>
+          </a:prstGeom>
+        </p:spPr>
+      </p:pic>
     </p:spTree>
     <p:extLst>
       <p:ext uri="{BB962C8B-B14F-4D97-AF65-F5344CB8AC3E}">

--- a/Proyecto Integrador de saberes.pptx
+++ b/Proyecto Integrador de saberes.pptx
@@ -8,17 +8,28 @@
     <p:sldId id="256" r:id="rId2"/>
     <p:sldId id="257" r:id="rId3"/>
     <p:sldId id="258" r:id="rId4"/>
-    <p:sldId id="261" r:id="rId5"/>
-    <p:sldId id="259" r:id="rId6"/>
-    <p:sldId id="260" r:id="rId7"/>
-    <p:sldId id="262" r:id="rId8"/>
-    <p:sldId id="263" r:id="rId9"/>
-    <p:sldId id="264" r:id="rId10"/>
-    <p:sldId id="265" r:id="rId11"/>
-    <p:sldId id="266" r:id="rId12"/>
-    <p:sldId id="267" r:id="rId13"/>
-    <p:sldId id="269" r:id="rId14"/>
-    <p:sldId id="268" r:id="rId15"/>
+    <p:sldId id="280" r:id="rId5"/>
+    <p:sldId id="261" r:id="rId6"/>
+    <p:sldId id="259" r:id="rId7"/>
+    <p:sldId id="270" r:id="rId8"/>
+    <p:sldId id="260" r:id="rId9"/>
+    <p:sldId id="271" r:id="rId10"/>
+    <p:sldId id="262" r:id="rId11"/>
+    <p:sldId id="272" r:id="rId12"/>
+    <p:sldId id="263" r:id="rId13"/>
+    <p:sldId id="273" r:id="rId14"/>
+    <p:sldId id="264" r:id="rId15"/>
+    <p:sldId id="274" r:id="rId16"/>
+    <p:sldId id="265" r:id="rId17"/>
+    <p:sldId id="275" r:id="rId18"/>
+    <p:sldId id="266" r:id="rId19"/>
+    <p:sldId id="276" r:id="rId20"/>
+    <p:sldId id="267" r:id="rId21"/>
+    <p:sldId id="277" r:id="rId22"/>
+    <p:sldId id="269" r:id="rId23"/>
+    <p:sldId id="278" r:id="rId24"/>
+    <p:sldId id="268" r:id="rId25"/>
+    <p:sldId id="279" r:id="rId26"/>
   </p:sldIdLst>
   <p:sldSz cx="12192000" cy="6858000"/>
   <p:notesSz cx="6858000" cy="9144000"/>
@@ -310,7 +321,7 @@
           <a:p>
             <a:fld id="{C6149DEC-0B74-4EB2-84E5-925F2477763F}" type="datetimeFigureOut">
               <a:rPr lang="en-US" smtClean="0"/>
-              <a:t>1/26/2020</a:t>
+              <a:t>1/28/2020</a:t>
             </a:fld>
             <a:endParaRPr lang="en-US"/>
           </a:p>
@@ -608,7 +619,7 @@
           <a:p>
             <a:fld id="{C6149DEC-0B74-4EB2-84E5-925F2477763F}" type="datetimeFigureOut">
               <a:rPr lang="en-US" smtClean="0"/>
-              <a:t>1/26/2020</a:t>
+              <a:t>1/28/2020</a:t>
             </a:fld>
             <a:endParaRPr lang="en-US"/>
           </a:p>
@@ -800,7 +811,7 @@
           <a:p>
             <a:fld id="{C6149DEC-0B74-4EB2-84E5-925F2477763F}" type="datetimeFigureOut">
               <a:rPr lang="en-US" smtClean="0"/>
-              <a:t>1/26/2020</a:t>
+              <a:t>1/28/2020</a:t>
             </a:fld>
             <a:endParaRPr lang="en-US"/>
           </a:p>
@@ -1061,7 +1072,7 @@
           <a:p>
             <a:fld id="{C6149DEC-0B74-4EB2-84E5-925F2477763F}" type="datetimeFigureOut">
               <a:rPr lang="en-US" smtClean="0"/>
-              <a:t>1/26/2020</a:t>
+              <a:t>1/28/2020</a:t>
             </a:fld>
             <a:endParaRPr lang="en-US"/>
           </a:p>
@@ -1485,7 +1496,7 @@
           <a:p>
             <a:fld id="{C6149DEC-0B74-4EB2-84E5-925F2477763F}" type="datetimeFigureOut">
               <a:rPr lang="en-US" smtClean="0"/>
-              <a:t>1/26/2020</a:t>
+              <a:t>1/28/2020</a:t>
             </a:fld>
             <a:endParaRPr lang="en-US"/>
           </a:p>
@@ -2022,7 +2033,7 @@
           <a:p>
             <a:fld id="{C6149DEC-0B74-4EB2-84E5-925F2477763F}" type="datetimeFigureOut">
               <a:rPr lang="en-US" smtClean="0"/>
-              <a:t>1/26/2020</a:t>
+              <a:t>1/28/2020</a:t>
             </a:fld>
             <a:endParaRPr lang="en-US"/>
           </a:p>
@@ -2886,7 +2897,7 @@
           <a:p>
             <a:fld id="{C6149DEC-0B74-4EB2-84E5-925F2477763F}" type="datetimeFigureOut">
               <a:rPr lang="en-US" smtClean="0"/>
-              <a:t>1/26/2020</a:t>
+              <a:t>1/28/2020</a:t>
             </a:fld>
             <a:endParaRPr lang="en-US"/>
           </a:p>
@@ -3056,7 +3067,7 @@
           <a:p>
             <a:fld id="{C6149DEC-0B74-4EB2-84E5-925F2477763F}" type="datetimeFigureOut">
               <a:rPr lang="en-US" smtClean="0"/>
-              <a:t>1/26/2020</a:t>
+              <a:t>1/28/2020</a:t>
             </a:fld>
             <a:endParaRPr lang="en-US"/>
           </a:p>
@@ -3240,7 +3251,7 @@
           <a:p>
             <a:fld id="{C6149DEC-0B74-4EB2-84E5-925F2477763F}" type="datetimeFigureOut">
               <a:rPr lang="en-US" smtClean="0"/>
-              <a:t>1/26/2020</a:t>
+              <a:t>1/28/2020</a:t>
             </a:fld>
             <a:endParaRPr lang="en-US"/>
           </a:p>
@@ -3410,7 +3421,7 @@
           <a:p>
             <a:fld id="{C6149DEC-0B74-4EB2-84E5-925F2477763F}" type="datetimeFigureOut">
               <a:rPr lang="en-US" smtClean="0"/>
-              <a:t>1/26/2020</a:t>
+              <a:t>1/28/2020</a:t>
             </a:fld>
             <a:endParaRPr lang="en-US"/>
           </a:p>
@@ -3654,7 +3665,7 @@
           <a:p>
             <a:fld id="{C6149DEC-0B74-4EB2-84E5-925F2477763F}" type="datetimeFigureOut">
               <a:rPr lang="en-US" smtClean="0"/>
-              <a:t>1/26/2020</a:t>
+              <a:t>1/28/2020</a:t>
             </a:fld>
             <a:endParaRPr lang="en-US"/>
           </a:p>
@@ -3890,7 +3901,7 @@
           <a:p>
             <a:fld id="{C6149DEC-0B74-4EB2-84E5-925F2477763F}" type="datetimeFigureOut">
               <a:rPr lang="en-US" smtClean="0"/>
-              <a:t>1/26/2020</a:t>
+              <a:t>1/28/2020</a:t>
             </a:fld>
             <a:endParaRPr lang="en-US"/>
           </a:p>
@@ -4361,7 +4372,7 @@
           <a:p>
             <a:fld id="{C6149DEC-0B74-4EB2-84E5-925F2477763F}" type="datetimeFigureOut">
               <a:rPr lang="en-US" smtClean="0"/>
-              <a:t>1/26/2020</a:t>
+              <a:t>1/28/2020</a:t>
             </a:fld>
             <a:endParaRPr lang="en-US"/>
           </a:p>
@@ -4484,7 +4495,7 @@
           <a:p>
             <a:fld id="{C6149DEC-0B74-4EB2-84E5-925F2477763F}" type="datetimeFigureOut">
               <a:rPr lang="en-US" smtClean="0"/>
-              <a:t>1/26/2020</a:t>
+              <a:t>1/28/2020</a:t>
             </a:fld>
             <a:endParaRPr lang="en-US"/>
           </a:p>
@@ -4579,7 +4590,7 @@
           <a:p>
             <a:fld id="{C6149DEC-0B74-4EB2-84E5-925F2477763F}" type="datetimeFigureOut">
               <a:rPr lang="en-US" smtClean="0"/>
-              <a:t>1/26/2020</a:t>
+              <a:t>1/28/2020</a:t>
             </a:fld>
             <a:endParaRPr lang="en-US"/>
           </a:p>
@@ -4834,7 +4845,7 @@
           <a:p>
             <a:fld id="{C6149DEC-0B74-4EB2-84E5-925F2477763F}" type="datetimeFigureOut">
               <a:rPr lang="en-US" smtClean="0"/>
-              <a:t>1/26/2020</a:t>
+              <a:t>1/28/2020</a:t>
             </a:fld>
             <a:endParaRPr lang="en-US"/>
           </a:p>
@@ -5139,7 +5150,7 @@
           <a:p>
             <a:fld id="{C6149DEC-0B74-4EB2-84E5-925F2477763F}" type="datetimeFigureOut">
               <a:rPr lang="en-US" smtClean="0"/>
-              <a:t>1/26/2020</a:t>
+              <a:t>1/28/2020</a:t>
             </a:fld>
             <a:endParaRPr lang="en-US"/>
           </a:p>
@@ -5373,7 +5384,7 @@
           <a:p>
             <a:fld id="{C6149DEC-0B74-4EB2-84E5-925F2477763F}" type="datetimeFigureOut">
               <a:rPr lang="en-US" smtClean="0"/>
-              <a:t>1/26/2020</a:t>
+              <a:t>1/28/2020</a:t>
             </a:fld>
             <a:endParaRPr lang="en-US"/>
           </a:p>
@@ -6266,6 +6277,521 @@
           <p:cNvPr id="2" name="Título 1">
             <a:extLst>
               <a:ext uri="{FF2B5EF4-FFF2-40B4-BE49-F238E27FC236}">
+                <a16:creationId xmlns:a16="http://schemas.microsoft.com/office/drawing/2014/main" id="{404E281B-D69E-4930-B314-56204F7B3978}"/>
+              </a:ext>
+            </a:extLst>
+          </p:cNvPr>
+          <p:cNvSpPr>
+            <a:spLocks noGrp="1"/>
+          </p:cNvSpPr>
+          <p:nvPr>
+            <p:ph type="title"/>
+          </p:nvPr>
+        </p:nvSpPr>
+        <p:spPr/>
+        <p:txBody>
+          <a:bodyPr>
+            <a:normAutofit fontScale="90000"/>
+          </a:bodyPr>
+          <a:lstStyle/>
+          <a:p>
+            <a:r>
+              <a:rPr lang="es-ES" dirty="0"/>
+              <a:t>Aplicaciones más utilizadas para publicar Tweets</a:t>
+            </a:r>
+            <a:endParaRPr lang="en-US" dirty="0"/>
+          </a:p>
+        </p:txBody>
+      </p:sp>
+      <p:pic>
+        <p:nvPicPr>
+          <p:cNvPr id="4" name="Marcador de contenido 3">
+            <a:extLst>
+              <a:ext uri="{FF2B5EF4-FFF2-40B4-BE49-F238E27FC236}">
+                <a16:creationId xmlns:a16="http://schemas.microsoft.com/office/drawing/2014/main" id="{4B33B69A-FE8B-45E8-8938-B56D6C90F783}"/>
+              </a:ext>
+            </a:extLst>
+          </p:cNvPr>
+          <p:cNvPicPr>
+            <a:picLocks noGrp="1" noChangeAspect="1"/>
+          </p:cNvPicPr>
+          <p:nvPr>
+            <p:ph idx="1"/>
+          </p:nvPr>
+        </p:nvPicPr>
+        <p:blipFill rotWithShape="1">
+          <a:blip r:embed="rId2"/>
+          <a:srcRect l="7068" t="29362" r="33360" b="34763"/>
+          <a:stretch/>
+        </p:blipFill>
+        <p:spPr>
+          <a:xfrm>
+            <a:off x="1002092" y="2257778"/>
+            <a:ext cx="10402579" cy="3522135"/>
+          </a:xfrm>
+          <a:prstGeom prst="rect">
+            <a:avLst/>
+          </a:prstGeom>
+        </p:spPr>
+      </p:pic>
+    </p:spTree>
+    <p:extLst>
+      <p:ext uri="{BB962C8B-B14F-4D97-AF65-F5344CB8AC3E}">
+        <p14:creationId xmlns:p14="http://schemas.microsoft.com/office/powerpoint/2010/main" val="1764736838"/>
+      </p:ext>
+    </p:extLst>
+  </p:cSld>
+  <p:clrMapOvr>
+    <a:masterClrMapping/>
+  </p:clrMapOvr>
+</p:sld>
+</file>
+
+<file path=ppt/slides/slide11.xml><?xml version="1.0" encoding="utf-8"?>
+<p:sld xmlns:a="http://schemas.openxmlformats.org/drawingml/2006/main" xmlns:r="http://schemas.openxmlformats.org/officeDocument/2006/relationships" xmlns:p="http://schemas.openxmlformats.org/presentationml/2006/main">
+  <p:cSld>
+    <p:spTree>
+      <p:nvGrpSpPr>
+        <p:cNvPr id="1" name=""/>
+        <p:cNvGrpSpPr/>
+        <p:nvPr/>
+      </p:nvGrpSpPr>
+      <p:grpSpPr>
+        <a:xfrm>
+          <a:off x="0" y="0"/>
+          <a:ext cx="0" cy="0"/>
+          <a:chOff x="0" y="0"/>
+          <a:chExt cx="0" cy="0"/>
+        </a:xfrm>
+      </p:grpSpPr>
+      <p:sp>
+        <p:nvSpPr>
+          <p:cNvPr id="2" name="Título 1">
+            <a:extLst>
+              <a:ext uri="{FF2B5EF4-FFF2-40B4-BE49-F238E27FC236}">
+                <a16:creationId xmlns:a16="http://schemas.microsoft.com/office/drawing/2014/main" id="{896F55E0-9AB9-4D50-986A-CEA13C13C3D7}"/>
+              </a:ext>
+            </a:extLst>
+          </p:cNvPr>
+          <p:cNvSpPr>
+            <a:spLocks noGrp="1"/>
+          </p:cNvSpPr>
+          <p:nvPr>
+            <p:ph type="title"/>
+          </p:nvPr>
+        </p:nvSpPr>
+        <p:spPr/>
+        <p:txBody>
+          <a:bodyPr/>
+          <a:lstStyle/>
+          <a:p>
+            <a:endParaRPr lang="en-US"/>
+          </a:p>
+        </p:txBody>
+      </p:sp>
+      <p:sp>
+        <p:nvSpPr>
+          <p:cNvPr id="3" name="Marcador de contenido 2">
+            <a:extLst>
+              <a:ext uri="{FF2B5EF4-FFF2-40B4-BE49-F238E27FC236}">
+                <a16:creationId xmlns:a16="http://schemas.microsoft.com/office/drawing/2014/main" id="{81543906-A858-4E7C-957F-6089C727D73E}"/>
+              </a:ext>
+            </a:extLst>
+          </p:cNvPr>
+          <p:cNvSpPr>
+            <a:spLocks noGrp="1"/>
+          </p:cNvSpPr>
+          <p:nvPr>
+            <p:ph idx="1"/>
+          </p:nvPr>
+        </p:nvSpPr>
+        <p:spPr/>
+        <p:txBody>
+          <a:bodyPr/>
+          <a:lstStyle/>
+          <a:p>
+            <a:endParaRPr lang="en-US"/>
+          </a:p>
+        </p:txBody>
+      </p:sp>
+    </p:spTree>
+    <p:extLst>
+      <p:ext uri="{BB962C8B-B14F-4D97-AF65-F5344CB8AC3E}">
+        <p14:creationId xmlns:p14="http://schemas.microsoft.com/office/powerpoint/2010/main" val="3460652315"/>
+      </p:ext>
+    </p:extLst>
+  </p:cSld>
+  <p:clrMapOvr>
+    <a:masterClrMapping/>
+  </p:clrMapOvr>
+</p:sld>
+</file>
+
+<file path=ppt/slides/slide12.xml><?xml version="1.0" encoding="utf-8"?>
+<p:sld xmlns:a="http://schemas.openxmlformats.org/drawingml/2006/main" xmlns:r="http://schemas.openxmlformats.org/officeDocument/2006/relationships" xmlns:p="http://schemas.openxmlformats.org/presentationml/2006/main">
+  <p:cSld>
+    <p:spTree>
+      <p:nvGrpSpPr>
+        <p:cNvPr id="1" name=""/>
+        <p:cNvGrpSpPr/>
+        <p:nvPr/>
+      </p:nvGrpSpPr>
+      <p:grpSpPr>
+        <a:xfrm>
+          <a:off x="0" y="0"/>
+          <a:ext cx="0" cy="0"/>
+          <a:chOff x="0" y="0"/>
+          <a:chExt cx="0" cy="0"/>
+        </a:xfrm>
+      </p:grpSpPr>
+      <p:sp>
+        <p:nvSpPr>
+          <p:cNvPr id="2" name="Título 1">
+            <a:extLst>
+              <a:ext uri="{FF2B5EF4-FFF2-40B4-BE49-F238E27FC236}">
+                <a16:creationId xmlns:a16="http://schemas.microsoft.com/office/drawing/2014/main" id="{C2A8908E-7CD2-4CB3-96FC-7FF80B76A6AF}"/>
+              </a:ext>
+            </a:extLst>
+          </p:cNvPr>
+          <p:cNvSpPr>
+            <a:spLocks noGrp="1"/>
+          </p:cNvSpPr>
+          <p:nvPr>
+            <p:ph type="title"/>
+          </p:nvPr>
+        </p:nvSpPr>
+        <p:spPr/>
+        <p:txBody>
+          <a:bodyPr/>
+          <a:lstStyle/>
+          <a:p>
+            <a:r>
+              <a:rPr lang="en-US" dirty="0"/>
+              <a:t>Distribución de Hashtags</a:t>
+            </a:r>
+          </a:p>
+        </p:txBody>
+      </p:sp>
+      <p:pic>
+        <p:nvPicPr>
+          <p:cNvPr id="4" name="Marcador de contenido 3">
+            <a:extLst>
+              <a:ext uri="{FF2B5EF4-FFF2-40B4-BE49-F238E27FC236}">
+                <a16:creationId xmlns:a16="http://schemas.microsoft.com/office/drawing/2014/main" id="{96F0D5BC-84F5-4244-BF3D-9853DD169EAB}"/>
+              </a:ext>
+            </a:extLst>
+          </p:cNvPr>
+          <p:cNvPicPr>
+            <a:picLocks noGrp="1" noChangeAspect="1"/>
+          </p:cNvPicPr>
+          <p:nvPr>
+            <p:ph idx="1"/>
+          </p:nvPr>
+        </p:nvPicPr>
+        <p:blipFill rotWithShape="1">
+          <a:blip r:embed="rId2"/>
+          <a:srcRect l="8010" t="19304" r="31759" b="58227"/>
+          <a:stretch/>
+        </p:blipFill>
+        <p:spPr>
+          <a:xfrm>
+            <a:off x="1840088" y="1930399"/>
+            <a:ext cx="8719355" cy="1828800"/>
+          </a:xfrm>
+          <a:prstGeom prst="rect">
+            <a:avLst/>
+          </a:prstGeom>
+        </p:spPr>
+      </p:pic>
+    </p:spTree>
+    <p:extLst>
+      <p:ext uri="{BB962C8B-B14F-4D97-AF65-F5344CB8AC3E}">
+        <p14:creationId xmlns:p14="http://schemas.microsoft.com/office/powerpoint/2010/main" val="2047878823"/>
+      </p:ext>
+    </p:extLst>
+  </p:cSld>
+  <p:clrMapOvr>
+    <a:masterClrMapping/>
+  </p:clrMapOvr>
+</p:sld>
+</file>
+
+<file path=ppt/slides/slide13.xml><?xml version="1.0" encoding="utf-8"?>
+<p:sld xmlns:a="http://schemas.openxmlformats.org/drawingml/2006/main" xmlns:r="http://schemas.openxmlformats.org/officeDocument/2006/relationships" xmlns:p="http://schemas.openxmlformats.org/presentationml/2006/main">
+  <p:cSld>
+    <p:spTree>
+      <p:nvGrpSpPr>
+        <p:cNvPr id="1" name=""/>
+        <p:cNvGrpSpPr/>
+        <p:nvPr/>
+      </p:nvGrpSpPr>
+      <p:grpSpPr>
+        <a:xfrm>
+          <a:off x="0" y="0"/>
+          <a:ext cx="0" cy="0"/>
+          <a:chOff x="0" y="0"/>
+          <a:chExt cx="0" cy="0"/>
+        </a:xfrm>
+      </p:grpSpPr>
+      <p:sp>
+        <p:nvSpPr>
+          <p:cNvPr id="2" name="Título 1">
+            <a:extLst>
+              <a:ext uri="{FF2B5EF4-FFF2-40B4-BE49-F238E27FC236}">
+                <a16:creationId xmlns:a16="http://schemas.microsoft.com/office/drawing/2014/main" id="{CE5466F9-F92A-4842-A39C-11AFC1A6DE7A}"/>
+              </a:ext>
+            </a:extLst>
+          </p:cNvPr>
+          <p:cNvSpPr>
+            <a:spLocks noGrp="1"/>
+          </p:cNvSpPr>
+          <p:nvPr>
+            <p:ph type="title"/>
+          </p:nvPr>
+        </p:nvSpPr>
+        <p:spPr/>
+        <p:txBody>
+          <a:bodyPr/>
+          <a:lstStyle/>
+          <a:p>
+            <a:endParaRPr lang="en-US"/>
+          </a:p>
+        </p:txBody>
+      </p:sp>
+      <p:sp>
+        <p:nvSpPr>
+          <p:cNvPr id="3" name="Marcador de contenido 2">
+            <a:extLst>
+              <a:ext uri="{FF2B5EF4-FFF2-40B4-BE49-F238E27FC236}">
+                <a16:creationId xmlns:a16="http://schemas.microsoft.com/office/drawing/2014/main" id="{7E8913BD-186A-4073-97BD-1357288A876B}"/>
+              </a:ext>
+            </a:extLst>
+          </p:cNvPr>
+          <p:cNvSpPr>
+            <a:spLocks noGrp="1"/>
+          </p:cNvSpPr>
+          <p:nvPr>
+            <p:ph idx="1"/>
+          </p:nvPr>
+        </p:nvSpPr>
+        <p:spPr/>
+        <p:txBody>
+          <a:bodyPr/>
+          <a:lstStyle/>
+          <a:p>
+            <a:endParaRPr lang="en-US"/>
+          </a:p>
+        </p:txBody>
+      </p:sp>
+    </p:spTree>
+    <p:extLst>
+      <p:ext uri="{BB962C8B-B14F-4D97-AF65-F5344CB8AC3E}">
+        <p14:creationId xmlns:p14="http://schemas.microsoft.com/office/powerpoint/2010/main" val="2446074573"/>
+      </p:ext>
+    </p:extLst>
+  </p:cSld>
+  <p:clrMapOvr>
+    <a:masterClrMapping/>
+  </p:clrMapOvr>
+</p:sld>
+</file>
+
+<file path=ppt/slides/slide14.xml><?xml version="1.0" encoding="utf-8"?>
+<p:sld xmlns:a="http://schemas.openxmlformats.org/drawingml/2006/main" xmlns:r="http://schemas.openxmlformats.org/officeDocument/2006/relationships" xmlns:p="http://schemas.openxmlformats.org/presentationml/2006/main">
+  <p:cSld>
+    <p:spTree>
+      <p:nvGrpSpPr>
+        <p:cNvPr id="1" name=""/>
+        <p:cNvGrpSpPr/>
+        <p:nvPr/>
+      </p:nvGrpSpPr>
+      <p:grpSpPr>
+        <a:xfrm>
+          <a:off x="0" y="0"/>
+          <a:ext cx="0" cy="0"/>
+          <a:chOff x="0" y="0"/>
+          <a:chExt cx="0" cy="0"/>
+        </a:xfrm>
+      </p:grpSpPr>
+      <p:sp>
+        <p:nvSpPr>
+          <p:cNvPr id="2" name="Título 1">
+            <a:extLst>
+              <a:ext uri="{FF2B5EF4-FFF2-40B4-BE49-F238E27FC236}">
+                <a16:creationId xmlns:a16="http://schemas.microsoft.com/office/drawing/2014/main" id="{B1DF6138-4335-40CF-808E-4364CF4BFD7C}"/>
+              </a:ext>
+            </a:extLst>
+          </p:cNvPr>
+          <p:cNvSpPr>
+            <a:spLocks noGrp="1"/>
+          </p:cNvSpPr>
+          <p:nvPr>
+            <p:ph type="title"/>
+          </p:nvPr>
+        </p:nvSpPr>
+        <p:spPr/>
+        <p:txBody>
+          <a:bodyPr/>
+          <a:lstStyle/>
+          <a:p>
+            <a:r>
+              <a:rPr lang="en-US" dirty="0"/>
+              <a:t>Distribución de </a:t>
+            </a:r>
+            <a:r>
+              <a:rPr lang="en-US" dirty="0" err="1"/>
+              <a:t>menciones</a:t>
+            </a:r>
+            <a:endParaRPr lang="en-US" dirty="0"/>
+          </a:p>
+        </p:txBody>
+      </p:sp>
+      <p:pic>
+        <p:nvPicPr>
+          <p:cNvPr id="4" name="Marcador de contenido 3">
+            <a:extLst>
+              <a:ext uri="{FF2B5EF4-FFF2-40B4-BE49-F238E27FC236}">
+                <a16:creationId xmlns:a16="http://schemas.microsoft.com/office/drawing/2014/main" id="{9F7F164F-1B56-4E29-9AA3-7441F690C310}"/>
+              </a:ext>
+            </a:extLst>
+          </p:cNvPr>
+          <p:cNvPicPr>
+            <a:picLocks noGrp="1" noChangeAspect="1"/>
+          </p:cNvPicPr>
+          <p:nvPr>
+            <p:ph idx="1"/>
+          </p:nvPr>
+        </p:nvPicPr>
+        <p:blipFill rotWithShape="1">
+          <a:blip r:embed="rId2"/>
+          <a:srcRect l="6910" t="37983" r="26481" b="41994"/>
+          <a:stretch/>
+        </p:blipFill>
+        <p:spPr>
+          <a:xfrm>
+            <a:off x="1014570" y="2303327"/>
+            <a:ext cx="10016555" cy="1692939"/>
+          </a:xfrm>
+          <a:prstGeom prst="rect">
+            <a:avLst/>
+          </a:prstGeom>
+        </p:spPr>
+      </p:pic>
+    </p:spTree>
+    <p:extLst>
+      <p:ext uri="{BB962C8B-B14F-4D97-AF65-F5344CB8AC3E}">
+        <p14:creationId xmlns:p14="http://schemas.microsoft.com/office/powerpoint/2010/main" val="3006347133"/>
+      </p:ext>
+    </p:extLst>
+  </p:cSld>
+  <p:clrMapOvr>
+    <a:masterClrMapping/>
+  </p:clrMapOvr>
+</p:sld>
+</file>
+
+<file path=ppt/slides/slide15.xml><?xml version="1.0" encoding="utf-8"?>
+<p:sld xmlns:a="http://schemas.openxmlformats.org/drawingml/2006/main" xmlns:r="http://schemas.openxmlformats.org/officeDocument/2006/relationships" xmlns:p="http://schemas.openxmlformats.org/presentationml/2006/main">
+  <p:cSld>
+    <p:spTree>
+      <p:nvGrpSpPr>
+        <p:cNvPr id="1" name=""/>
+        <p:cNvGrpSpPr/>
+        <p:nvPr/>
+      </p:nvGrpSpPr>
+      <p:grpSpPr>
+        <a:xfrm>
+          <a:off x="0" y="0"/>
+          <a:ext cx="0" cy="0"/>
+          <a:chOff x="0" y="0"/>
+          <a:chExt cx="0" cy="0"/>
+        </a:xfrm>
+      </p:grpSpPr>
+      <p:sp>
+        <p:nvSpPr>
+          <p:cNvPr id="2" name="Título 1">
+            <a:extLst>
+              <a:ext uri="{FF2B5EF4-FFF2-40B4-BE49-F238E27FC236}">
+                <a16:creationId xmlns:a16="http://schemas.microsoft.com/office/drawing/2014/main" id="{5E3A5C11-CDF7-4F1D-816E-9561F253639F}"/>
+              </a:ext>
+            </a:extLst>
+          </p:cNvPr>
+          <p:cNvSpPr>
+            <a:spLocks noGrp="1"/>
+          </p:cNvSpPr>
+          <p:nvPr>
+            <p:ph type="title"/>
+          </p:nvPr>
+        </p:nvSpPr>
+        <p:spPr/>
+        <p:txBody>
+          <a:bodyPr/>
+          <a:lstStyle/>
+          <a:p>
+            <a:endParaRPr lang="en-US"/>
+          </a:p>
+        </p:txBody>
+      </p:sp>
+      <p:sp>
+        <p:nvSpPr>
+          <p:cNvPr id="3" name="Marcador de contenido 2">
+            <a:extLst>
+              <a:ext uri="{FF2B5EF4-FFF2-40B4-BE49-F238E27FC236}">
+                <a16:creationId xmlns:a16="http://schemas.microsoft.com/office/drawing/2014/main" id="{56108E15-3297-49C2-8E02-B373EF4AE0B1}"/>
+              </a:ext>
+            </a:extLst>
+          </p:cNvPr>
+          <p:cNvSpPr>
+            <a:spLocks noGrp="1"/>
+          </p:cNvSpPr>
+          <p:nvPr>
+            <p:ph idx="1"/>
+          </p:nvPr>
+        </p:nvSpPr>
+        <p:spPr/>
+        <p:txBody>
+          <a:bodyPr/>
+          <a:lstStyle/>
+          <a:p>
+            <a:endParaRPr lang="en-US"/>
+          </a:p>
+        </p:txBody>
+      </p:sp>
+    </p:spTree>
+    <p:extLst>
+      <p:ext uri="{BB962C8B-B14F-4D97-AF65-F5344CB8AC3E}">
+        <p14:creationId xmlns:p14="http://schemas.microsoft.com/office/powerpoint/2010/main" val="3515035183"/>
+      </p:ext>
+    </p:extLst>
+  </p:cSld>
+  <p:clrMapOvr>
+    <a:masterClrMapping/>
+  </p:clrMapOvr>
+</p:sld>
+</file>
+
+<file path=ppt/slides/slide16.xml><?xml version="1.0" encoding="utf-8"?>
+<p:sld xmlns:a="http://schemas.openxmlformats.org/drawingml/2006/main" xmlns:r="http://schemas.openxmlformats.org/officeDocument/2006/relationships" xmlns:p="http://schemas.openxmlformats.org/presentationml/2006/main">
+  <p:cSld>
+    <p:spTree>
+      <p:nvGrpSpPr>
+        <p:cNvPr id="1" name=""/>
+        <p:cNvGrpSpPr/>
+        <p:nvPr/>
+      </p:nvGrpSpPr>
+      <p:grpSpPr>
+        <a:xfrm>
+          <a:off x="0" y="0"/>
+          <a:ext cx="0" cy="0"/>
+          <a:chOff x="0" y="0"/>
+          <a:chExt cx="0" cy="0"/>
+        </a:xfrm>
+      </p:grpSpPr>
+      <p:sp>
+        <p:nvSpPr>
+          <p:cNvPr id="2" name="Título 1">
+            <a:extLst>
+              <a:ext uri="{FF2B5EF4-FFF2-40B4-BE49-F238E27FC236}">
                 <a16:creationId xmlns:a16="http://schemas.microsoft.com/office/drawing/2014/main" id="{0D02D3FB-8039-4837-98C9-80B15F3390DA}"/>
               </a:ext>
             </a:extLst>
@@ -6333,7 +6859,87 @@
 </p:sld>
 </file>
 
-<file path=ppt/slides/slide11.xml><?xml version="1.0" encoding="utf-8"?>
+<file path=ppt/slides/slide17.xml><?xml version="1.0" encoding="utf-8"?>
+<p:sld xmlns:a="http://schemas.openxmlformats.org/drawingml/2006/main" xmlns:r="http://schemas.openxmlformats.org/officeDocument/2006/relationships" xmlns:p="http://schemas.openxmlformats.org/presentationml/2006/main">
+  <p:cSld>
+    <p:spTree>
+      <p:nvGrpSpPr>
+        <p:cNvPr id="1" name=""/>
+        <p:cNvGrpSpPr/>
+        <p:nvPr/>
+      </p:nvGrpSpPr>
+      <p:grpSpPr>
+        <a:xfrm>
+          <a:off x="0" y="0"/>
+          <a:ext cx="0" cy="0"/>
+          <a:chOff x="0" y="0"/>
+          <a:chExt cx="0" cy="0"/>
+        </a:xfrm>
+      </p:grpSpPr>
+      <p:sp>
+        <p:nvSpPr>
+          <p:cNvPr id="2" name="Título 1">
+            <a:extLst>
+              <a:ext uri="{FF2B5EF4-FFF2-40B4-BE49-F238E27FC236}">
+                <a16:creationId xmlns:a16="http://schemas.microsoft.com/office/drawing/2014/main" id="{E02285B1-9DAD-43C8-9002-48F8FD41D5F7}"/>
+              </a:ext>
+            </a:extLst>
+          </p:cNvPr>
+          <p:cNvSpPr>
+            <a:spLocks noGrp="1"/>
+          </p:cNvSpPr>
+          <p:nvPr>
+            <p:ph type="title"/>
+          </p:nvPr>
+        </p:nvSpPr>
+        <p:spPr/>
+        <p:txBody>
+          <a:bodyPr/>
+          <a:lstStyle/>
+          <a:p>
+            <a:endParaRPr lang="en-US"/>
+          </a:p>
+        </p:txBody>
+      </p:sp>
+      <p:sp>
+        <p:nvSpPr>
+          <p:cNvPr id="3" name="Marcador de contenido 2">
+            <a:extLst>
+              <a:ext uri="{FF2B5EF4-FFF2-40B4-BE49-F238E27FC236}">
+                <a16:creationId xmlns:a16="http://schemas.microsoft.com/office/drawing/2014/main" id="{F6E3F0DD-595C-4F30-A823-D862FF55ED89}"/>
+              </a:ext>
+            </a:extLst>
+          </p:cNvPr>
+          <p:cNvSpPr>
+            <a:spLocks noGrp="1"/>
+          </p:cNvSpPr>
+          <p:nvPr>
+            <p:ph idx="1"/>
+          </p:nvPr>
+        </p:nvSpPr>
+        <p:spPr/>
+        <p:txBody>
+          <a:bodyPr/>
+          <a:lstStyle/>
+          <a:p>
+            <a:endParaRPr lang="en-US"/>
+          </a:p>
+        </p:txBody>
+      </p:sp>
+    </p:spTree>
+    <p:extLst>
+      <p:ext uri="{BB962C8B-B14F-4D97-AF65-F5344CB8AC3E}">
+        <p14:creationId xmlns:p14="http://schemas.microsoft.com/office/powerpoint/2010/main" val="403996753"/>
+      </p:ext>
+    </p:extLst>
+  </p:cSld>
+  <p:clrMapOvr>
+    <a:masterClrMapping/>
+  </p:clrMapOvr>
+</p:sld>
+</file>
+
+<file path=ppt/slides/slide18.xml><?xml version="1.0" encoding="utf-8"?>
 <p:sld xmlns:a="http://schemas.openxmlformats.org/drawingml/2006/main" xmlns:r="http://schemas.openxmlformats.org/officeDocument/2006/relationships" xmlns:p="http://schemas.openxmlformats.org/presentationml/2006/main">
   <p:cSld>
     <p:spTree>
@@ -6422,7 +7028,207 @@
 </p:sld>
 </file>
 
-<file path=ppt/slides/slide12.xml><?xml version="1.0" encoding="utf-8"?>
+<file path=ppt/slides/slide19.xml><?xml version="1.0" encoding="utf-8"?>
+<p:sld xmlns:a="http://schemas.openxmlformats.org/drawingml/2006/main" xmlns:r="http://schemas.openxmlformats.org/officeDocument/2006/relationships" xmlns:p="http://schemas.openxmlformats.org/presentationml/2006/main">
+  <p:cSld>
+    <p:spTree>
+      <p:nvGrpSpPr>
+        <p:cNvPr id="1" name=""/>
+        <p:cNvGrpSpPr/>
+        <p:nvPr/>
+      </p:nvGrpSpPr>
+      <p:grpSpPr>
+        <a:xfrm>
+          <a:off x="0" y="0"/>
+          <a:ext cx="0" cy="0"/>
+          <a:chOff x="0" y="0"/>
+          <a:chExt cx="0" cy="0"/>
+        </a:xfrm>
+      </p:grpSpPr>
+      <p:sp>
+        <p:nvSpPr>
+          <p:cNvPr id="2" name="Título 1">
+            <a:extLst>
+              <a:ext uri="{FF2B5EF4-FFF2-40B4-BE49-F238E27FC236}">
+                <a16:creationId xmlns:a16="http://schemas.microsoft.com/office/drawing/2014/main" id="{44C09110-71FD-43D3-8B0D-6253A0194E05}"/>
+              </a:ext>
+            </a:extLst>
+          </p:cNvPr>
+          <p:cNvSpPr>
+            <a:spLocks noGrp="1"/>
+          </p:cNvSpPr>
+          <p:nvPr>
+            <p:ph type="title"/>
+          </p:nvPr>
+        </p:nvSpPr>
+        <p:spPr/>
+        <p:txBody>
+          <a:bodyPr/>
+          <a:lstStyle/>
+          <a:p>
+            <a:endParaRPr lang="en-US"/>
+          </a:p>
+        </p:txBody>
+      </p:sp>
+      <p:sp>
+        <p:nvSpPr>
+          <p:cNvPr id="3" name="Marcador de contenido 2">
+            <a:extLst>
+              <a:ext uri="{FF2B5EF4-FFF2-40B4-BE49-F238E27FC236}">
+                <a16:creationId xmlns:a16="http://schemas.microsoft.com/office/drawing/2014/main" id="{0B5751B7-EC6F-48BE-88D7-4EE0D308A605}"/>
+              </a:ext>
+            </a:extLst>
+          </p:cNvPr>
+          <p:cNvSpPr>
+            <a:spLocks noGrp="1"/>
+          </p:cNvSpPr>
+          <p:nvPr>
+            <p:ph idx="1"/>
+          </p:nvPr>
+        </p:nvSpPr>
+        <p:spPr/>
+        <p:txBody>
+          <a:bodyPr/>
+          <a:lstStyle/>
+          <a:p>
+            <a:endParaRPr lang="en-US"/>
+          </a:p>
+        </p:txBody>
+      </p:sp>
+    </p:spTree>
+    <p:extLst>
+      <p:ext uri="{BB962C8B-B14F-4D97-AF65-F5344CB8AC3E}">
+        <p14:creationId xmlns:p14="http://schemas.microsoft.com/office/powerpoint/2010/main" val="2302840247"/>
+      </p:ext>
+    </p:extLst>
+  </p:cSld>
+  <p:clrMapOvr>
+    <a:masterClrMapping/>
+  </p:clrMapOvr>
+</p:sld>
+</file>
+
+<file path=ppt/slides/slide2.xml><?xml version="1.0" encoding="utf-8"?>
+<p:sld xmlns:a="http://schemas.openxmlformats.org/drawingml/2006/main" xmlns:r="http://schemas.openxmlformats.org/officeDocument/2006/relationships" xmlns:p="http://schemas.openxmlformats.org/presentationml/2006/main">
+  <p:cSld>
+    <p:spTree>
+      <p:nvGrpSpPr>
+        <p:cNvPr id="1" name=""/>
+        <p:cNvGrpSpPr/>
+        <p:nvPr/>
+      </p:nvGrpSpPr>
+      <p:grpSpPr>
+        <a:xfrm>
+          <a:off x="0" y="0"/>
+          <a:ext cx="0" cy="0"/>
+          <a:chOff x="0" y="0"/>
+          <a:chExt cx="0" cy="0"/>
+        </a:xfrm>
+      </p:grpSpPr>
+      <p:sp>
+        <p:nvSpPr>
+          <p:cNvPr id="2" name="Título 1">
+            <a:extLst>
+              <a:ext uri="{FF2B5EF4-FFF2-40B4-BE49-F238E27FC236}">
+                <a16:creationId xmlns:a16="http://schemas.microsoft.com/office/drawing/2014/main" id="{55E1685E-EF9F-45AF-B0EB-FD8FB3984DF1}"/>
+              </a:ext>
+            </a:extLst>
+          </p:cNvPr>
+          <p:cNvSpPr>
+            <a:spLocks noGrp="1"/>
+          </p:cNvSpPr>
+          <p:nvPr>
+            <p:ph type="title"/>
+          </p:nvPr>
+        </p:nvSpPr>
+        <p:spPr/>
+        <p:txBody>
+          <a:bodyPr>
+            <a:normAutofit/>
+          </a:bodyPr>
+          <a:lstStyle/>
+          <a:p>
+            <a:r>
+              <a:rPr lang="es-EC" dirty="0"/>
+              <a:t>OBJETIVOS</a:t>
+            </a:r>
+            <a:endParaRPr lang="en-US" dirty="0"/>
+          </a:p>
+        </p:txBody>
+      </p:sp>
+      <p:sp>
+        <p:nvSpPr>
+          <p:cNvPr id="3" name="Marcador de contenido 2">
+            <a:extLst>
+              <a:ext uri="{FF2B5EF4-FFF2-40B4-BE49-F238E27FC236}">
+                <a16:creationId xmlns:a16="http://schemas.microsoft.com/office/drawing/2014/main" id="{F19BE3D7-0571-40D7-A5A3-F8D6FE58BFCF}"/>
+              </a:ext>
+            </a:extLst>
+          </p:cNvPr>
+          <p:cNvSpPr>
+            <a:spLocks noGrp="1"/>
+          </p:cNvSpPr>
+          <p:nvPr>
+            <p:ph idx="1"/>
+          </p:nvPr>
+        </p:nvSpPr>
+        <p:spPr/>
+        <p:txBody>
+          <a:bodyPr/>
+          <a:lstStyle/>
+          <a:p>
+            <a:pPr marL="36900" indent="0">
+              <a:buNone/>
+            </a:pPr>
+            <a:r>
+              <a:rPr lang="es-EC" dirty="0"/>
+              <a:t>GENERAL</a:t>
+            </a:r>
+          </a:p>
+          <a:p>
+            <a:r>
+              <a:rPr lang="es-ES" dirty="0"/>
+              <a:t>Realizar un análisis exploratorio de datos a un data set</a:t>
+            </a:r>
+          </a:p>
+          <a:p>
+            <a:pPr marL="36900" indent="0">
+              <a:buNone/>
+            </a:pPr>
+            <a:r>
+              <a:rPr lang="en-US" dirty="0"/>
+              <a:t>ESPECIFICO</a:t>
+            </a:r>
+          </a:p>
+          <a:p>
+            <a:r>
+              <a:rPr lang="es-ES" dirty="0"/>
+              <a:t>Construir un conjunto de consultas SQL para extraer datos almacenados en la base de datos con el fin de proporcionar información relevante.</a:t>
+            </a:r>
+          </a:p>
+          <a:p>
+            <a:r>
+              <a:rPr lang="es-ES" dirty="0"/>
+              <a:t> Utilizar conceptos de programación funcional para realizar análisis exploratorio de datos. </a:t>
+            </a:r>
+            <a:endParaRPr lang="en-US" dirty="0"/>
+          </a:p>
+        </p:txBody>
+      </p:sp>
+    </p:spTree>
+    <p:extLst>
+      <p:ext uri="{BB962C8B-B14F-4D97-AF65-F5344CB8AC3E}">
+        <p14:creationId xmlns:p14="http://schemas.microsoft.com/office/powerpoint/2010/main" val="1121408369"/>
+      </p:ext>
+    </p:extLst>
+  </p:cSld>
+  <p:clrMapOvr>
+    <a:masterClrMapping/>
+  </p:clrMapOvr>
+</p:sld>
+</file>
+
+<file path=ppt/slides/slide20.xml><?xml version="1.0" encoding="utf-8"?>
 <p:sld xmlns:a="http://schemas.openxmlformats.org/drawingml/2006/main" xmlns:r="http://schemas.openxmlformats.org/officeDocument/2006/relationships" xmlns:p="http://schemas.openxmlformats.org/presentationml/2006/main">
   <p:cSld>
     <p:spTree>
@@ -6514,7 +7320,229 @@
 </p:sld>
 </file>
 
-<file path=ppt/slides/slide13.xml><?xml version="1.0" encoding="utf-8"?>
+<file path=ppt/slides/slide21.xml><?xml version="1.0" encoding="utf-8"?>
+<p:sld xmlns:a="http://schemas.openxmlformats.org/drawingml/2006/main" xmlns:r="http://schemas.openxmlformats.org/officeDocument/2006/relationships" xmlns:p="http://schemas.openxmlformats.org/presentationml/2006/main">
+  <p:cSld>
+    <p:spTree>
+      <p:nvGrpSpPr>
+        <p:cNvPr id="1" name=""/>
+        <p:cNvGrpSpPr/>
+        <p:nvPr/>
+      </p:nvGrpSpPr>
+      <p:grpSpPr>
+        <a:xfrm>
+          <a:off x="0" y="0"/>
+          <a:ext cx="0" cy="0"/>
+          <a:chOff x="0" y="0"/>
+          <a:chExt cx="0" cy="0"/>
+        </a:xfrm>
+      </p:grpSpPr>
+      <p:sp>
+        <p:nvSpPr>
+          <p:cNvPr id="2" name="Título 1">
+            <a:extLst>
+              <a:ext uri="{FF2B5EF4-FFF2-40B4-BE49-F238E27FC236}">
+                <a16:creationId xmlns:a16="http://schemas.microsoft.com/office/drawing/2014/main" id="{F714E3DE-0F71-44D8-8845-68C76A03E5C9}"/>
+              </a:ext>
+            </a:extLst>
+          </p:cNvPr>
+          <p:cNvSpPr>
+            <a:spLocks noGrp="1"/>
+          </p:cNvSpPr>
+          <p:nvPr>
+            <p:ph type="title"/>
+          </p:nvPr>
+        </p:nvSpPr>
+        <p:spPr>
+          <a:xfrm>
+            <a:off x="663214" y="96350"/>
+            <a:ext cx="10353762" cy="970450"/>
+          </a:xfrm>
+        </p:spPr>
+        <p:txBody>
+          <a:bodyPr/>
+          <a:lstStyle/>
+          <a:p>
+            <a:r>
+              <a:rPr lang="es-EC" dirty="0"/>
+              <a:t>Correlación</a:t>
+            </a:r>
+            <a:endParaRPr lang="en-US" dirty="0"/>
+          </a:p>
+        </p:txBody>
+      </p:sp>
+      <p:sp>
+        <p:nvSpPr>
+          <p:cNvPr id="3" name="Marcador de contenido 2">
+            <a:extLst>
+              <a:ext uri="{FF2B5EF4-FFF2-40B4-BE49-F238E27FC236}">
+                <a16:creationId xmlns:a16="http://schemas.microsoft.com/office/drawing/2014/main" id="{0FBB113B-35FE-49FE-80A7-4C3AF82E0BB2}"/>
+              </a:ext>
+            </a:extLst>
+          </p:cNvPr>
+          <p:cNvSpPr>
+            <a:spLocks noGrp="1"/>
+          </p:cNvSpPr>
+          <p:nvPr>
+            <p:ph idx="1"/>
+          </p:nvPr>
+        </p:nvSpPr>
+        <p:spPr/>
+        <p:txBody>
+          <a:bodyPr/>
+          <a:lstStyle/>
+          <a:p>
+            <a:endParaRPr lang="en-US" dirty="0"/>
+          </a:p>
+        </p:txBody>
+      </p:sp>
+      <p:pic>
+        <p:nvPicPr>
+          <p:cNvPr id="6" name="Imagen 5">
+            <a:extLst>
+              <a:ext uri="{FF2B5EF4-FFF2-40B4-BE49-F238E27FC236}">
+                <a16:creationId xmlns:a16="http://schemas.microsoft.com/office/drawing/2014/main" id="{C46D530F-3EA9-4E73-8D00-63ED343B3835}"/>
+              </a:ext>
+            </a:extLst>
+          </p:cNvPr>
+          <p:cNvPicPr>
+            <a:picLocks noChangeAspect="1"/>
+          </p:cNvPicPr>
+          <p:nvPr/>
+        </p:nvPicPr>
+        <p:blipFill rotWithShape="1">
+          <a:blip r:embed="rId2"/>
+          <a:srcRect l="9239" t="10222" r="3696" b="5293"/>
+          <a:stretch/>
+        </p:blipFill>
+        <p:spPr>
+          <a:xfrm>
+            <a:off x="67307" y="894522"/>
+            <a:ext cx="6764930" cy="3690730"/>
+          </a:xfrm>
+          <a:prstGeom prst="rect">
+            <a:avLst/>
+          </a:prstGeom>
+        </p:spPr>
+      </p:pic>
+      <p:pic>
+        <p:nvPicPr>
+          <p:cNvPr id="7" name="Imagen 6">
+            <a:extLst>
+              <a:ext uri="{FF2B5EF4-FFF2-40B4-BE49-F238E27FC236}">
+                <a16:creationId xmlns:a16="http://schemas.microsoft.com/office/drawing/2014/main" id="{E87826FE-D9DD-4ABD-92AB-6DA21FE4DC16}"/>
+              </a:ext>
+            </a:extLst>
+          </p:cNvPr>
+          <p:cNvPicPr>
+            <a:picLocks noChangeAspect="1"/>
+          </p:cNvPicPr>
+          <p:nvPr/>
+        </p:nvPicPr>
+        <p:blipFill rotWithShape="1">
+          <a:blip r:embed="rId3"/>
+          <a:srcRect l="8696" t="9835" r="4130" b="7032"/>
+          <a:stretch/>
+        </p:blipFill>
+        <p:spPr>
+          <a:xfrm>
+            <a:off x="5264502" y="3074505"/>
+            <a:ext cx="6622698" cy="3550823"/>
+          </a:xfrm>
+          <a:prstGeom prst="rect">
+            <a:avLst/>
+          </a:prstGeom>
+        </p:spPr>
+      </p:pic>
+    </p:spTree>
+    <p:extLst>
+      <p:ext uri="{BB962C8B-B14F-4D97-AF65-F5344CB8AC3E}">
+        <p14:creationId xmlns:p14="http://schemas.microsoft.com/office/powerpoint/2010/main" val="1880308113"/>
+      </p:ext>
+    </p:extLst>
+  </p:cSld>
+  <p:clrMapOvr>
+    <a:masterClrMapping/>
+  </p:clrMapOvr>
+  <p:timing>
+    <p:tnLst>
+      <p:par>
+        <p:cTn id="1" dur="indefinite" restart="never" nodeType="tmRoot">
+          <p:childTnLst>
+            <p:seq concurrent="1" nextAc="seek">
+              <p:cTn id="2" dur="indefinite" nodeType="mainSeq">
+                <p:childTnLst>
+                  <p:par>
+                    <p:cTn id="3" fill="hold">
+                      <p:stCondLst>
+                        <p:cond delay="indefinite"/>
+                      </p:stCondLst>
+                      <p:childTnLst>
+                        <p:par>
+                          <p:cTn id="4" fill="hold">
+                            <p:stCondLst>
+                              <p:cond delay="0"/>
+                            </p:stCondLst>
+                            <p:childTnLst>
+                              <p:par>
+                                <p:cTn id="5" presetID="1" presetClass="entr" presetSubtype="0" fill="hold" nodeType="clickEffect">
+                                  <p:stCondLst>
+                                    <p:cond delay="0"/>
+                                  </p:stCondLst>
+                                  <p:childTnLst>
+                                    <p:set>
+                                      <p:cBhvr>
+                                        <p:cTn id="6" dur="1" fill="hold">
+                                          <p:stCondLst>
+                                            <p:cond delay="0"/>
+                                          </p:stCondLst>
+                                        </p:cTn>
+                                        <p:tgtEl>
+                                          <p:spTgt spid="7"/>
+                                        </p:tgtEl>
+                                        <p:attrNameLst>
+                                          <p:attrName>style.visibility</p:attrName>
+                                        </p:attrNameLst>
+                                      </p:cBhvr>
+                                      <p:to>
+                                        <p:strVal val="visible"/>
+                                      </p:to>
+                                    </p:set>
+                                  </p:childTnLst>
+                                </p:cTn>
+                              </p:par>
+                            </p:childTnLst>
+                          </p:cTn>
+                        </p:par>
+                      </p:childTnLst>
+                    </p:cTn>
+                  </p:par>
+                </p:childTnLst>
+              </p:cTn>
+              <p:prevCondLst>
+                <p:cond evt="onPrev" delay="0">
+                  <p:tgtEl>
+                    <p:sldTgt/>
+                  </p:tgtEl>
+                </p:cond>
+              </p:prevCondLst>
+              <p:nextCondLst>
+                <p:cond evt="onNext" delay="0">
+                  <p:tgtEl>
+                    <p:sldTgt/>
+                  </p:tgtEl>
+                </p:cond>
+              </p:nextCondLst>
+            </p:seq>
+          </p:childTnLst>
+        </p:cTn>
+      </p:par>
+    </p:tnLst>
+  </p:timing>
+</p:sld>
+</file>
+
+<file path=ppt/slides/slide22.xml><?xml version="1.0" encoding="utf-8"?>
 <p:sld xmlns:a="http://schemas.openxmlformats.org/drawingml/2006/main" xmlns:r="http://schemas.openxmlformats.org/officeDocument/2006/relationships" xmlns:p="http://schemas.openxmlformats.org/presentationml/2006/main">
   <p:cSld>
     <p:spTree>
@@ -6648,7 +7676,231 @@
 </p:sld>
 </file>
 
-<file path=ppt/slides/slide14.xml><?xml version="1.0" encoding="utf-8"?>
+<file path=ppt/slides/slide23.xml><?xml version="1.0" encoding="utf-8"?>
+<p:sld xmlns:a="http://schemas.openxmlformats.org/drawingml/2006/main" xmlns:r="http://schemas.openxmlformats.org/officeDocument/2006/relationships" xmlns:p="http://schemas.openxmlformats.org/presentationml/2006/main">
+  <p:cSld>
+    <p:spTree>
+      <p:nvGrpSpPr>
+        <p:cNvPr id="1" name=""/>
+        <p:cNvGrpSpPr/>
+        <p:nvPr/>
+      </p:nvGrpSpPr>
+      <p:grpSpPr>
+        <a:xfrm>
+          <a:off x="0" y="0"/>
+          <a:ext cx="0" cy="0"/>
+          <a:chOff x="0" y="0"/>
+          <a:chExt cx="0" cy="0"/>
+        </a:xfrm>
+      </p:grpSpPr>
+      <p:sp>
+        <p:nvSpPr>
+          <p:cNvPr id="2" name="Título 1">
+            <a:extLst>
+              <a:ext uri="{FF2B5EF4-FFF2-40B4-BE49-F238E27FC236}">
+                <a16:creationId xmlns:a16="http://schemas.microsoft.com/office/drawing/2014/main" id="{033C2C14-7317-420F-88AF-2FDE0E3F29B2}"/>
+              </a:ext>
+            </a:extLst>
+          </p:cNvPr>
+          <p:cNvSpPr>
+            <a:spLocks noGrp="1"/>
+          </p:cNvSpPr>
+          <p:nvPr>
+            <p:ph type="title"/>
+          </p:nvPr>
+        </p:nvSpPr>
+        <p:spPr>
+          <a:xfrm>
+            <a:off x="822937" y="319572"/>
+            <a:ext cx="10353762" cy="970450"/>
+          </a:xfrm>
+        </p:spPr>
+        <p:txBody>
+          <a:bodyPr>
+            <a:normAutofit fontScale="90000"/>
+          </a:bodyPr>
+          <a:lstStyle/>
+          <a:p>
+            <a:r>
+              <a:rPr lang="es-EC" dirty="0"/>
+              <a:t>Visualización del comportamiento de los usuarios</a:t>
+            </a:r>
+            <a:endParaRPr lang="en-US" dirty="0"/>
+          </a:p>
+        </p:txBody>
+      </p:sp>
+      <p:sp>
+        <p:nvSpPr>
+          <p:cNvPr id="3" name="Marcador de contenido 2">
+            <a:extLst>
+              <a:ext uri="{FF2B5EF4-FFF2-40B4-BE49-F238E27FC236}">
+                <a16:creationId xmlns:a16="http://schemas.microsoft.com/office/drawing/2014/main" id="{A90117A9-DC25-4C3B-986F-C0CA70C0EA85}"/>
+              </a:ext>
+            </a:extLst>
+          </p:cNvPr>
+          <p:cNvSpPr>
+            <a:spLocks noGrp="1"/>
+          </p:cNvSpPr>
+          <p:nvPr>
+            <p:ph idx="1"/>
+          </p:nvPr>
+        </p:nvSpPr>
+        <p:spPr/>
+        <p:txBody>
+          <a:bodyPr/>
+          <a:lstStyle/>
+          <a:p>
+            <a:endParaRPr lang="en-US"/>
+          </a:p>
+        </p:txBody>
+      </p:sp>
+      <p:pic>
+        <p:nvPicPr>
+          <p:cNvPr id="5" name="Imagen 4">
+            <a:extLst>
+              <a:ext uri="{FF2B5EF4-FFF2-40B4-BE49-F238E27FC236}">
+                <a16:creationId xmlns:a16="http://schemas.microsoft.com/office/drawing/2014/main" id="{6F98389C-A1C4-4EC4-8EC1-BC2F19200C63}"/>
+              </a:ext>
+            </a:extLst>
+          </p:cNvPr>
+          <p:cNvPicPr>
+            <a:picLocks noChangeAspect="1"/>
+          </p:cNvPicPr>
+          <p:nvPr/>
+        </p:nvPicPr>
+        <p:blipFill rotWithShape="1">
+          <a:blip r:embed="rId2"/>
+          <a:srcRect l="3044" t="8868" r="1739" b="5292"/>
+          <a:stretch/>
+        </p:blipFill>
+        <p:spPr>
+          <a:xfrm>
+            <a:off x="822937" y="1378952"/>
+            <a:ext cx="10535478" cy="5339900"/>
+          </a:xfrm>
+          <a:prstGeom prst="rect">
+            <a:avLst/>
+          </a:prstGeom>
+        </p:spPr>
+      </p:pic>
+      <p:pic>
+        <p:nvPicPr>
+          <p:cNvPr id="6" name="Imagen 5">
+            <a:extLst>
+              <a:ext uri="{FF2B5EF4-FFF2-40B4-BE49-F238E27FC236}">
+                <a16:creationId xmlns:a16="http://schemas.microsoft.com/office/drawing/2014/main" id="{EB0AD594-9A4A-457F-A1DD-FD135238A2DD}"/>
+              </a:ext>
+            </a:extLst>
+          </p:cNvPr>
+          <p:cNvPicPr>
+            <a:picLocks noChangeAspect="1"/>
+          </p:cNvPicPr>
+          <p:nvPr/>
+        </p:nvPicPr>
+        <p:blipFill rotWithShape="1">
+          <a:blip r:embed="rId3"/>
+          <a:srcRect l="5155" t="9062" r="155" b="7864"/>
+          <a:stretch/>
+        </p:blipFill>
+        <p:spPr>
+          <a:xfrm>
+            <a:off x="822937" y="1378952"/>
+            <a:ext cx="10825723" cy="5339900"/>
+          </a:xfrm>
+          <a:prstGeom prst="rect">
+            <a:avLst/>
+          </a:prstGeom>
+        </p:spPr>
+      </p:pic>
+    </p:spTree>
+    <p:extLst>
+      <p:ext uri="{BB962C8B-B14F-4D97-AF65-F5344CB8AC3E}">
+        <p14:creationId xmlns:p14="http://schemas.microsoft.com/office/powerpoint/2010/main" val="2508439638"/>
+      </p:ext>
+    </p:extLst>
+  </p:cSld>
+  <p:clrMapOvr>
+    <a:masterClrMapping/>
+  </p:clrMapOvr>
+  <p:timing>
+    <p:tnLst>
+      <p:par>
+        <p:cTn id="1" dur="indefinite" restart="never" nodeType="tmRoot">
+          <p:childTnLst>
+            <p:seq concurrent="1" nextAc="seek">
+              <p:cTn id="2" dur="indefinite" nodeType="mainSeq">
+                <p:childTnLst>
+                  <p:par>
+                    <p:cTn id="3" fill="hold">
+                      <p:stCondLst>
+                        <p:cond delay="indefinite"/>
+                      </p:stCondLst>
+                      <p:childTnLst>
+                        <p:par>
+                          <p:cTn id="4" fill="hold">
+                            <p:stCondLst>
+                              <p:cond delay="0"/>
+                            </p:stCondLst>
+                            <p:childTnLst>
+                              <p:par>
+                                <p:cTn id="5" presetID="1" presetClass="entr" presetSubtype="0" fill="hold" nodeType="clickEffect">
+                                  <p:stCondLst>
+                                    <p:cond delay="0"/>
+                                  </p:stCondLst>
+                                  <p:childTnLst>
+                                    <p:set>
+                                      <p:cBhvr>
+                                        <p:cTn id="6" dur="1" fill="hold">
+                                          <p:stCondLst>
+                                            <p:cond delay="0"/>
+                                          </p:stCondLst>
+                                        </p:cTn>
+                                        <p:tgtEl>
+                                          <p:spTgt spid="6"/>
+                                        </p:tgtEl>
+                                        <p:attrNameLst>
+                                          <p:attrName>style.visibility</p:attrName>
+                                        </p:attrNameLst>
+                                      </p:cBhvr>
+                                      <p:to>
+                                        <p:strVal val="visible"/>
+                                      </p:to>
+                                    </p:set>
+                                  </p:childTnLst>
+                                </p:cTn>
+                              </p:par>
+                            </p:childTnLst>
+                          </p:cTn>
+                        </p:par>
+                      </p:childTnLst>
+                    </p:cTn>
+                  </p:par>
+                </p:childTnLst>
+              </p:cTn>
+              <p:prevCondLst>
+                <p:cond evt="onPrev" delay="0">
+                  <p:tgtEl>
+                    <p:sldTgt/>
+                  </p:tgtEl>
+                </p:cond>
+              </p:prevCondLst>
+              <p:nextCondLst>
+                <p:cond evt="onNext" delay="0">
+                  <p:tgtEl>
+                    <p:sldTgt/>
+                  </p:tgtEl>
+                </p:cond>
+              </p:nextCondLst>
+            </p:seq>
+          </p:childTnLst>
+        </p:cTn>
+      </p:par>
+    </p:tnLst>
+  </p:timing>
+</p:sld>
+</file>
+
+<file path=ppt/slides/slide24.xml><?xml version="1.0" encoding="utf-8"?>
 <p:sld xmlns:a="http://schemas.openxmlformats.org/drawingml/2006/main" xmlns:r="http://schemas.openxmlformats.org/officeDocument/2006/relationships" xmlns:p="http://schemas.openxmlformats.org/presentationml/2006/main">
   <p:cSld>
     <p:spTree>
@@ -6740,7 +7992,7 @@
 </p:sld>
 </file>
 
-<file path=ppt/slides/slide2.xml><?xml version="1.0" encoding="utf-8"?>
+<file path=ppt/slides/slide25.xml><?xml version="1.0" encoding="utf-8"?>
 <p:sld xmlns:a="http://schemas.openxmlformats.org/drawingml/2006/main" xmlns:r="http://schemas.openxmlformats.org/officeDocument/2006/relationships" xmlns:p="http://schemas.openxmlformats.org/presentationml/2006/main">
   <p:cSld>
     <p:spTree>
@@ -6762,7 +8014,7 @@
           <p:cNvPr id="2" name="Título 1">
             <a:extLst>
               <a:ext uri="{FF2B5EF4-FFF2-40B4-BE49-F238E27FC236}">
-                <a16:creationId xmlns:a16="http://schemas.microsoft.com/office/drawing/2014/main" id="{55E1685E-EF9F-45AF-B0EB-FD8FB3984DF1}"/>
+                <a16:creationId xmlns:a16="http://schemas.microsoft.com/office/drawing/2014/main" id="{E38E60BE-28E8-4DC9-8365-7E82664CD4E9}"/>
               </a:ext>
             </a:extLst>
           </p:cNvPr>
@@ -6773,16 +8025,19 @@
             <p:ph type="title"/>
           </p:nvPr>
         </p:nvSpPr>
-        <p:spPr/>
-        <p:txBody>
-          <a:bodyPr>
-            <a:normAutofit/>
-          </a:bodyPr>
+        <p:spPr>
+          <a:xfrm>
+            <a:off x="728870" y="96350"/>
+            <a:ext cx="10353762" cy="970450"/>
+          </a:xfrm>
+        </p:spPr>
+        <p:txBody>
+          <a:bodyPr/>
           <a:lstStyle/>
           <a:p>
             <a:r>
               <a:rPr lang="es-EC" dirty="0"/>
-              <a:t>OBJETIVOS</a:t>
+              <a:t>Veces en las que se a mencionado a un usuario</a:t>
             </a:r>
             <a:endParaRPr lang="en-US" dirty="0"/>
           </a:p>
@@ -6793,7 +8048,7 @@
           <p:cNvPr id="3" name="Marcador de contenido 2">
             <a:extLst>
               <a:ext uri="{FF2B5EF4-FFF2-40B4-BE49-F238E27FC236}">
-                <a16:creationId xmlns:a16="http://schemas.microsoft.com/office/drawing/2014/main" id="{F19BE3D7-0571-40D7-A5A3-F8D6FE58BFCF}"/>
+                <a16:creationId xmlns:a16="http://schemas.microsoft.com/office/drawing/2014/main" id="{5ABFBBA3-6EEB-4AD2-9B35-3C97AF7DA478}"/>
               </a:ext>
             </a:extLst>
           </p:cNvPr>
@@ -6809,54 +8064,153 @@
           <a:bodyPr/>
           <a:lstStyle/>
           <a:p>
-            <a:pPr marL="36900" indent="0">
-              <a:buNone/>
-            </a:pPr>
-            <a:r>
-              <a:rPr lang="es-EC" dirty="0"/>
-              <a:t>GENERAL</a:t>
-            </a:r>
-          </a:p>
-          <a:p>
-            <a:r>
-              <a:rPr lang="es-ES" dirty="0"/>
-              <a:t>Realizar un análisis exploratorio de datos a un data set</a:t>
-            </a:r>
-          </a:p>
-          <a:p>
-            <a:pPr marL="36900" indent="0">
-              <a:buNone/>
-            </a:pPr>
-            <a:r>
-              <a:rPr lang="en-US" dirty="0"/>
-              <a:t>ESPECIFICO</a:t>
-            </a:r>
-          </a:p>
-          <a:p>
-            <a:r>
-              <a:rPr lang="es-ES" dirty="0"/>
-              <a:t>Construir un conjunto de consultas SQL para extraer datos almacenados en la base de datos con el fin de proporcionar información relevante.</a:t>
-            </a:r>
-          </a:p>
-          <a:p>
-            <a:r>
-              <a:rPr lang="es-ES" dirty="0"/>
-              <a:t> Utilizar conceptos de programación funcional para realizar análisis exploratorio de datos. </a:t>
-            </a:r>
-            <a:endParaRPr lang="en-US" dirty="0"/>
-          </a:p>
-        </p:txBody>
-      </p:sp>
+            <a:endParaRPr lang="en-US"/>
+          </a:p>
+        </p:txBody>
+      </p:sp>
+      <p:pic>
+        <p:nvPicPr>
+          <p:cNvPr id="4" name="Imagen 3">
+            <a:extLst>
+              <a:ext uri="{FF2B5EF4-FFF2-40B4-BE49-F238E27FC236}">
+                <a16:creationId xmlns:a16="http://schemas.microsoft.com/office/drawing/2014/main" id="{12CFBAA8-1B49-4239-8372-363FB0190650}"/>
+              </a:ext>
+            </a:extLst>
+          </p:cNvPr>
+          <p:cNvPicPr>
+            <a:picLocks noChangeAspect="1"/>
+          </p:cNvPicPr>
+          <p:nvPr/>
+        </p:nvPicPr>
+        <p:blipFill rotWithShape="1">
+          <a:blip r:embed="rId2"/>
+          <a:srcRect l="4239" t="10222" r="4781" b="6259"/>
+          <a:stretch/>
+        </p:blipFill>
+        <p:spPr>
+          <a:xfrm>
+            <a:off x="728869" y="1215949"/>
+            <a:ext cx="10654747" cy="5499224"/>
+          </a:xfrm>
+          <a:prstGeom prst="rect">
+            <a:avLst/>
+          </a:prstGeom>
+        </p:spPr>
+      </p:pic>
+      <p:pic>
+        <p:nvPicPr>
+          <p:cNvPr id="5" name="Imagen 4">
+            <a:extLst>
+              <a:ext uri="{FF2B5EF4-FFF2-40B4-BE49-F238E27FC236}">
+                <a16:creationId xmlns:a16="http://schemas.microsoft.com/office/drawing/2014/main" id="{477F1B49-2E72-4CD2-BFC7-EBC23EE53FE8}"/>
+              </a:ext>
+            </a:extLst>
+          </p:cNvPr>
+          <p:cNvPicPr>
+            <a:picLocks noChangeAspect="1"/>
+          </p:cNvPicPr>
+          <p:nvPr/>
+        </p:nvPicPr>
+        <p:blipFill rotWithShape="1">
+          <a:blip r:embed="rId3"/>
+          <a:srcRect l="5977" t="10028" r="5977" b="5679"/>
+          <a:stretch/>
+        </p:blipFill>
+        <p:spPr>
+          <a:xfrm>
+            <a:off x="689111" y="937225"/>
+            <a:ext cx="10734261" cy="5777948"/>
+          </a:xfrm>
+          <a:prstGeom prst="rect">
+            <a:avLst/>
+          </a:prstGeom>
+        </p:spPr>
+      </p:pic>
     </p:spTree>
     <p:extLst>
       <p:ext uri="{BB962C8B-B14F-4D97-AF65-F5344CB8AC3E}">
-        <p14:creationId xmlns:p14="http://schemas.microsoft.com/office/powerpoint/2010/main" val="1121408369"/>
+        <p14:creationId xmlns:p14="http://schemas.microsoft.com/office/powerpoint/2010/main" val="2526282382"/>
       </p:ext>
     </p:extLst>
   </p:cSld>
   <p:clrMapOvr>
     <a:masterClrMapping/>
   </p:clrMapOvr>
+  <p:timing>
+    <p:tnLst>
+      <p:par>
+        <p:cTn id="1" dur="indefinite" restart="never" nodeType="tmRoot">
+          <p:childTnLst>
+            <p:seq concurrent="1" nextAc="seek">
+              <p:cTn id="2" dur="indefinite" nodeType="mainSeq">
+                <p:childTnLst>
+                  <p:par>
+                    <p:cTn id="3" fill="hold">
+                      <p:stCondLst>
+                        <p:cond delay="indefinite"/>
+                      </p:stCondLst>
+                      <p:childTnLst>
+                        <p:par>
+                          <p:cTn id="4" fill="hold">
+                            <p:stCondLst>
+                              <p:cond delay="0"/>
+                            </p:stCondLst>
+                            <p:childTnLst>
+                              <p:par>
+                                <p:cTn id="5" presetID="1" presetClass="entr" presetSubtype="0" fill="hold" nodeType="clickEffect">
+                                  <p:stCondLst>
+                                    <p:cond delay="0"/>
+                                  </p:stCondLst>
+                                  <p:childTnLst>
+                                    <p:set>
+                                      <p:cBhvr>
+                                        <p:cTn id="6" dur="1" fill="hold">
+                                          <p:stCondLst>
+                                            <p:cond delay="0"/>
+                                          </p:stCondLst>
+                                        </p:cTn>
+                                        <p:tgtEl>
+                                          <p:spTgt spid="5"/>
+                                        </p:tgtEl>
+                                        <p:attrNameLst>
+                                          <p:attrName>style.visibility</p:attrName>
+                                        </p:attrNameLst>
+                                      </p:cBhvr>
+                                      <p:to>
+                                        <p:strVal val="visible"/>
+                                      </p:to>
+                                    </p:set>
+                                  </p:childTnLst>
+                                </p:cTn>
+                              </p:par>
+                            </p:childTnLst>
+                          </p:cTn>
+                        </p:par>
+                      </p:childTnLst>
+                    </p:cTn>
+                  </p:par>
+                </p:childTnLst>
+              </p:cTn>
+              <p:prevCondLst>
+                <p:cond evt="onPrev" delay="0">
+                  <p:tgtEl>
+                    <p:sldTgt/>
+                  </p:tgtEl>
+                </p:cond>
+              </p:prevCondLst>
+              <p:nextCondLst>
+                <p:cond evt="onNext" delay="0">
+                  <p:tgtEl>
+                    <p:sldTgt/>
+                  </p:tgtEl>
+                </p:cond>
+              </p:nextCondLst>
+            </p:seq>
+          </p:childTnLst>
+        </p:cTn>
+      </p:par>
+    </p:tnLst>
+  </p:timing>
 </p:sld>
 </file>
 
@@ -7448,6 +8802,94 @@
           <p:cNvPr id="2" name="Título 1">
             <a:extLst>
               <a:ext uri="{FF2B5EF4-FFF2-40B4-BE49-F238E27FC236}">
+                <a16:creationId xmlns:a16="http://schemas.microsoft.com/office/drawing/2014/main" id="{356A8671-1EAF-4CA9-82BD-AD2FBD0BC586}"/>
+              </a:ext>
+            </a:extLst>
+          </p:cNvPr>
+          <p:cNvSpPr>
+            <a:spLocks noGrp="1"/>
+          </p:cNvSpPr>
+          <p:nvPr>
+            <p:ph type="title"/>
+          </p:nvPr>
+        </p:nvSpPr>
+        <p:spPr/>
+        <p:txBody>
+          <a:bodyPr/>
+          <a:lstStyle/>
+          <a:p>
+            <a:r>
+              <a:rPr lang="es-EC" dirty="0"/>
+              <a:t>Creación de la clase Tweet</a:t>
+            </a:r>
+            <a:endParaRPr lang="en-US" dirty="0"/>
+          </a:p>
+        </p:txBody>
+      </p:sp>
+      <p:pic>
+        <p:nvPicPr>
+          <p:cNvPr id="4" name="Imagen 3">
+            <a:extLst>
+              <a:ext uri="{FF2B5EF4-FFF2-40B4-BE49-F238E27FC236}">
+                <a16:creationId xmlns:a16="http://schemas.microsoft.com/office/drawing/2014/main" id="{8EB8D0F1-2FAF-4B14-9963-5C5B0AB7EF6C}"/>
+              </a:ext>
+            </a:extLst>
+          </p:cNvPr>
+          <p:cNvPicPr>
+            <a:picLocks noChangeAspect="1"/>
+          </p:cNvPicPr>
+          <p:nvPr/>
+        </p:nvPicPr>
+        <p:blipFill rotWithShape="1">
+          <a:blip r:embed="rId2"/>
+          <a:srcRect l="7583" t="23026" r="19564" b="12252"/>
+          <a:stretch/>
+        </p:blipFill>
+        <p:spPr>
+          <a:xfrm>
+            <a:off x="1255147" y="1732448"/>
+            <a:ext cx="9744157" cy="4866981"/>
+          </a:xfrm>
+          <a:prstGeom prst="rect">
+            <a:avLst/>
+          </a:prstGeom>
+        </p:spPr>
+      </p:pic>
+    </p:spTree>
+    <p:extLst>
+      <p:ext uri="{BB962C8B-B14F-4D97-AF65-F5344CB8AC3E}">
+        <p14:creationId xmlns:p14="http://schemas.microsoft.com/office/powerpoint/2010/main" val="2649710567"/>
+      </p:ext>
+    </p:extLst>
+  </p:cSld>
+  <p:clrMapOvr>
+    <a:masterClrMapping/>
+  </p:clrMapOvr>
+</p:sld>
+</file>
+
+<file path=ppt/slides/slide5.xml><?xml version="1.0" encoding="utf-8"?>
+<p:sld xmlns:a="http://schemas.openxmlformats.org/drawingml/2006/main" xmlns:r="http://schemas.openxmlformats.org/officeDocument/2006/relationships" xmlns:p="http://schemas.openxmlformats.org/presentationml/2006/main">
+  <p:cSld>
+    <p:spTree>
+      <p:nvGrpSpPr>
+        <p:cNvPr id="1" name=""/>
+        <p:cNvGrpSpPr/>
+        <p:nvPr/>
+      </p:nvGrpSpPr>
+      <p:grpSpPr>
+        <a:xfrm>
+          <a:off x="0" y="0"/>
+          <a:ext cx="0" cy="0"/>
+          <a:chOff x="0" y="0"/>
+          <a:chExt cx="0" cy="0"/>
+        </a:xfrm>
+      </p:grpSpPr>
+      <p:sp>
+        <p:nvSpPr>
+          <p:cNvPr id="2" name="Título 1">
+            <a:extLst>
+              <a:ext uri="{FF2B5EF4-FFF2-40B4-BE49-F238E27FC236}">
                 <a16:creationId xmlns:a16="http://schemas.microsoft.com/office/drawing/2014/main" id="{00CEE97A-1B2B-4359-B7A3-92A2307788AE}"/>
               </a:ext>
             </a:extLst>
@@ -7519,7 +8961,7 @@
 </p:sld>
 </file>
 
-<file path=ppt/slides/slide5.xml><?xml version="1.0" encoding="utf-8"?>
+<file path=ppt/slides/slide6.xml><?xml version="1.0" encoding="utf-8"?>
 <p:sld xmlns:a="http://schemas.openxmlformats.org/drawingml/2006/main" xmlns:r="http://schemas.openxmlformats.org/officeDocument/2006/relationships" xmlns:p="http://schemas.openxmlformats.org/presentationml/2006/main">
   <p:cSld>
     <p:spTree>
@@ -7609,7 +9051,87 @@
 </p:sld>
 </file>
 
-<file path=ppt/slides/slide6.xml><?xml version="1.0" encoding="utf-8"?>
+<file path=ppt/slides/slide7.xml><?xml version="1.0" encoding="utf-8"?>
+<p:sld xmlns:a="http://schemas.openxmlformats.org/drawingml/2006/main" xmlns:r="http://schemas.openxmlformats.org/officeDocument/2006/relationships" xmlns:p="http://schemas.openxmlformats.org/presentationml/2006/main">
+  <p:cSld>
+    <p:spTree>
+      <p:nvGrpSpPr>
+        <p:cNvPr id="1" name=""/>
+        <p:cNvGrpSpPr/>
+        <p:nvPr/>
+      </p:nvGrpSpPr>
+      <p:grpSpPr>
+        <a:xfrm>
+          <a:off x="0" y="0"/>
+          <a:ext cx="0" cy="0"/>
+          <a:chOff x="0" y="0"/>
+          <a:chExt cx="0" cy="0"/>
+        </a:xfrm>
+      </p:grpSpPr>
+      <p:sp>
+        <p:nvSpPr>
+          <p:cNvPr id="2" name="Título 1">
+            <a:extLst>
+              <a:ext uri="{FF2B5EF4-FFF2-40B4-BE49-F238E27FC236}">
+                <a16:creationId xmlns:a16="http://schemas.microsoft.com/office/drawing/2014/main" id="{47F8B509-042C-4B5F-AC99-3C8C36094BB1}"/>
+              </a:ext>
+            </a:extLst>
+          </p:cNvPr>
+          <p:cNvSpPr>
+            <a:spLocks noGrp="1"/>
+          </p:cNvSpPr>
+          <p:nvPr>
+            <p:ph type="title"/>
+          </p:nvPr>
+        </p:nvSpPr>
+        <p:spPr/>
+        <p:txBody>
+          <a:bodyPr/>
+          <a:lstStyle/>
+          <a:p>
+            <a:endParaRPr lang="en-US"/>
+          </a:p>
+        </p:txBody>
+      </p:sp>
+      <p:sp>
+        <p:nvSpPr>
+          <p:cNvPr id="3" name="Marcador de contenido 2">
+            <a:extLst>
+              <a:ext uri="{FF2B5EF4-FFF2-40B4-BE49-F238E27FC236}">
+                <a16:creationId xmlns:a16="http://schemas.microsoft.com/office/drawing/2014/main" id="{B65DCC0B-9B33-4E64-B731-C75130B577FA}"/>
+              </a:ext>
+            </a:extLst>
+          </p:cNvPr>
+          <p:cNvSpPr>
+            <a:spLocks noGrp="1"/>
+          </p:cNvSpPr>
+          <p:nvPr>
+            <p:ph idx="1"/>
+          </p:nvPr>
+        </p:nvSpPr>
+        <p:spPr/>
+        <p:txBody>
+          <a:bodyPr/>
+          <a:lstStyle/>
+          <a:p>
+            <a:endParaRPr lang="en-US"/>
+          </a:p>
+        </p:txBody>
+      </p:sp>
+    </p:spTree>
+    <p:extLst>
+      <p:ext uri="{BB962C8B-B14F-4D97-AF65-F5344CB8AC3E}">
+        <p14:creationId xmlns:p14="http://schemas.microsoft.com/office/powerpoint/2010/main" val="2602477946"/>
+      </p:ext>
+    </p:extLst>
+  </p:cSld>
+  <p:clrMapOvr>
+    <a:masterClrMapping/>
+  </p:clrMapOvr>
+</p:sld>
+</file>
+
+<file path=ppt/slides/slide8.xml><?xml version="1.0" encoding="utf-8"?>
 <p:sld xmlns:a="http://schemas.openxmlformats.org/drawingml/2006/main" xmlns:r="http://schemas.openxmlformats.org/officeDocument/2006/relationships" xmlns:p="http://schemas.openxmlformats.org/presentationml/2006/main">
   <p:cSld>
     <p:spTree>
@@ -7699,187 +9221,6 @@
 </p:sld>
 </file>
 
-<file path=ppt/slides/slide7.xml><?xml version="1.0" encoding="utf-8"?>
-<p:sld xmlns:a="http://schemas.openxmlformats.org/drawingml/2006/main" xmlns:r="http://schemas.openxmlformats.org/officeDocument/2006/relationships" xmlns:p="http://schemas.openxmlformats.org/presentationml/2006/main">
-  <p:cSld>
-    <p:spTree>
-      <p:nvGrpSpPr>
-        <p:cNvPr id="1" name=""/>
-        <p:cNvGrpSpPr/>
-        <p:nvPr/>
-      </p:nvGrpSpPr>
-      <p:grpSpPr>
-        <a:xfrm>
-          <a:off x="0" y="0"/>
-          <a:ext cx="0" cy="0"/>
-          <a:chOff x="0" y="0"/>
-          <a:chExt cx="0" cy="0"/>
-        </a:xfrm>
-      </p:grpSpPr>
-      <p:sp>
-        <p:nvSpPr>
-          <p:cNvPr id="2" name="Título 1">
-            <a:extLst>
-              <a:ext uri="{FF2B5EF4-FFF2-40B4-BE49-F238E27FC236}">
-                <a16:creationId xmlns:a16="http://schemas.microsoft.com/office/drawing/2014/main" id="{404E281B-D69E-4930-B314-56204F7B3978}"/>
-              </a:ext>
-            </a:extLst>
-          </p:cNvPr>
-          <p:cNvSpPr>
-            <a:spLocks noGrp="1"/>
-          </p:cNvSpPr>
-          <p:nvPr>
-            <p:ph type="title"/>
-          </p:nvPr>
-        </p:nvSpPr>
-        <p:spPr/>
-        <p:txBody>
-          <a:bodyPr>
-            <a:normAutofit fontScale="90000"/>
-          </a:bodyPr>
-          <a:lstStyle/>
-          <a:p>
-            <a:r>
-              <a:rPr lang="es-ES" dirty="0"/>
-              <a:t>Aplicaciones más utilizadas para publicar Tweets</a:t>
-            </a:r>
-            <a:endParaRPr lang="en-US" dirty="0"/>
-          </a:p>
-        </p:txBody>
-      </p:sp>
-      <p:pic>
-        <p:nvPicPr>
-          <p:cNvPr id="4" name="Marcador de contenido 3">
-            <a:extLst>
-              <a:ext uri="{FF2B5EF4-FFF2-40B4-BE49-F238E27FC236}">
-                <a16:creationId xmlns:a16="http://schemas.microsoft.com/office/drawing/2014/main" id="{4B33B69A-FE8B-45E8-8938-B56D6C90F783}"/>
-              </a:ext>
-            </a:extLst>
-          </p:cNvPr>
-          <p:cNvPicPr>
-            <a:picLocks noGrp="1" noChangeAspect="1"/>
-          </p:cNvPicPr>
-          <p:nvPr>
-            <p:ph idx="1"/>
-          </p:nvPr>
-        </p:nvPicPr>
-        <p:blipFill rotWithShape="1">
-          <a:blip r:embed="rId2"/>
-          <a:srcRect l="7068" t="29362" r="33360" b="34763"/>
-          <a:stretch/>
-        </p:blipFill>
-        <p:spPr>
-          <a:xfrm>
-            <a:off x="1002092" y="2257778"/>
-            <a:ext cx="10402579" cy="3522135"/>
-          </a:xfrm>
-          <a:prstGeom prst="rect">
-            <a:avLst/>
-          </a:prstGeom>
-        </p:spPr>
-      </p:pic>
-    </p:spTree>
-    <p:extLst>
-      <p:ext uri="{BB962C8B-B14F-4D97-AF65-F5344CB8AC3E}">
-        <p14:creationId xmlns:p14="http://schemas.microsoft.com/office/powerpoint/2010/main" val="1764736838"/>
-      </p:ext>
-    </p:extLst>
-  </p:cSld>
-  <p:clrMapOvr>
-    <a:masterClrMapping/>
-  </p:clrMapOvr>
-</p:sld>
-</file>
-
-<file path=ppt/slides/slide8.xml><?xml version="1.0" encoding="utf-8"?>
-<p:sld xmlns:a="http://schemas.openxmlformats.org/drawingml/2006/main" xmlns:r="http://schemas.openxmlformats.org/officeDocument/2006/relationships" xmlns:p="http://schemas.openxmlformats.org/presentationml/2006/main">
-  <p:cSld>
-    <p:spTree>
-      <p:nvGrpSpPr>
-        <p:cNvPr id="1" name=""/>
-        <p:cNvGrpSpPr/>
-        <p:nvPr/>
-      </p:nvGrpSpPr>
-      <p:grpSpPr>
-        <a:xfrm>
-          <a:off x="0" y="0"/>
-          <a:ext cx="0" cy="0"/>
-          <a:chOff x="0" y="0"/>
-          <a:chExt cx="0" cy="0"/>
-        </a:xfrm>
-      </p:grpSpPr>
-      <p:sp>
-        <p:nvSpPr>
-          <p:cNvPr id="2" name="Título 1">
-            <a:extLst>
-              <a:ext uri="{FF2B5EF4-FFF2-40B4-BE49-F238E27FC236}">
-                <a16:creationId xmlns:a16="http://schemas.microsoft.com/office/drawing/2014/main" id="{C2A8908E-7CD2-4CB3-96FC-7FF80B76A6AF}"/>
-              </a:ext>
-            </a:extLst>
-          </p:cNvPr>
-          <p:cNvSpPr>
-            <a:spLocks noGrp="1"/>
-          </p:cNvSpPr>
-          <p:nvPr>
-            <p:ph type="title"/>
-          </p:nvPr>
-        </p:nvSpPr>
-        <p:spPr/>
-        <p:txBody>
-          <a:bodyPr/>
-          <a:lstStyle/>
-          <a:p>
-            <a:r>
-              <a:rPr lang="en-US" dirty="0"/>
-              <a:t>Distribución de Hashtags</a:t>
-            </a:r>
-          </a:p>
-        </p:txBody>
-      </p:sp>
-      <p:pic>
-        <p:nvPicPr>
-          <p:cNvPr id="4" name="Marcador de contenido 3">
-            <a:extLst>
-              <a:ext uri="{FF2B5EF4-FFF2-40B4-BE49-F238E27FC236}">
-                <a16:creationId xmlns:a16="http://schemas.microsoft.com/office/drawing/2014/main" id="{96F0D5BC-84F5-4244-BF3D-9853DD169EAB}"/>
-              </a:ext>
-            </a:extLst>
-          </p:cNvPr>
-          <p:cNvPicPr>
-            <a:picLocks noGrp="1" noChangeAspect="1"/>
-          </p:cNvPicPr>
-          <p:nvPr>
-            <p:ph idx="1"/>
-          </p:nvPr>
-        </p:nvPicPr>
-        <p:blipFill rotWithShape="1">
-          <a:blip r:embed="rId2"/>
-          <a:srcRect l="8010" t="19304" r="31759" b="58227"/>
-          <a:stretch/>
-        </p:blipFill>
-        <p:spPr>
-          <a:xfrm>
-            <a:off x="1840088" y="1930399"/>
-            <a:ext cx="8719355" cy="1828800"/>
-          </a:xfrm>
-          <a:prstGeom prst="rect">
-            <a:avLst/>
-          </a:prstGeom>
-        </p:spPr>
-      </p:pic>
-    </p:spTree>
-    <p:extLst>
-      <p:ext uri="{BB962C8B-B14F-4D97-AF65-F5344CB8AC3E}">
-        <p14:creationId xmlns:p14="http://schemas.microsoft.com/office/powerpoint/2010/main" val="2047878823"/>
-      </p:ext>
-    </p:extLst>
-  </p:cSld>
-  <p:clrMapOvr>
-    <a:masterClrMapping/>
-  </p:clrMapOvr>
-</p:sld>
-</file>
-
 <file path=ppt/slides/slide9.xml><?xml version="1.0" encoding="utf-8"?>
 <p:sld xmlns:a="http://schemas.openxmlformats.org/drawingml/2006/main" xmlns:r="http://schemas.openxmlformats.org/officeDocument/2006/relationships" xmlns:p="http://schemas.openxmlformats.org/presentationml/2006/main">
   <p:cSld>
@@ -7902,7 +9243,7 @@
           <p:cNvPr id="2" name="Título 1">
             <a:extLst>
               <a:ext uri="{FF2B5EF4-FFF2-40B4-BE49-F238E27FC236}">
-                <a16:creationId xmlns:a16="http://schemas.microsoft.com/office/drawing/2014/main" id="{B1DF6138-4335-40CF-808E-4364CF4BFD7C}"/>
+                <a16:creationId xmlns:a16="http://schemas.microsoft.com/office/drawing/2014/main" id="{64E8025B-6727-4EC4-9812-6A6C9EC088DB}"/>
               </a:ext>
             </a:extLst>
           </p:cNvPr>
@@ -7918,53 +9259,39 @@
           <a:bodyPr/>
           <a:lstStyle/>
           <a:p>
-            <a:r>
-              <a:rPr lang="en-US" dirty="0"/>
-              <a:t>Distribución de </a:t>
-            </a:r>
-            <a:r>
-              <a:rPr lang="en-US" dirty="0" err="1"/>
-              <a:t>menciones</a:t>
-            </a:r>
-            <a:endParaRPr lang="en-US" dirty="0"/>
-          </a:p>
-        </p:txBody>
-      </p:sp>
-      <p:pic>
-        <p:nvPicPr>
-          <p:cNvPr id="4" name="Marcador de contenido 3">
+            <a:endParaRPr lang="en-US"/>
+          </a:p>
+        </p:txBody>
+      </p:sp>
+      <p:sp>
+        <p:nvSpPr>
+          <p:cNvPr id="3" name="Marcador de contenido 2">
             <a:extLst>
               <a:ext uri="{FF2B5EF4-FFF2-40B4-BE49-F238E27FC236}">
-                <a16:creationId xmlns:a16="http://schemas.microsoft.com/office/drawing/2014/main" id="{9F7F164F-1B56-4E29-9AA3-7441F690C310}"/>
+                <a16:creationId xmlns:a16="http://schemas.microsoft.com/office/drawing/2014/main" id="{52AA6783-BAAF-4E40-A646-54A45181FDCE}"/>
               </a:ext>
             </a:extLst>
           </p:cNvPr>
-          <p:cNvPicPr>
-            <a:picLocks noGrp="1" noChangeAspect="1"/>
-          </p:cNvPicPr>
+          <p:cNvSpPr>
+            <a:spLocks noGrp="1"/>
+          </p:cNvSpPr>
           <p:nvPr>
             <p:ph idx="1"/>
           </p:nvPr>
-        </p:nvPicPr>
-        <p:blipFill rotWithShape="1">
-          <a:blip r:embed="rId2"/>
-          <a:srcRect l="6910" t="37983" r="26481" b="41994"/>
-          <a:stretch/>
-        </p:blipFill>
-        <p:spPr>
-          <a:xfrm>
-            <a:off x="1014570" y="2303327"/>
-            <a:ext cx="10016555" cy="1692939"/>
-          </a:xfrm>
-          <a:prstGeom prst="rect">
-            <a:avLst/>
-          </a:prstGeom>
-        </p:spPr>
-      </p:pic>
+        </p:nvSpPr>
+        <p:spPr/>
+        <p:txBody>
+          <a:bodyPr/>
+          <a:lstStyle/>
+          <a:p>
+            <a:endParaRPr lang="en-US"/>
+          </a:p>
+        </p:txBody>
+      </p:sp>
     </p:spTree>
     <p:extLst>
       <p:ext uri="{BB962C8B-B14F-4D97-AF65-F5344CB8AC3E}">
-        <p14:creationId xmlns:p14="http://schemas.microsoft.com/office/powerpoint/2010/main" val="3006347133"/>
+        <p14:creationId xmlns:p14="http://schemas.microsoft.com/office/powerpoint/2010/main" val="342827385"/>
       </p:ext>
     </p:extLst>
   </p:cSld>

--- a/Proyecto Integrador de saberes.pptx
+++ b/Proyecto Integrador de saberes.pptx
@@ -321,7 +321,7 @@
           <a:p>
             <a:fld id="{C6149DEC-0B74-4EB2-84E5-925F2477763F}" type="datetimeFigureOut">
               <a:rPr lang="en-US" smtClean="0"/>
-              <a:t>1/28/2020</a:t>
+              <a:t>1/29/2020</a:t>
             </a:fld>
             <a:endParaRPr lang="en-US"/>
           </a:p>
@@ -619,7 +619,7 @@
           <a:p>
             <a:fld id="{C6149DEC-0B74-4EB2-84E5-925F2477763F}" type="datetimeFigureOut">
               <a:rPr lang="en-US" smtClean="0"/>
-              <a:t>1/28/2020</a:t>
+              <a:t>1/29/2020</a:t>
             </a:fld>
             <a:endParaRPr lang="en-US"/>
           </a:p>
@@ -811,7 +811,7 @@
           <a:p>
             <a:fld id="{C6149DEC-0B74-4EB2-84E5-925F2477763F}" type="datetimeFigureOut">
               <a:rPr lang="en-US" smtClean="0"/>
-              <a:t>1/28/2020</a:t>
+              <a:t>1/29/2020</a:t>
             </a:fld>
             <a:endParaRPr lang="en-US"/>
           </a:p>
@@ -1072,7 +1072,7 @@
           <a:p>
             <a:fld id="{C6149DEC-0B74-4EB2-84E5-925F2477763F}" type="datetimeFigureOut">
               <a:rPr lang="en-US" smtClean="0"/>
-              <a:t>1/28/2020</a:t>
+              <a:t>1/29/2020</a:t>
             </a:fld>
             <a:endParaRPr lang="en-US"/>
           </a:p>
@@ -1496,7 +1496,7 @@
           <a:p>
             <a:fld id="{C6149DEC-0B74-4EB2-84E5-925F2477763F}" type="datetimeFigureOut">
               <a:rPr lang="en-US" smtClean="0"/>
-              <a:t>1/28/2020</a:t>
+              <a:t>1/29/2020</a:t>
             </a:fld>
             <a:endParaRPr lang="en-US"/>
           </a:p>
@@ -2033,7 +2033,7 @@
           <a:p>
             <a:fld id="{C6149DEC-0B74-4EB2-84E5-925F2477763F}" type="datetimeFigureOut">
               <a:rPr lang="en-US" smtClean="0"/>
-              <a:t>1/28/2020</a:t>
+              <a:t>1/29/2020</a:t>
             </a:fld>
             <a:endParaRPr lang="en-US"/>
           </a:p>
@@ -2897,7 +2897,7 @@
           <a:p>
             <a:fld id="{C6149DEC-0B74-4EB2-84E5-925F2477763F}" type="datetimeFigureOut">
               <a:rPr lang="en-US" smtClean="0"/>
-              <a:t>1/28/2020</a:t>
+              <a:t>1/29/2020</a:t>
             </a:fld>
             <a:endParaRPr lang="en-US"/>
           </a:p>
@@ -3067,7 +3067,7 @@
           <a:p>
             <a:fld id="{C6149DEC-0B74-4EB2-84E5-925F2477763F}" type="datetimeFigureOut">
               <a:rPr lang="en-US" smtClean="0"/>
-              <a:t>1/28/2020</a:t>
+              <a:t>1/29/2020</a:t>
             </a:fld>
             <a:endParaRPr lang="en-US"/>
           </a:p>
@@ -3251,7 +3251,7 @@
           <a:p>
             <a:fld id="{C6149DEC-0B74-4EB2-84E5-925F2477763F}" type="datetimeFigureOut">
               <a:rPr lang="en-US" smtClean="0"/>
-              <a:t>1/28/2020</a:t>
+              <a:t>1/29/2020</a:t>
             </a:fld>
             <a:endParaRPr lang="en-US"/>
           </a:p>
@@ -3421,7 +3421,7 @@
           <a:p>
             <a:fld id="{C6149DEC-0B74-4EB2-84E5-925F2477763F}" type="datetimeFigureOut">
               <a:rPr lang="en-US" smtClean="0"/>
-              <a:t>1/28/2020</a:t>
+              <a:t>1/29/2020</a:t>
             </a:fld>
             <a:endParaRPr lang="en-US"/>
           </a:p>
@@ -3665,7 +3665,7 @@
           <a:p>
             <a:fld id="{C6149DEC-0B74-4EB2-84E5-925F2477763F}" type="datetimeFigureOut">
               <a:rPr lang="en-US" smtClean="0"/>
-              <a:t>1/28/2020</a:t>
+              <a:t>1/29/2020</a:t>
             </a:fld>
             <a:endParaRPr lang="en-US"/>
           </a:p>
@@ -3901,7 +3901,7 @@
           <a:p>
             <a:fld id="{C6149DEC-0B74-4EB2-84E5-925F2477763F}" type="datetimeFigureOut">
               <a:rPr lang="en-US" smtClean="0"/>
-              <a:t>1/28/2020</a:t>
+              <a:t>1/29/2020</a:t>
             </a:fld>
             <a:endParaRPr lang="en-US"/>
           </a:p>
@@ -4372,7 +4372,7 @@
           <a:p>
             <a:fld id="{C6149DEC-0B74-4EB2-84E5-925F2477763F}" type="datetimeFigureOut">
               <a:rPr lang="en-US" smtClean="0"/>
-              <a:t>1/28/2020</a:t>
+              <a:t>1/29/2020</a:t>
             </a:fld>
             <a:endParaRPr lang="en-US"/>
           </a:p>
@@ -4495,7 +4495,7 @@
           <a:p>
             <a:fld id="{C6149DEC-0B74-4EB2-84E5-925F2477763F}" type="datetimeFigureOut">
               <a:rPr lang="en-US" smtClean="0"/>
-              <a:t>1/28/2020</a:t>
+              <a:t>1/29/2020</a:t>
             </a:fld>
             <a:endParaRPr lang="en-US"/>
           </a:p>
@@ -4590,7 +4590,7 @@
           <a:p>
             <a:fld id="{C6149DEC-0B74-4EB2-84E5-925F2477763F}" type="datetimeFigureOut">
               <a:rPr lang="en-US" smtClean="0"/>
-              <a:t>1/28/2020</a:t>
+              <a:t>1/29/2020</a:t>
             </a:fld>
             <a:endParaRPr lang="en-US"/>
           </a:p>
@@ -4845,7 +4845,7 @@
           <a:p>
             <a:fld id="{C6149DEC-0B74-4EB2-84E5-925F2477763F}" type="datetimeFigureOut">
               <a:rPr lang="en-US" smtClean="0"/>
-              <a:t>1/28/2020</a:t>
+              <a:t>1/29/2020</a:t>
             </a:fld>
             <a:endParaRPr lang="en-US"/>
           </a:p>
@@ -5150,7 +5150,7 @@
           <a:p>
             <a:fld id="{C6149DEC-0B74-4EB2-84E5-925F2477763F}" type="datetimeFigureOut">
               <a:rPr lang="en-US" smtClean="0"/>
-              <a:t>1/28/2020</a:t>
+              <a:t>1/29/2020</a:t>
             </a:fld>
             <a:endParaRPr lang="en-US"/>
           </a:p>
@@ -5384,7 +5384,7 @@
           <a:p>
             <a:fld id="{C6149DEC-0B74-4EB2-84E5-925F2477763F}" type="datetimeFigureOut">
               <a:rPr lang="en-US" smtClean="0"/>
-              <a:t>1/28/2020</a:t>
+              <a:t>1/29/2020</a:t>
             </a:fld>
             <a:endParaRPr lang="en-US"/>
           </a:p>
@@ -6414,6 +6414,36 @@
           </a:p>
         </p:txBody>
       </p:sp>
+      <p:pic>
+        <p:nvPicPr>
+          <p:cNvPr id="4" name="Imagen 3">
+            <a:extLst>
+              <a:ext uri="{FF2B5EF4-FFF2-40B4-BE49-F238E27FC236}">
+                <a16:creationId xmlns:a16="http://schemas.microsoft.com/office/drawing/2014/main" id="{5EEE14A0-376C-4A0A-9159-6C94F6E2CA42}"/>
+              </a:ext>
+            </a:extLst>
+          </p:cNvPr>
+          <p:cNvPicPr>
+            <a:picLocks noChangeAspect="1"/>
+          </p:cNvPicPr>
+          <p:nvPr/>
+        </p:nvPicPr>
+        <p:blipFill>
+          <a:blip r:embed="rId2"/>
+          <a:stretch>
+            <a:fillRect/>
+          </a:stretch>
+        </p:blipFill>
+        <p:spPr>
+          <a:xfrm>
+            <a:off x="1504778" y="609601"/>
+            <a:ext cx="9216231" cy="5181600"/>
+          </a:xfrm>
+          <a:prstGeom prst="rect">
+            <a:avLst/>
+          </a:prstGeom>
+        </p:spPr>
+      </p:pic>
     </p:spTree>
     <p:extLst>
       <p:ext uri="{BB962C8B-B14F-4D97-AF65-F5344CB8AC3E}">
@@ -6583,6 +6613,36 @@
           </a:p>
         </p:txBody>
       </p:sp>
+      <p:pic>
+        <p:nvPicPr>
+          <p:cNvPr id="4" name="Imagen 3">
+            <a:extLst>
+              <a:ext uri="{FF2B5EF4-FFF2-40B4-BE49-F238E27FC236}">
+                <a16:creationId xmlns:a16="http://schemas.microsoft.com/office/drawing/2014/main" id="{181125C5-7A24-4CEC-ABFA-AA394C682704}"/>
+              </a:ext>
+            </a:extLst>
+          </p:cNvPr>
+          <p:cNvPicPr>
+            <a:picLocks noChangeAspect="1"/>
+          </p:cNvPicPr>
+          <p:nvPr/>
+        </p:nvPicPr>
+        <p:blipFill>
+          <a:blip r:embed="rId2"/>
+          <a:stretch>
+            <a:fillRect/>
+          </a:stretch>
+        </p:blipFill>
+        <p:spPr>
+          <a:xfrm>
+            <a:off x="1279334" y="609600"/>
+            <a:ext cx="9622683" cy="5410117"/>
+          </a:xfrm>
+          <a:prstGeom prst="rect">
+            <a:avLst/>
+          </a:prstGeom>
+        </p:spPr>
+      </p:pic>
     </p:spTree>
     <p:extLst>
       <p:ext uri="{BB962C8B-B14F-4D97-AF65-F5344CB8AC3E}">
@@ -6757,6 +6817,36 @@
           </a:p>
         </p:txBody>
       </p:sp>
+      <p:pic>
+        <p:nvPicPr>
+          <p:cNvPr id="4" name="Imagen 3">
+            <a:extLst>
+              <a:ext uri="{FF2B5EF4-FFF2-40B4-BE49-F238E27FC236}">
+                <a16:creationId xmlns:a16="http://schemas.microsoft.com/office/drawing/2014/main" id="{CEB1AC9D-4AC4-482C-85AB-69F03F854E93}"/>
+              </a:ext>
+            </a:extLst>
+          </p:cNvPr>
+          <p:cNvPicPr>
+            <a:picLocks noChangeAspect="1"/>
+          </p:cNvPicPr>
+          <p:nvPr/>
+        </p:nvPicPr>
+        <p:blipFill>
+          <a:blip r:embed="rId2"/>
+          <a:stretch>
+            <a:fillRect/>
+          </a:stretch>
+        </p:blipFill>
+        <p:spPr>
+          <a:xfrm>
+            <a:off x="1482560" y="609600"/>
+            <a:ext cx="9216232" cy="5181600"/>
+          </a:xfrm>
+          <a:prstGeom prst="rect">
+            <a:avLst/>
+          </a:prstGeom>
+        </p:spPr>
+      </p:pic>
     </p:spTree>
     <p:extLst>
       <p:ext uri="{BB962C8B-B14F-4D97-AF65-F5344CB8AC3E}">
@@ -6926,6 +7016,36 @@
           </a:p>
         </p:txBody>
       </p:sp>
+      <p:pic>
+        <p:nvPicPr>
+          <p:cNvPr id="4" name="Imagen 3">
+            <a:extLst>
+              <a:ext uri="{FF2B5EF4-FFF2-40B4-BE49-F238E27FC236}">
+                <a16:creationId xmlns:a16="http://schemas.microsoft.com/office/drawing/2014/main" id="{E834A1AE-9934-4D0E-BC02-36B0718A7961}"/>
+              </a:ext>
+            </a:extLst>
+          </p:cNvPr>
+          <p:cNvPicPr>
+            <a:picLocks noChangeAspect="1"/>
+          </p:cNvPicPr>
+          <p:nvPr/>
+        </p:nvPicPr>
+        <p:blipFill>
+          <a:blip r:embed="rId2"/>
+          <a:stretch>
+            <a:fillRect/>
+          </a:stretch>
+        </p:blipFill>
+        <p:spPr>
+          <a:xfrm>
+            <a:off x="1156648" y="516835"/>
+            <a:ext cx="9868055" cy="5548072"/>
+          </a:xfrm>
+          <a:prstGeom prst="rect">
+            <a:avLst/>
+          </a:prstGeom>
+        </p:spPr>
+      </p:pic>
     </p:spTree>
     <p:extLst>
       <p:ext uri="{BB962C8B-B14F-4D97-AF65-F5344CB8AC3E}">
@@ -7095,6 +7215,36 @@
           </a:p>
         </p:txBody>
       </p:sp>
+      <p:pic>
+        <p:nvPicPr>
+          <p:cNvPr id="4" name="Imagen 3">
+            <a:extLst>
+              <a:ext uri="{FF2B5EF4-FFF2-40B4-BE49-F238E27FC236}">
+                <a16:creationId xmlns:a16="http://schemas.microsoft.com/office/drawing/2014/main" id="{0676D59B-52CB-412F-8F30-C856C9C5A38D}"/>
+              </a:ext>
+            </a:extLst>
+          </p:cNvPr>
+          <p:cNvPicPr>
+            <a:picLocks noChangeAspect="1"/>
+          </p:cNvPicPr>
+          <p:nvPr/>
+        </p:nvPicPr>
+        <p:blipFill>
+          <a:blip r:embed="rId2"/>
+          <a:stretch>
+            <a:fillRect/>
+          </a:stretch>
+        </p:blipFill>
+        <p:spPr>
+          <a:xfrm>
+            <a:off x="1025649" y="609600"/>
+            <a:ext cx="10130053" cy="5695374"/>
+          </a:xfrm>
+          <a:prstGeom prst="rect">
+            <a:avLst/>
+          </a:prstGeom>
+        </p:spPr>
+      </p:pic>
     </p:spTree>
     <p:extLst>
       <p:ext uri="{BB962C8B-B14F-4D97-AF65-F5344CB8AC3E}">
@@ -9093,31 +9243,38 @@
           </a:p>
         </p:txBody>
       </p:sp>
-      <p:sp>
-        <p:nvSpPr>
-          <p:cNvPr id="3" name="Marcador de contenido 2">
+      <p:pic>
+        <p:nvPicPr>
+          <p:cNvPr id="7" name="Marcador de contenido 6">
             <a:extLst>
               <a:ext uri="{FF2B5EF4-FFF2-40B4-BE49-F238E27FC236}">
-                <a16:creationId xmlns:a16="http://schemas.microsoft.com/office/drawing/2014/main" id="{B65DCC0B-9B33-4E64-B731-C75130B577FA}"/>
+                <a16:creationId xmlns:a16="http://schemas.microsoft.com/office/drawing/2014/main" id="{C778C855-CC3A-43A7-85B7-FC243ACF4F6A}"/>
               </a:ext>
             </a:extLst>
           </p:cNvPr>
-          <p:cNvSpPr>
-            <a:spLocks noGrp="1"/>
-          </p:cNvSpPr>
+          <p:cNvPicPr>
+            <a:picLocks noGrp="1" noChangeAspect="1"/>
+          </p:cNvPicPr>
           <p:nvPr>
             <p:ph idx="1"/>
           </p:nvPr>
-        </p:nvSpPr>
-        <p:spPr/>
-        <p:txBody>
-          <a:bodyPr/>
-          <a:lstStyle/>
-          <a:p>
-            <a:endParaRPr lang="en-US"/>
-          </a:p>
-        </p:txBody>
-      </p:sp>
+        </p:nvPicPr>
+        <p:blipFill>
+          <a:blip r:embed="rId2"/>
+          <a:stretch>
+            <a:fillRect/>
+          </a:stretch>
+        </p:blipFill>
+        <p:spPr>
+          <a:xfrm>
+            <a:off x="1127086" y="638343"/>
+            <a:ext cx="9927180" cy="5581314"/>
+          </a:xfrm>
+          <a:prstGeom prst="rect">
+            <a:avLst/>
+          </a:prstGeom>
+        </p:spPr>
+      </p:pic>
     </p:spTree>
     <p:extLst>
       <p:ext uri="{BB962C8B-B14F-4D97-AF65-F5344CB8AC3E}">
@@ -9288,6 +9445,36 @@
           </a:p>
         </p:txBody>
       </p:sp>
+      <p:pic>
+        <p:nvPicPr>
+          <p:cNvPr id="4" name="Imagen 3">
+            <a:extLst>
+              <a:ext uri="{FF2B5EF4-FFF2-40B4-BE49-F238E27FC236}">
+                <a16:creationId xmlns:a16="http://schemas.microsoft.com/office/drawing/2014/main" id="{3C912C7A-4209-4901-B019-5B27BFA64053}"/>
+              </a:ext>
+            </a:extLst>
+          </p:cNvPr>
+          <p:cNvPicPr>
+            <a:picLocks noChangeAspect="1"/>
+          </p:cNvPicPr>
+          <p:nvPr/>
+        </p:nvPicPr>
+        <p:blipFill>
+          <a:blip r:embed="rId2"/>
+          <a:stretch>
+            <a:fillRect/>
+          </a:stretch>
+        </p:blipFill>
+        <p:spPr>
+          <a:xfrm>
+            <a:off x="1232453" y="609600"/>
+            <a:ext cx="9475304" cy="5327257"/>
+          </a:xfrm>
+          <a:prstGeom prst="rect">
+            <a:avLst/>
+          </a:prstGeom>
+        </p:spPr>
+      </p:pic>
     </p:spTree>
     <p:extLst>
       <p:ext uri="{BB962C8B-B14F-4D97-AF65-F5344CB8AC3E}">

--- a/Proyecto Integrador de saberes.pptx
+++ b/Proyecto Integrador de saberes.pptx
@@ -11,25 +11,16 @@
     <p:sldId id="280" r:id="rId5"/>
     <p:sldId id="261" r:id="rId6"/>
     <p:sldId id="259" r:id="rId7"/>
-    <p:sldId id="270" r:id="rId8"/>
-    <p:sldId id="260" r:id="rId9"/>
-    <p:sldId id="271" r:id="rId10"/>
-    <p:sldId id="262" r:id="rId11"/>
-    <p:sldId id="272" r:id="rId12"/>
-    <p:sldId id="263" r:id="rId13"/>
-    <p:sldId id="273" r:id="rId14"/>
-    <p:sldId id="264" r:id="rId15"/>
-    <p:sldId id="274" r:id="rId16"/>
-    <p:sldId id="265" r:id="rId17"/>
-    <p:sldId id="275" r:id="rId18"/>
-    <p:sldId id="266" r:id="rId19"/>
-    <p:sldId id="276" r:id="rId20"/>
-    <p:sldId id="267" r:id="rId21"/>
-    <p:sldId id="277" r:id="rId22"/>
-    <p:sldId id="269" r:id="rId23"/>
-    <p:sldId id="278" r:id="rId24"/>
-    <p:sldId id="268" r:id="rId25"/>
-    <p:sldId id="279" r:id="rId26"/>
+    <p:sldId id="260" r:id="rId8"/>
+    <p:sldId id="262" r:id="rId9"/>
+    <p:sldId id="263" r:id="rId10"/>
+    <p:sldId id="264" r:id="rId11"/>
+    <p:sldId id="265" r:id="rId12"/>
+    <p:sldId id="266" r:id="rId13"/>
+    <p:sldId id="267" r:id="rId14"/>
+    <p:sldId id="269" r:id="rId15"/>
+    <p:sldId id="268" r:id="rId16"/>
+    <p:sldId id="281" r:id="rId17"/>
   </p:sldIdLst>
   <p:sldSz cx="12192000" cy="6858000"/>
   <p:notesSz cx="6858000" cy="9144000"/>
@@ -321,7 +312,7 @@
           <a:p>
             <a:fld id="{C6149DEC-0B74-4EB2-84E5-925F2477763F}" type="datetimeFigureOut">
               <a:rPr lang="en-US" smtClean="0"/>
-              <a:t>1/29/2020</a:t>
+              <a:t>1/30/2020</a:t>
             </a:fld>
             <a:endParaRPr lang="en-US"/>
           </a:p>
@@ -619,7 +610,7 @@
           <a:p>
             <a:fld id="{C6149DEC-0B74-4EB2-84E5-925F2477763F}" type="datetimeFigureOut">
               <a:rPr lang="en-US" smtClean="0"/>
-              <a:t>1/29/2020</a:t>
+              <a:t>1/30/2020</a:t>
             </a:fld>
             <a:endParaRPr lang="en-US"/>
           </a:p>
@@ -811,7 +802,7 @@
           <a:p>
             <a:fld id="{C6149DEC-0B74-4EB2-84E5-925F2477763F}" type="datetimeFigureOut">
               <a:rPr lang="en-US" smtClean="0"/>
-              <a:t>1/29/2020</a:t>
+              <a:t>1/30/2020</a:t>
             </a:fld>
             <a:endParaRPr lang="en-US"/>
           </a:p>
@@ -1072,7 +1063,7 @@
           <a:p>
             <a:fld id="{C6149DEC-0B74-4EB2-84E5-925F2477763F}" type="datetimeFigureOut">
               <a:rPr lang="en-US" smtClean="0"/>
-              <a:t>1/29/2020</a:t>
+              <a:t>1/30/2020</a:t>
             </a:fld>
             <a:endParaRPr lang="en-US"/>
           </a:p>
@@ -1496,7 +1487,7 @@
           <a:p>
             <a:fld id="{C6149DEC-0B74-4EB2-84E5-925F2477763F}" type="datetimeFigureOut">
               <a:rPr lang="en-US" smtClean="0"/>
-              <a:t>1/29/2020</a:t>
+              <a:t>1/30/2020</a:t>
             </a:fld>
             <a:endParaRPr lang="en-US"/>
           </a:p>
@@ -2033,7 +2024,7 @@
           <a:p>
             <a:fld id="{C6149DEC-0B74-4EB2-84E5-925F2477763F}" type="datetimeFigureOut">
               <a:rPr lang="en-US" smtClean="0"/>
-              <a:t>1/29/2020</a:t>
+              <a:t>1/30/2020</a:t>
             </a:fld>
             <a:endParaRPr lang="en-US"/>
           </a:p>
@@ -2897,7 +2888,7 @@
           <a:p>
             <a:fld id="{C6149DEC-0B74-4EB2-84E5-925F2477763F}" type="datetimeFigureOut">
               <a:rPr lang="en-US" smtClean="0"/>
-              <a:t>1/29/2020</a:t>
+              <a:t>1/30/2020</a:t>
             </a:fld>
             <a:endParaRPr lang="en-US"/>
           </a:p>
@@ -3067,7 +3058,7 @@
           <a:p>
             <a:fld id="{C6149DEC-0B74-4EB2-84E5-925F2477763F}" type="datetimeFigureOut">
               <a:rPr lang="en-US" smtClean="0"/>
-              <a:t>1/29/2020</a:t>
+              <a:t>1/30/2020</a:t>
             </a:fld>
             <a:endParaRPr lang="en-US"/>
           </a:p>
@@ -3251,7 +3242,7 @@
           <a:p>
             <a:fld id="{C6149DEC-0B74-4EB2-84E5-925F2477763F}" type="datetimeFigureOut">
               <a:rPr lang="en-US" smtClean="0"/>
-              <a:t>1/29/2020</a:t>
+              <a:t>1/30/2020</a:t>
             </a:fld>
             <a:endParaRPr lang="en-US"/>
           </a:p>
@@ -3421,7 +3412,7 @@
           <a:p>
             <a:fld id="{C6149DEC-0B74-4EB2-84E5-925F2477763F}" type="datetimeFigureOut">
               <a:rPr lang="en-US" smtClean="0"/>
-              <a:t>1/29/2020</a:t>
+              <a:t>1/30/2020</a:t>
             </a:fld>
             <a:endParaRPr lang="en-US"/>
           </a:p>
@@ -3665,7 +3656,7 @@
           <a:p>
             <a:fld id="{C6149DEC-0B74-4EB2-84E5-925F2477763F}" type="datetimeFigureOut">
               <a:rPr lang="en-US" smtClean="0"/>
-              <a:t>1/29/2020</a:t>
+              <a:t>1/30/2020</a:t>
             </a:fld>
             <a:endParaRPr lang="en-US"/>
           </a:p>
@@ -3901,7 +3892,7 @@
           <a:p>
             <a:fld id="{C6149DEC-0B74-4EB2-84E5-925F2477763F}" type="datetimeFigureOut">
               <a:rPr lang="en-US" smtClean="0"/>
-              <a:t>1/29/2020</a:t>
+              <a:t>1/30/2020</a:t>
             </a:fld>
             <a:endParaRPr lang="en-US"/>
           </a:p>
@@ -4372,7 +4363,7 @@
           <a:p>
             <a:fld id="{C6149DEC-0B74-4EB2-84E5-925F2477763F}" type="datetimeFigureOut">
               <a:rPr lang="en-US" smtClean="0"/>
-              <a:t>1/29/2020</a:t>
+              <a:t>1/30/2020</a:t>
             </a:fld>
             <a:endParaRPr lang="en-US"/>
           </a:p>
@@ -4495,7 +4486,7 @@
           <a:p>
             <a:fld id="{C6149DEC-0B74-4EB2-84E5-925F2477763F}" type="datetimeFigureOut">
               <a:rPr lang="en-US" smtClean="0"/>
-              <a:t>1/29/2020</a:t>
+              <a:t>1/30/2020</a:t>
             </a:fld>
             <a:endParaRPr lang="en-US"/>
           </a:p>
@@ -4590,7 +4581,7 @@
           <a:p>
             <a:fld id="{C6149DEC-0B74-4EB2-84E5-925F2477763F}" type="datetimeFigureOut">
               <a:rPr lang="en-US" smtClean="0"/>
-              <a:t>1/29/2020</a:t>
+              <a:t>1/30/2020</a:t>
             </a:fld>
             <a:endParaRPr lang="en-US"/>
           </a:p>
@@ -4845,7 +4836,7 @@
           <a:p>
             <a:fld id="{C6149DEC-0B74-4EB2-84E5-925F2477763F}" type="datetimeFigureOut">
               <a:rPr lang="en-US" smtClean="0"/>
-              <a:t>1/29/2020</a:t>
+              <a:t>1/30/2020</a:t>
             </a:fld>
             <a:endParaRPr lang="en-US"/>
           </a:p>
@@ -5150,7 +5141,7 @@
           <a:p>
             <a:fld id="{C6149DEC-0B74-4EB2-84E5-925F2477763F}" type="datetimeFigureOut">
               <a:rPr lang="en-US" smtClean="0"/>
-              <a:t>1/29/2020</a:t>
+              <a:t>1/30/2020</a:t>
             </a:fld>
             <a:endParaRPr lang="en-US"/>
           </a:p>
@@ -5384,7 +5375,7 @@
           <a:p>
             <a:fld id="{C6149DEC-0B74-4EB2-84E5-925F2477763F}" type="datetimeFigureOut">
               <a:rPr lang="en-US" smtClean="0"/>
-              <a:t>1/29/2020</a:t>
+              <a:t>1/30/2020</a:t>
             </a:fld>
             <a:endParaRPr lang="en-US"/>
           </a:p>
@@ -6277,407 +6268,6 @@
           <p:cNvPr id="2" name="Título 1">
             <a:extLst>
               <a:ext uri="{FF2B5EF4-FFF2-40B4-BE49-F238E27FC236}">
-                <a16:creationId xmlns:a16="http://schemas.microsoft.com/office/drawing/2014/main" id="{404E281B-D69E-4930-B314-56204F7B3978}"/>
-              </a:ext>
-            </a:extLst>
-          </p:cNvPr>
-          <p:cNvSpPr>
-            <a:spLocks noGrp="1"/>
-          </p:cNvSpPr>
-          <p:nvPr>
-            <p:ph type="title"/>
-          </p:nvPr>
-        </p:nvSpPr>
-        <p:spPr/>
-        <p:txBody>
-          <a:bodyPr>
-            <a:normAutofit fontScale="90000"/>
-          </a:bodyPr>
-          <a:lstStyle/>
-          <a:p>
-            <a:r>
-              <a:rPr lang="es-ES" dirty="0"/>
-              <a:t>Aplicaciones más utilizadas para publicar Tweets</a:t>
-            </a:r>
-            <a:endParaRPr lang="en-US" dirty="0"/>
-          </a:p>
-        </p:txBody>
-      </p:sp>
-      <p:pic>
-        <p:nvPicPr>
-          <p:cNvPr id="4" name="Marcador de contenido 3">
-            <a:extLst>
-              <a:ext uri="{FF2B5EF4-FFF2-40B4-BE49-F238E27FC236}">
-                <a16:creationId xmlns:a16="http://schemas.microsoft.com/office/drawing/2014/main" id="{4B33B69A-FE8B-45E8-8938-B56D6C90F783}"/>
-              </a:ext>
-            </a:extLst>
-          </p:cNvPr>
-          <p:cNvPicPr>
-            <a:picLocks noGrp="1" noChangeAspect="1"/>
-          </p:cNvPicPr>
-          <p:nvPr>
-            <p:ph idx="1"/>
-          </p:nvPr>
-        </p:nvPicPr>
-        <p:blipFill rotWithShape="1">
-          <a:blip r:embed="rId2"/>
-          <a:srcRect l="7068" t="29362" r="33360" b="34763"/>
-          <a:stretch/>
-        </p:blipFill>
-        <p:spPr>
-          <a:xfrm>
-            <a:off x="1002092" y="2257778"/>
-            <a:ext cx="10402579" cy="3522135"/>
-          </a:xfrm>
-          <a:prstGeom prst="rect">
-            <a:avLst/>
-          </a:prstGeom>
-        </p:spPr>
-      </p:pic>
-    </p:spTree>
-    <p:extLst>
-      <p:ext uri="{BB962C8B-B14F-4D97-AF65-F5344CB8AC3E}">
-        <p14:creationId xmlns:p14="http://schemas.microsoft.com/office/powerpoint/2010/main" val="1764736838"/>
-      </p:ext>
-    </p:extLst>
-  </p:cSld>
-  <p:clrMapOvr>
-    <a:masterClrMapping/>
-  </p:clrMapOvr>
-</p:sld>
-</file>
-
-<file path=ppt/slides/slide11.xml><?xml version="1.0" encoding="utf-8"?>
-<p:sld xmlns:a="http://schemas.openxmlformats.org/drawingml/2006/main" xmlns:r="http://schemas.openxmlformats.org/officeDocument/2006/relationships" xmlns:p="http://schemas.openxmlformats.org/presentationml/2006/main">
-  <p:cSld>
-    <p:spTree>
-      <p:nvGrpSpPr>
-        <p:cNvPr id="1" name=""/>
-        <p:cNvGrpSpPr/>
-        <p:nvPr/>
-      </p:nvGrpSpPr>
-      <p:grpSpPr>
-        <a:xfrm>
-          <a:off x="0" y="0"/>
-          <a:ext cx="0" cy="0"/>
-          <a:chOff x="0" y="0"/>
-          <a:chExt cx="0" cy="0"/>
-        </a:xfrm>
-      </p:grpSpPr>
-      <p:sp>
-        <p:nvSpPr>
-          <p:cNvPr id="2" name="Título 1">
-            <a:extLst>
-              <a:ext uri="{FF2B5EF4-FFF2-40B4-BE49-F238E27FC236}">
-                <a16:creationId xmlns:a16="http://schemas.microsoft.com/office/drawing/2014/main" id="{896F55E0-9AB9-4D50-986A-CEA13C13C3D7}"/>
-              </a:ext>
-            </a:extLst>
-          </p:cNvPr>
-          <p:cNvSpPr>
-            <a:spLocks noGrp="1"/>
-          </p:cNvSpPr>
-          <p:nvPr>
-            <p:ph type="title"/>
-          </p:nvPr>
-        </p:nvSpPr>
-        <p:spPr/>
-        <p:txBody>
-          <a:bodyPr/>
-          <a:lstStyle/>
-          <a:p>
-            <a:endParaRPr lang="en-US"/>
-          </a:p>
-        </p:txBody>
-      </p:sp>
-      <p:sp>
-        <p:nvSpPr>
-          <p:cNvPr id="3" name="Marcador de contenido 2">
-            <a:extLst>
-              <a:ext uri="{FF2B5EF4-FFF2-40B4-BE49-F238E27FC236}">
-                <a16:creationId xmlns:a16="http://schemas.microsoft.com/office/drawing/2014/main" id="{81543906-A858-4E7C-957F-6089C727D73E}"/>
-              </a:ext>
-            </a:extLst>
-          </p:cNvPr>
-          <p:cNvSpPr>
-            <a:spLocks noGrp="1"/>
-          </p:cNvSpPr>
-          <p:nvPr>
-            <p:ph idx="1"/>
-          </p:nvPr>
-        </p:nvSpPr>
-        <p:spPr/>
-        <p:txBody>
-          <a:bodyPr/>
-          <a:lstStyle/>
-          <a:p>
-            <a:endParaRPr lang="en-US"/>
-          </a:p>
-        </p:txBody>
-      </p:sp>
-      <p:pic>
-        <p:nvPicPr>
-          <p:cNvPr id="4" name="Imagen 3">
-            <a:extLst>
-              <a:ext uri="{FF2B5EF4-FFF2-40B4-BE49-F238E27FC236}">
-                <a16:creationId xmlns:a16="http://schemas.microsoft.com/office/drawing/2014/main" id="{5EEE14A0-376C-4A0A-9159-6C94F6E2CA42}"/>
-              </a:ext>
-            </a:extLst>
-          </p:cNvPr>
-          <p:cNvPicPr>
-            <a:picLocks noChangeAspect="1"/>
-          </p:cNvPicPr>
-          <p:nvPr/>
-        </p:nvPicPr>
-        <p:blipFill>
-          <a:blip r:embed="rId2"/>
-          <a:stretch>
-            <a:fillRect/>
-          </a:stretch>
-        </p:blipFill>
-        <p:spPr>
-          <a:xfrm>
-            <a:off x="1504778" y="609601"/>
-            <a:ext cx="9216231" cy="5181600"/>
-          </a:xfrm>
-          <a:prstGeom prst="rect">
-            <a:avLst/>
-          </a:prstGeom>
-        </p:spPr>
-      </p:pic>
-    </p:spTree>
-    <p:extLst>
-      <p:ext uri="{BB962C8B-B14F-4D97-AF65-F5344CB8AC3E}">
-        <p14:creationId xmlns:p14="http://schemas.microsoft.com/office/powerpoint/2010/main" val="3460652315"/>
-      </p:ext>
-    </p:extLst>
-  </p:cSld>
-  <p:clrMapOvr>
-    <a:masterClrMapping/>
-  </p:clrMapOvr>
-</p:sld>
-</file>
-
-<file path=ppt/slides/slide12.xml><?xml version="1.0" encoding="utf-8"?>
-<p:sld xmlns:a="http://schemas.openxmlformats.org/drawingml/2006/main" xmlns:r="http://schemas.openxmlformats.org/officeDocument/2006/relationships" xmlns:p="http://schemas.openxmlformats.org/presentationml/2006/main">
-  <p:cSld>
-    <p:spTree>
-      <p:nvGrpSpPr>
-        <p:cNvPr id="1" name=""/>
-        <p:cNvGrpSpPr/>
-        <p:nvPr/>
-      </p:nvGrpSpPr>
-      <p:grpSpPr>
-        <a:xfrm>
-          <a:off x="0" y="0"/>
-          <a:ext cx="0" cy="0"/>
-          <a:chOff x="0" y="0"/>
-          <a:chExt cx="0" cy="0"/>
-        </a:xfrm>
-      </p:grpSpPr>
-      <p:sp>
-        <p:nvSpPr>
-          <p:cNvPr id="2" name="Título 1">
-            <a:extLst>
-              <a:ext uri="{FF2B5EF4-FFF2-40B4-BE49-F238E27FC236}">
-                <a16:creationId xmlns:a16="http://schemas.microsoft.com/office/drawing/2014/main" id="{C2A8908E-7CD2-4CB3-96FC-7FF80B76A6AF}"/>
-              </a:ext>
-            </a:extLst>
-          </p:cNvPr>
-          <p:cNvSpPr>
-            <a:spLocks noGrp="1"/>
-          </p:cNvSpPr>
-          <p:nvPr>
-            <p:ph type="title"/>
-          </p:nvPr>
-        </p:nvSpPr>
-        <p:spPr/>
-        <p:txBody>
-          <a:bodyPr/>
-          <a:lstStyle/>
-          <a:p>
-            <a:r>
-              <a:rPr lang="en-US" dirty="0"/>
-              <a:t>Distribución de Hashtags</a:t>
-            </a:r>
-          </a:p>
-        </p:txBody>
-      </p:sp>
-      <p:pic>
-        <p:nvPicPr>
-          <p:cNvPr id="4" name="Marcador de contenido 3">
-            <a:extLst>
-              <a:ext uri="{FF2B5EF4-FFF2-40B4-BE49-F238E27FC236}">
-                <a16:creationId xmlns:a16="http://schemas.microsoft.com/office/drawing/2014/main" id="{96F0D5BC-84F5-4244-BF3D-9853DD169EAB}"/>
-              </a:ext>
-            </a:extLst>
-          </p:cNvPr>
-          <p:cNvPicPr>
-            <a:picLocks noGrp="1" noChangeAspect="1"/>
-          </p:cNvPicPr>
-          <p:nvPr>
-            <p:ph idx="1"/>
-          </p:nvPr>
-        </p:nvPicPr>
-        <p:blipFill rotWithShape="1">
-          <a:blip r:embed="rId2"/>
-          <a:srcRect l="8010" t="19304" r="31759" b="58227"/>
-          <a:stretch/>
-        </p:blipFill>
-        <p:spPr>
-          <a:xfrm>
-            <a:off x="1840088" y="1930399"/>
-            <a:ext cx="8719355" cy="1828800"/>
-          </a:xfrm>
-          <a:prstGeom prst="rect">
-            <a:avLst/>
-          </a:prstGeom>
-        </p:spPr>
-      </p:pic>
-    </p:spTree>
-    <p:extLst>
-      <p:ext uri="{BB962C8B-B14F-4D97-AF65-F5344CB8AC3E}">
-        <p14:creationId xmlns:p14="http://schemas.microsoft.com/office/powerpoint/2010/main" val="2047878823"/>
-      </p:ext>
-    </p:extLst>
-  </p:cSld>
-  <p:clrMapOvr>
-    <a:masterClrMapping/>
-  </p:clrMapOvr>
-</p:sld>
-</file>
-
-<file path=ppt/slides/slide13.xml><?xml version="1.0" encoding="utf-8"?>
-<p:sld xmlns:a="http://schemas.openxmlformats.org/drawingml/2006/main" xmlns:r="http://schemas.openxmlformats.org/officeDocument/2006/relationships" xmlns:p="http://schemas.openxmlformats.org/presentationml/2006/main">
-  <p:cSld>
-    <p:spTree>
-      <p:nvGrpSpPr>
-        <p:cNvPr id="1" name=""/>
-        <p:cNvGrpSpPr/>
-        <p:nvPr/>
-      </p:nvGrpSpPr>
-      <p:grpSpPr>
-        <a:xfrm>
-          <a:off x="0" y="0"/>
-          <a:ext cx="0" cy="0"/>
-          <a:chOff x="0" y="0"/>
-          <a:chExt cx="0" cy="0"/>
-        </a:xfrm>
-      </p:grpSpPr>
-      <p:sp>
-        <p:nvSpPr>
-          <p:cNvPr id="2" name="Título 1">
-            <a:extLst>
-              <a:ext uri="{FF2B5EF4-FFF2-40B4-BE49-F238E27FC236}">
-                <a16:creationId xmlns:a16="http://schemas.microsoft.com/office/drawing/2014/main" id="{CE5466F9-F92A-4842-A39C-11AFC1A6DE7A}"/>
-              </a:ext>
-            </a:extLst>
-          </p:cNvPr>
-          <p:cNvSpPr>
-            <a:spLocks noGrp="1"/>
-          </p:cNvSpPr>
-          <p:nvPr>
-            <p:ph type="title"/>
-          </p:nvPr>
-        </p:nvSpPr>
-        <p:spPr/>
-        <p:txBody>
-          <a:bodyPr/>
-          <a:lstStyle/>
-          <a:p>
-            <a:endParaRPr lang="en-US"/>
-          </a:p>
-        </p:txBody>
-      </p:sp>
-      <p:sp>
-        <p:nvSpPr>
-          <p:cNvPr id="3" name="Marcador de contenido 2">
-            <a:extLst>
-              <a:ext uri="{FF2B5EF4-FFF2-40B4-BE49-F238E27FC236}">
-                <a16:creationId xmlns:a16="http://schemas.microsoft.com/office/drawing/2014/main" id="{7E8913BD-186A-4073-97BD-1357288A876B}"/>
-              </a:ext>
-            </a:extLst>
-          </p:cNvPr>
-          <p:cNvSpPr>
-            <a:spLocks noGrp="1"/>
-          </p:cNvSpPr>
-          <p:nvPr>
-            <p:ph idx="1"/>
-          </p:nvPr>
-        </p:nvSpPr>
-        <p:spPr/>
-        <p:txBody>
-          <a:bodyPr/>
-          <a:lstStyle/>
-          <a:p>
-            <a:endParaRPr lang="en-US"/>
-          </a:p>
-        </p:txBody>
-      </p:sp>
-      <p:pic>
-        <p:nvPicPr>
-          <p:cNvPr id="4" name="Imagen 3">
-            <a:extLst>
-              <a:ext uri="{FF2B5EF4-FFF2-40B4-BE49-F238E27FC236}">
-                <a16:creationId xmlns:a16="http://schemas.microsoft.com/office/drawing/2014/main" id="{181125C5-7A24-4CEC-ABFA-AA394C682704}"/>
-              </a:ext>
-            </a:extLst>
-          </p:cNvPr>
-          <p:cNvPicPr>
-            <a:picLocks noChangeAspect="1"/>
-          </p:cNvPicPr>
-          <p:nvPr/>
-        </p:nvPicPr>
-        <p:blipFill>
-          <a:blip r:embed="rId2"/>
-          <a:stretch>
-            <a:fillRect/>
-          </a:stretch>
-        </p:blipFill>
-        <p:spPr>
-          <a:xfrm>
-            <a:off x="1279334" y="609600"/>
-            <a:ext cx="9622683" cy="5410117"/>
-          </a:xfrm>
-          <a:prstGeom prst="rect">
-            <a:avLst/>
-          </a:prstGeom>
-        </p:spPr>
-      </p:pic>
-    </p:spTree>
-    <p:extLst>
-      <p:ext uri="{BB962C8B-B14F-4D97-AF65-F5344CB8AC3E}">
-        <p14:creationId xmlns:p14="http://schemas.microsoft.com/office/powerpoint/2010/main" val="2446074573"/>
-      </p:ext>
-    </p:extLst>
-  </p:cSld>
-  <p:clrMapOvr>
-    <a:masterClrMapping/>
-  </p:clrMapOvr>
-</p:sld>
-</file>
-
-<file path=ppt/slides/slide14.xml><?xml version="1.0" encoding="utf-8"?>
-<p:sld xmlns:a="http://schemas.openxmlformats.org/drawingml/2006/main" xmlns:r="http://schemas.openxmlformats.org/officeDocument/2006/relationships" xmlns:p="http://schemas.openxmlformats.org/presentationml/2006/main">
-  <p:cSld>
-    <p:spTree>
-      <p:nvGrpSpPr>
-        <p:cNvPr id="1" name=""/>
-        <p:cNvGrpSpPr/>
-        <p:nvPr/>
-      </p:nvGrpSpPr>
-      <p:grpSpPr>
-        <a:xfrm>
-          <a:off x="0" y="0"/>
-          <a:ext cx="0" cy="0"/>
-          <a:chOff x="0" y="0"/>
-          <a:chExt cx="0" cy="0"/>
-        </a:xfrm>
-      </p:grpSpPr>
-      <p:sp>
-        <p:nvSpPr>
-          <p:cNvPr id="2" name="Título 1">
-            <a:extLst>
-              <a:ext uri="{FF2B5EF4-FFF2-40B4-BE49-F238E27FC236}">
                 <a16:creationId xmlns:a16="http://schemas.microsoft.com/office/drawing/2014/main" id="{B1DF6138-4335-40CF-808E-4364CF4BFD7C}"/>
               </a:ext>
             </a:extLst>
@@ -6724,13 +6314,43 @@
         </p:nvPicPr>
         <p:blipFill rotWithShape="1">
           <a:blip r:embed="rId2"/>
-          <a:srcRect l="6910" t="37983" r="26481" b="41994"/>
+          <a:srcRect l="6910" t="37983" r="30844" b="41994"/>
           <a:stretch/>
         </p:blipFill>
         <p:spPr>
           <a:xfrm>
-            <a:off x="1014570" y="2303327"/>
-            <a:ext cx="10016555" cy="1692939"/>
+            <a:off x="1907003" y="2416215"/>
+            <a:ext cx="9360554" cy="1692939"/>
+          </a:xfrm>
+          <a:prstGeom prst="rect">
+            <a:avLst/>
+          </a:prstGeom>
+        </p:spPr>
+      </p:pic>
+      <p:pic>
+        <p:nvPicPr>
+          <p:cNvPr id="3" name="Imagen 2">
+            <a:extLst>
+              <a:ext uri="{FF2B5EF4-FFF2-40B4-BE49-F238E27FC236}">
+                <a16:creationId xmlns:a16="http://schemas.microsoft.com/office/drawing/2014/main" id="{AA03968A-22F8-4959-9E54-2ECCB12169DD}"/>
+              </a:ext>
+            </a:extLst>
+          </p:cNvPr>
+          <p:cNvPicPr>
+            <a:picLocks noChangeAspect="1"/>
+          </p:cNvPicPr>
+          <p:nvPr/>
+        </p:nvPicPr>
+        <p:blipFill>
+          <a:blip r:embed="rId3"/>
+          <a:stretch>
+            <a:fillRect/>
+          </a:stretch>
+        </p:blipFill>
+        <p:spPr>
+          <a:xfrm>
+            <a:off x="1907003" y="1518130"/>
+            <a:ext cx="9360554" cy="5182049"/>
           </a:xfrm>
           <a:prstGeom prst="rect">
             <a:avLst/>
@@ -6741,873 +6361,6 @@
     <p:extLst>
       <p:ext uri="{BB962C8B-B14F-4D97-AF65-F5344CB8AC3E}">
         <p14:creationId xmlns:p14="http://schemas.microsoft.com/office/powerpoint/2010/main" val="3006347133"/>
-      </p:ext>
-    </p:extLst>
-  </p:cSld>
-  <p:clrMapOvr>
-    <a:masterClrMapping/>
-  </p:clrMapOvr>
-</p:sld>
-</file>
-
-<file path=ppt/slides/slide15.xml><?xml version="1.0" encoding="utf-8"?>
-<p:sld xmlns:a="http://schemas.openxmlformats.org/drawingml/2006/main" xmlns:r="http://schemas.openxmlformats.org/officeDocument/2006/relationships" xmlns:p="http://schemas.openxmlformats.org/presentationml/2006/main">
-  <p:cSld>
-    <p:spTree>
-      <p:nvGrpSpPr>
-        <p:cNvPr id="1" name=""/>
-        <p:cNvGrpSpPr/>
-        <p:nvPr/>
-      </p:nvGrpSpPr>
-      <p:grpSpPr>
-        <a:xfrm>
-          <a:off x="0" y="0"/>
-          <a:ext cx="0" cy="0"/>
-          <a:chOff x="0" y="0"/>
-          <a:chExt cx="0" cy="0"/>
-        </a:xfrm>
-      </p:grpSpPr>
-      <p:sp>
-        <p:nvSpPr>
-          <p:cNvPr id="2" name="Título 1">
-            <a:extLst>
-              <a:ext uri="{FF2B5EF4-FFF2-40B4-BE49-F238E27FC236}">
-                <a16:creationId xmlns:a16="http://schemas.microsoft.com/office/drawing/2014/main" id="{5E3A5C11-CDF7-4F1D-816E-9561F253639F}"/>
-              </a:ext>
-            </a:extLst>
-          </p:cNvPr>
-          <p:cNvSpPr>
-            <a:spLocks noGrp="1"/>
-          </p:cNvSpPr>
-          <p:nvPr>
-            <p:ph type="title"/>
-          </p:nvPr>
-        </p:nvSpPr>
-        <p:spPr/>
-        <p:txBody>
-          <a:bodyPr/>
-          <a:lstStyle/>
-          <a:p>
-            <a:endParaRPr lang="en-US"/>
-          </a:p>
-        </p:txBody>
-      </p:sp>
-      <p:sp>
-        <p:nvSpPr>
-          <p:cNvPr id="3" name="Marcador de contenido 2">
-            <a:extLst>
-              <a:ext uri="{FF2B5EF4-FFF2-40B4-BE49-F238E27FC236}">
-                <a16:creationId xmlns:a16="http://schemas.microsoft.com/office/drawing/2014/main" id="{56108E15-3297-49C2-8E02-B373EF4AE0B1}"/>
-              </a:ext>
-            </a:extLst>
-          </p:cNvPr>
-          <p:cNvSpPr>
-            <a:spLocks noGrp="1"/>
-          </p:cNvSpPr>
-          <p:nvPr>
-            <p:ph idx="1"/>
-          </p:nvPr>
-        </p:nvSpPr>
-        <p:spPr/>
-        <p:txBody>
-          <a:bodyPr/>
-          <a:lstStyle/>
-          <a:p>
-            <a:endParaRPr lang="en-US"/>
-          </a:p>
-        </p:txBody>
-      </p:sp>
-      <p:pic>
-        <p:nvPicPr>
-          <p:cNvPr id="4" name="Imagen 3">
-            <a:extLst>
-              <a:ext uri="{FF2B5EF4-FFF2-40B4-BE49-F238E27FC236}">
-                <a16:creationId xmlns:a16="http://schemas.microsoft.com/office/drawing/2014/main" id="{CEB1AC9D-4AC4-482C-85AB-69F03F854E93}"/>
-              </a:ext>
-            </a:extLst>
-          </p:cNvPr>
-          <p:cNvPicPr>
-            <a:picLocks noChangeAspect="1"/>
-          </p:cNvPicPr>
-          <p:nvPr/>
-        </p:nvPicPr>
-        <p:blipFill>
-          <a:blip r:embed="rId2"/>
-          <a:stretch>
-            <a:fillRect/>
-          </a:stretch>
-        </p:blipFill>
-        <p:spPr>
-          <a:xfrm>
-            <a:off x="1482560" y="609600"/>
-            <a:ext cx="9216232" cy="5181600"/>
-          </a:xfrm>
-          <a:prstGeom prst="rect">
-            <a:avLst/>
-          </a:prstGeom>
-        </p:spPr>
-      </p:pic>
-    </p:spTree>
-    <p:extLst>
-      <p:ext uri="{BB962C8B-B14F-4D97-AF65-F5344CB8AC3E}">
-        <p14:creationId xmlns:p14="http://schemas.microsoft.com/office/powerpoint/2010/main" val="3515035183"/>
-      </p:ext>
-    </p:extLst>
-  </p:cSld>
-  <p:clrMapOvr>
-    <a:masterClrMapping/>
-  </p:clrMapOvr>
-</p:sld>
-</file>
-
-<file path=ppt/slides/slide16.xml><?xml version="1.0" encoding="utf-8"?>
-<p:sld xmlns:a="http://schemas.openxmlformats.org/drawingml/2006/main" xmlns:r="http://schemas.openxmlformats.org/officeDocument/2006/relationships" xmlns:p="http://schemas.openxmlformats.org/presentationml/2006/main">
-  <p:cSld>
-    <p:spTree>
-      <p:nvGrpSpPr>
-        <p:cNvPr id="1" name=""/>
-        <p:cNvGrpSpPr/>
-        <p:nvPr/>
-      </p:nvGrpSpPr>
-      <p:grpSpPr>
-        <a:xfrm>
-          <a:off x="0" y="0"/>
-          <a:ext cx="0" cy="0"/>
-          <a:chOff x="0" y="0"/>
-          <a:chExt cx="0" cy="0"/>
-        </a:xfrm>
-      </p:grpSpPr>
-      <p:sp>
-        <p:nvSpPr>
-          <p:cNvPr id="2" name="Título 1">
-            <a:extLst>
-              <a:ext uri="{FF2B5EF4-FFF2-40B4-BE49-F238E27FC236}">
-                <a16:creationId xmlns:a16="http://schemas.microsoft.com/office/drawing/2014/main" id="{0D02D3FB-8039-4837-98C9-80B15F3390DA}"/>
-              </a:ext>
-            </a:extLst>
-          </p:cNvPr>
-          <p:cNvSpPr>
-            <a:spLocks noGrp="1"/>
-          </p:cNvSpPr>
-          <p:nvPr>
-            <p:ph type="title"/>
-          </p:nvPr>
-        </p:nvSpPr>
-        <p:spPr/>
-        <p:txBody>
-          <a:bodyPr/>
-          <a:lstStyle/>
-          <a:p>
-            <a:r>
-              <a:rPr lang="en-US" dirty="0"/>
-              <a:t>Distribución de URLs</a:t>
-            </a:r>
-          </a:p>
-        </p:txBody>
-      </p:sp>
-      <p:pic>
-        <p:nvPicPr>
-          <p:cNvPr id="4" name="Marcador de contenido 3">
-            <a:extLst>
-              <a:ext uri="{FF2B5EF4-FFF2-40B4-BE49-F238E27FC236}">
-                <a16:creationId xmlns:a16="http://schemas.microsoft.com/office/drawing/2014/main" id="{0ECC9319-2B95-45F8-A699-99FEB8B43123}"/>
-              </a:ext>
-            </a:extLst>
-          </p:cNvPr>
-          <p:cNvPicPr>
-            <a:picLocks noGrp="1" noChangeAspect="1"/>
-          </p:cNvPicPr>
-          <p:nvPr>
-            <p:ph idx="1"/>
-          </p:nvPr>
-        </p:nvPicPr>
-        <p:blipFill rotWithShape="1">
-          <a:blip r:embed="rId2"/>
-          <a:srcRect l="7536" t="53278" r="34769" b="26977"/>
-          <a:stretch/>
-        </p:blipFill>
-        <p:spPr>
-          <a:xfrm>
-            <a:off x="1637047" y="2009817"/>
-            <a:ext cx="9245442" cy="1778933"/>
-          </a:xfrm>
-          <a:prstGeom prst="rect">
-            <a:avLst/>
-          </a:prstGeom>
-        </p:spPr>
-      </p:pic>
-    </p:spTree>
-    <p:extLst>
-      <p:ext uri="{BB962C8B-B14F-4D97-AF65-F5344CB8AC3E}">
-        <p14:creationId xmlns:p14="http://schemas.microsoft.com/office/powerpoint/2010/main" val="2736708777"/>
-      </p:ext>
-    </p:extLst>
-  </p:cSld>
-  <p:clrMapOvr>
-    <a:masterClrMapping/>
-  </p:clrMapOvr>
-</p:sld>
-</file>
-
-<file path=ppt/slides/slide17.xml><?xml version="1.0" encoding="utf-8"?>
-<p:sld xmlns:a="http://schemas.openxmlformats.org/drawingml/2006/main" xmlns:r="http://schemas.openxmlformats.org/officeDocument/2006/relationships" xmlns:p="http://schemas.openxmlformats.org/presentationml/2006/main">
-  <p:cSld>
-    <p:spTree>
-      <p:nvGrpSpPr>
-        <p:cNvPr id="1" name=""/>
-        <p:cNvGrpSpPr/>
-        <p:nvPr/>
-      </p:nvGrpSpPr>
-      <p:grpSpPr>
-        <a:xfrm>
-          <a:off x="0" y="0"/>
-          <a:ext cx="0" cy="0"/>
-          <a:chOff x="0" y="0"/>
-          <a:chExt cx="0" cy="0"/>
-        </a:xfrm>
-      </p:grpSpPr>
-      <p:sp>
-        <p:nvSpPr>
-          <p:cNvPr id="2" name="Título 1">
-            <a:extLst>
-              <a:ext uri="{FF2B5EF4-FFF2-40B4-BE49-F238E27FC236}">
-                <a16:creationId xmlns:a16="http://schemas.microsoft.com/office/drawing/2014/main" id="{E02285B1-9DAD-43C8-9002-48F8FD41D5F7}"/>
-              </a:ext>
-            </a:extLst>
-          </p:cNvPr>
-          <p:cNvSpPr>
-            <a:spLocks noGrp="1"/>
-          </p:cNvSpPr>
-          <p:nvPr>
-            <p:ph type="title"/>
-          </p:nvPr>
-        </p:nvSpPr>
-        <p:spPr/>
-        <p:txBody>
-          <a:bodyPr/>
-          <a:lstStyle/>
-          <a:p>
-            <a:endParaRPr lang="en-US"/>
-          </a:p>
-        </p:txBody>
-      </p:sp>
-      <p:sp>
-        <p:nvSpPr>
-          <p:cNvPr id="3" name="Marcador de contenido 2">
-            <a:extLst>
-              <a:ext uri="{FF2B5EF4-FFF2-40B4-BE49-F238E27FC236}">
-                <a16:creationId xmlns:a16="http://schemas.microsoft.com/office/drawing/2014/main" id="{F6E3F0DD-595C-4F30-A823-D862FF55ED89}"/>
-              </a:ext>
-            </a:extLst>
-          </p:cNvPr>
-          <p:cNvSpPr>
-            <a:spLocks noGrp="1"/>
-          </p:cNvSpPr>
-          <p:nvPr>
-            <p:ph idx="1"/>
-          </p:nvPr>
-        </p:nvSpPr>
-        <p:spPr/>
-        <p:txBody>
-          <a:bodyPr/>
-          <a:lstStyle/>
-          <a:p>
-            <a:endParaRPr lang="en-US"/>
-          </a:p>
-        </p:txBody>
-      </p:sp>
-      <p:pic>
-        <p:nvPicPr>
-          <p:cNvPr id="4" name="Imagen 3">
-            <a:extLst>
-              <a:ext uri="{FF2B5EF4-FFF2-40B4-BE49-F238E27FC236}">
-                <a16:creationId xmlns:a16="http://schemas.microsoft.com/office/drawing/2014/main" id="{E834A1AE-9934-4D0E-BC02-36B0718A7961}"/>
-              </a:ext>
-            </a:extLst>
-          </p:cNvPr>
-          <p:cNvPicPr>
-            <a:picLocks noChangeAspect="1"/>
-          </p:cNvPicPr>
-          <p:nvPr/>
-        </p:nvPicPr>
-        <p:blipFill>
-          <a:blip r:embed="rId2"/>
-          <a:stretch>
-            <a:fillRect/>
-          </a:stretch>
-        </p:blipFill>
-        <p:spPr>
-          <a:xfrm>
-            <a:off x="1156648" y="516835"/>
-            <a:ext cx="9868055" cy="5548072"/>
-          </a:xfrm>
-          <a:prstGeom prst="rect">
-            <a:avLst/>
-          </a:prstGeom>
-        </p:spPr>
-      </p:pic>
-    </p:spTree>
-    <p:extLst>
-      <p:ext uri="{BB962C8B-B14F-4D97-AF65-F5344CB8AC3E}">
-        <p14:creationId xmlns:p14="http://schemas.microsoft.com/office/powerpoint/2010/main" val="403996753"/>
-      </p:ext>
-    </p:extLst>
-  </p:cSld>
-  <p:clrMapOvr>
-    <a:masterClrMapping/>
-  </p:clrMapOvr>
-</p:sld>
-</file>
-
-<file path=ppt/slides/slide18.xml><?xml version="1.0" encoding="utf-8"?>
-<p:sld xmlns:a="http://schemas.openxmlformats.org/drawingml/2006/main" xmlns:r="http://schemas.openxmlformats.org/officeDocument/2006/relationships" xmlns:p="http://schemas.openxmlformats.org/presentationml/2006/main">
-  <p:cSld>
-    <p:spTree>
-      <p:nvGrpSpPr>
-        <p:cNvPr id="1" name=""/>
-        <p:cNvGrpSpPr/>
-        <p:nvPr/>
-      </p:nvGrpSpPr>
-      <p:grpSpPr>
-        <a:xfrm>
-          <a:off x="0" y="0"/>
-          <a:ext cx="0" cy="0"/>
-          <a:chOff x="0" y="0"/>
-          <a:chExt cx="0" cy="0"/>
-        </a:xfrm>
-      </p:grpSpPr>
-      <p:sp>
-        <p:nvSpPr>
-          <p:cNvPr id="2" name="Título 1">
-            <a:extLst>
-              <a:ext uri="{FF2B5EF4-FFF2-40B4-BE49-F238E27FC236}">
-                <a16:creationId xmlns:a16="http://schemas.microsoft.com/office/drawing/2014/main" id="{ACE2A8EE-F5A6-4551-B9AE-F917D5D6BA63}"/>
-              </a:ext>
-            </a:extLst>
-          </p:cNvPr>
-          <p:cNvSpPr>
-            <a:spLocks noGrp="1"/>
-          </p:cNvSpPr>
-          <p:nvPr>
-            <p:ph type="title"/>
-          </p:nvPr>
-        </p:nvSpPr>
-        <p:spPr/>
-        <p:txBody>
-          <a:bodyPr/>
-          <a:lstStyle/>
-          <a:p>
-            <a:r>
-              <a:rPr lang="en-US" dirty="0"/>
-              <a:t>Distribución de media</a:t>
-            </a:r>
-          </a:p>
-        </p:txBody>
-      </p:sp>
-      <p:pic>
-        <p:nvPicPr>
-          <p:cNvPr id="4" name="Marcador de contenido 3">
-            <a:extLst>
-              <a:ext uri="{FF2B5EF4-FFF2-40B4-BE49-F238E27FC236}">
-                <a16:creationId xmlns:a16="http://schemas.microsoft.com/office/drawing/2014/main" id="{F397FF5D-B335-4FE0-820B-A49C8E4AC770}"/>
-              </a:ext>
-            </a:extLst>
-          </p:cNvPr>
-          <p:cNvPicPr>
-            <a:picLocks noGrp="1" noChangeAspect="1"/>
-          </p:cNvPicPr>
-          <p:nvPr>
-            <p:ph idx="1"/>
-          </p:nvPr>
-        </p:nvPicPr>
-        <p:blipFill rotWithShape="1">
-          <a:blip r:embed="rId2"/>
-          <a:srcRect l="7381" t="18793" r="31270" b="68136"/>
-          <a:stretch/>
-        </p:blipFill>
-        <p:spPr>
-          <a:xfrm>
-            <a:off x="347615" y="2176791"/>
-            <a:ext cx="11698155" cy="1401295"/>
-          </a:xfrm>
-          <a:prstGeom prst="rect">
-            <a:avLst/>
-          </a:prstGeom>
-        </p:spPr>
-      </p:pic>
-    </p:spTree>
-    <p:extLst>
-      <p:ext uri="{BB962C8B-B14F-4D97-AF65-F5344CB8AC3E}">
-        <p14:creationId xmlns:p14="http://schemas.microsoft.com/office/powerpoint/2010/main" val="1471670156"/>
-      </p:ext>
-    </p:extLst>
-  </p:cSld>
-  <p:clrMapOvr>
-    <a:masterClrMapping/>
-  </p:clrMapOvr>
-</p:sld>
-</file>
-
-<file path=ppt/slides/slide19.xml><?xml version="1.0" encoding="utf-8"?>
-<p:sld xmlns:a="http://schemas.openxmlformats.org/drawingml/2006/main" xmlns:r="http://schemas.openxmlformats.org/officeDocument/2006/relationships" xmlns:p="http://schemas.openxmlformats.org/presentationml/2006/main">
-  <p:cSld>
-    <p:spTree>
-      <p:nvGrpSpPr>
-        <p:cNvPr id="1" name=""/>
-        <p:cNvGrpSpPr/>
-        <p:nvPr/>
-      </p:nvGrpSpPr>
-      <p:grpSpPr>
-        <a:xfrm>
-          <a:off x="0" y="0"/>
-          <a:ext cx="0" cy="0"/>
-          <a:chOff x="0" y="0"/>
-          <a:chExt cx="0" cy="0"/>
-        </a:xfrm>
-      </p:grpSpPr>
-      <p:sp>
-        <p:nvSpPr>
-          <p:cNvPr id="2" name="Título 1">
-            <a:extLst>
-              <a:ext uri="{FF2B5EF4-FFF2-40B4-BE49-F238E27FC236}">
-                <a16:creationId xmlns:a16="http://schemas.microsoft.com/office/drawing/2014/main" id="{44C09110-71FD-43D3-8B0D-6253A0194E05}"/>
-              </a:ext>
-            </a:extLst>
-          </p:cNvPr>
-          <p:cNvSpPr>
-            <a:spLocks noGrp="1"/>
-          </p:cNvSpPr>
-          <p:nvPr>
-            <p:ph type="title"/>
-          </p:nvPr>
-        </p:nvSpPr>
-        <p:spPr/>
-        <p:txBody>
-          <a:bodyPr/>
-          <a:lstStyle/>
-          <a:p>
-            <a:endParaRPr lang="en-US"/>
-          </a:p>
-        </p:txBody>
-      </p:sp>
-      <p:sp>
-        <p:nvSpPr>
-          <p:cNvPr id="3" name="Marcador de contenido 2">
-            <a:extLst>
-              <a:ext uri="{FF2B5EF4-FFF2-40B4-BE49-F238E27FC236}">
-                <a16:creationId xmlns:a16="http://schemas.microsoft.com/office/drawing/2014/main" id="{0B5751B7-EC6F-48BE-88D7-4EE0D308A605}"/>
-              </a:ext>
-            </a:extLst>
-          </p:cNvPr>
-          <p:cNvSpPr>
-            <a:spLocks noGrp="1"/>
-          </p:cNvSpPr>
-          <p:nvPr>
-            <p:ph idx="1"/>
-          </p:nvPr>
-        </p:nvSpPr>
-        <p:spPr/>
-        <p:txBody>
-          <a:bodyPr/>
-          <a:lstStyle/>
-          <a:p>
-            <a:endParaRPr lang="en-US"/>
-          </a:p>
-        </p:txBody>
-      </p:sp>
-      <p:pic>
-        <p:nvPicPr>
-          <p:cNvPr id="4" name="Imagen 3">
-            <a:extLst>
-              <a:ext uri="{FF2B5EF4-FFF2-40B4-BE49-F238E27FC236}">
-                <a16:creationId xmlns:a16="http://schemas.microsoft.com/office/drawing/2014/main" id="{0676D59B-52CB-412F-8F30-C856C9C5A38D}"/>
-              </a:ext>
-            </a:extLst>
-          </p:cNvPr>
-          <p:cNvPicPr>
-            <a:picLocks noChangeAspect="1"/>
-          </p:cNvPicPr>
-          <p:nvPr/>
-        </p:nvPicPr>
-        <p:blipFill>
-          <a:blip r:embed="rId2"/>
-          <a:stretch>
-            <a:fillRect/>
-          </a:stretch>
-        </p:blipFill>
-        <p:spPr>
-          <a:xfrm>
-            <a:off x="1025649" y="609600"/>
-            <a:ext cx="10130053" cy="5695374"/>
-          </a:xfrm>
-          <a:prstGeom prst="rect">
-            <a:avLst/>
-          </a:prstGeom>
-        </p:spPr>
-      </p:pic>
-    </p:spTree>
-    <p:extLst>
-      <p:ext uri="{BB962C8B-B14F-4D97-AF65-F5344CB8AC3E}">
-        <p14:creationId xmlns:p14="http://schemas.microsoft.com/office/powerpoint/2010/main" val="2302840247"/>
-      </p:ext>
-    </p:extLst>
-  </p:cSld>
-  <p:clrMapOvr>
-    <a:masterClrMapping/>
-  </p:clrMapOvr>
-</p:sld>
-</file>
-
-<file path=ppt/slides/slide2.xml><?xml version="1.0" encoding="utf-8"?>
-<p:sld xmlns:a="http://schemas.openxmlformats.org/drawingml/2006/main" xmlns:r="http://schemas.openxmlformats.org/officeDocument/2006/relationships" xmlns:p="http://schemas.openxmlformats.org/presentationml/2006/main">
-  <p:cSld>
-    <p:spTree>
-      <p:nvGrpSpPr>
-        <p:cNvPr id="1" name=""/>
-        <p:cNvGrpSpPr/>
-        <p:nvPr/>
-      </p:nvGrpSpPr>
-      <p:grpSpPr>
-        <a:xfrm>
-          <a:off x="0" y="0"/>
-          <a:ext cx="0" cy="0"/>
-          <a:chOff x="0" y="0"/>
-          <a:chExt cx="0" cy="0"/>
-        </a:xfrm>
-      </p:grpSpPr>
-      <p:sp>
-        <p:nvSpPr>
-          <p:cNvPr id="2" name="Título 1">
-            <a:extLst>
-              <a:ext uri="{FF2B5EF4-FFF2-40B4-BE49-F238E27FC236}">
-                <a16:creationId xmlns:a16="http://schemas.microsoft.com/office/drawing/2014/main" id="{55E1685E-EF9F-45AF-B0EB-FD8FB3984DF1}"/>
-              </a:ext>
-            </a:extLst>
-          </p:cNvPr>
-          <p:cNvSpPr>
-            <a:spLocks noGrp="1"/>
-          </p:cNvSpPr>
-          <p:nvPr>
-            <p:ph type="title"/>
-          </p:nvPr>
-        </p:nvSpPr>
-        <p:spPr/>
-        <p:txBody>
-          <a:bodyPr>
-            <a:normAutofit/>
-          </a:bodyPr>
-          <a:lstStyle/>
-          <a:p>
-            <a:r>
-              <a:rPr lang="es-EC" dirty="0"/>
-              <a:t>OBJETIVOS</a:t>
-            </a:r>
-            <a:endParaRPr lang="en-US" dirty="0"/>
-          </a:p>
-        </p:txBody>
-      </p:sp>
-      <p:sp>
-        <p:nvSpPr>
-          <p:cNvPr id="3" name="Marcador de contenido 2">
-            <a:extLst>
-              <a:ext uri="{FF2B5EF4-FFF2-40B4-BE49-F238E27FC236}">
-                <a16:creationId xmlns:a16="http://schemas.microsoft.com/office/drawing/2014/main" id="{F19BE3D7-0571-40D7-A5A3-F8D6FE58BFCF}"/>
-              </a:ext>
-            </a:extLst>
-          </p:cNvPr>
-          <p:cNvSpPr>
-            <a:spLocks noGrp="1"/>
-          </p:cNvSpPr>
-          <p:nvPr>
-            <p:ph idx="1"/>
-          </p:nvPr>
-        </p:nvSpPr>
-        <p:spPr/>
-        <p:txBody>
-          <a:bodyPr/>
-          <a:lstStyle/>
-          <a:p>
-            <a:pPr marL="36900" indent="0">
-              <a:buNone/>
-            </a:pPr>
-            <a:r>
-              <a:rPr lang="es-EC" dirty="0"/>
-              <a:t>GENERAL</a:t>
-            </a:r>
-          </a:p>
-          <a:p>
-            <a:r>
-              <a:rPr lang="es-ES" dirty="0"/>
-              <a:t>Realizar un análisis exploratorio de datos a un data set</a:t>
-            </a:r>
-          </a:p>
-          <a:p>
-            <a:pPr marL="36900" indent="0">
-              <a:buNone/>
-            </a:pPr>
-            <a:r>
-              <a:rPr lang="en-US" dirty="0"/>
-              <a:t>ESPECIFICO</a:t>
-            </a:r>
-          </a:p>
-          <a:p>
-            <a:r>
-              <a:rPr lang="es-ES" dirty="0"/>
-              <a:t>Construir un conjunto de consultas SQL para extraer datos almacenados en la base de datos con el fin de proporcionar información relevante.</a:t>
-            </a:r>
-          </a:p>
-          <a:p>
-            <a:r>
-              <a:rPr lang="es-ES" dirty="0"/>
-              <a:t> Utilizar conceptos de programación funcional para realizar análisis exploratorio de datos. </a:t>
-            </a:r>
-            <a:endParaRPr lang="en-US" dirty="0"/>
-          </a:p>
-        </p:txBody>
-      </p:sp>
-    </p:spTree>
-    <p:extLst>
-      <p:ext uri="{BB962C8B-B14F-4D97-AF65-F5344CB8AC3E}">
-        <p14:creationId xmlns:p14="http://schemas.microsoft.com/office/powerpoint/2010/main" val="1121408369"/>
-      </p:ext>
-    </p:extLst>
-  </p:cSld>
-  <p:clrMapOvr>
-    <a:masterClrMapping/>
-  </p:clrMapOvr>
-</p:sld>
-</file>
-
-<file path=ppt/slides/slide20.xml><?xml version="1.0" encoding="utf-8"?>
-<p:sld xmlns:a="http://schemas.openxmlformats.org/drawingml/2006/main" xmlns:r="http://schemas.openxmlformats.org/officeDocument/2006/relationships" xmlns:p="http://schemas.openxmlformats.org/presentationml/2006/main">
-  <p:cSld>
-    <p:spTree>
-      <p:nvGrpSpPr>
-        <p:cNvPr id="1" name=""/>
-        <p:cNvGrpSpPr/>
-        <p:nvPr/>
-      </p:nvGrpSpPr>
-      <p:grpSpPr>
-        <a:xfrm>
-          <a:off x="0" y="0"/>
-          <a:ext cx="0" cy="0"/>
-          <a:chOff x="0" y="0"/>
-          <a:chExt cx="0" cy="0"/>
-        </a:xfrm>
-      </p:grpSpPr>
-      <p:sp>
-        <p:nvSpPr>
-          <p:cNvPr id="2" name="Título 1">
-            <a:extLst>
-              <a:ext uri="{FF2B5EF4-FFF2-40B4-BE49-F238E27FC236}">
-                <a16:creationId xmlns:a16="http://schemas.microsoft.com/office/drawing/2014/main" id="{45140040-0B26-4A52-A136-E0C99960D0CD}"/>
-              </a:ext>
-            </a:extLst>
-          </p:cNvPr>
-          <p:cNvSpPr>
-            <a:spLocks noGrp="1"/>
-          </p:cNvSpPr>
-          <p:nvPr>
-            <p:ph type="title"/>
-          </p:nvPr>
-        </p:nvSpPr>
-        <p:spPr/>
-        <p:txBody>
-          <a:bodyPr>
-            <a:normAutofit fontScale="90000"/>
-          </a:bodyPr>
-          <a:lstStyle/>
-          <a:p>
-            <a:r>
-              <a:rPr lang="es-ES" dirty="0"/>
-              <a:t>¿Existe una correlación entre el número de amigos y la cantidad de seguidores?</a:t>
-            </a:r>
-            <a:endParaRPr lang="en-US" dirty="0"/>
-          </a:p>
-        </p:txBody>
-      </p:sp>
-      <p:pic>
-        <p:nvPicPr>
-          <p:cNvPr id="4" name="Marcador de contenido 3">
-            <a:extLst>
-              <a:ext uri="{FF2B5EF4-FFF2-40B4-BE49-F238E27FC236}">
-                <a16:creationId xmlns:a16="http://schemas.microsoft.com/office/drawing/2014/main" id="{1B6DF738-C7C1-476A-9D57-2C1DD5131D5E}"/>
-              </a:ext>
-            </a:extLst>
-          </p:cNvPr>
-          <p:cNvPicPr>
-            <a:picLocks noGrp="1" noChangeAspect="1"/>
-          </p:cNvPicPr>
-          <p:nvPr>
-            <p:ph idx="1"/>
-          </p:nvPr>
-        </p:nvPicPr>
-        <p:blipFill rotWithShape="1">
-          <a:blip r:embed="rId2"/>
-          <a:srcRect l="7116" t="41807" r="20749" b="15344"/>
-          <a:stretch/>
-        </p:blipFill>
-        <p:spPr>
-          <a:xfrm>
-            <a:off x="322441" y="2001078"/>
-            <a:ext cx="11723785" cy="3915387"/>
-          </a:xfrm>
-          <a:prstGeom prst="rect">
-            <a:avLst/>
-          </a:prstGeom>
-        </p:spPr>
-      </p:pic>
-    </p:spTree>
-    <p:extLst>
-      <p:ext uri="{BB962C8B-B14F-4D97-AF65-F5344CB8AC3E}">
-        <p14:creationId xmlns:p14="http://schemas.microsoft.com/office/powerpoint/2010/main" val="2539356392"/>
-      </p:ext>
-    </p:extLst>
-  </p:cSld>
-  <p:clrMapOvr>
-    <a:masterClrMapping/>
-  </p:clrMapOvr>
-</p:sld>
-</file>
-
-<file path=ppt/slides/slide21.xml><?xml version="1.0" encoding="utf-8"?>
-<p:sld xmlns:a="http://schemas.openxmlformats.org/drawingml/2006/main" xmlns:r="http://schemas.openxmlformats.org/officeDocument/2006/relationships" xmlns:p="http://schemas.openxmlformats.org/presentationml/2006/main">
-  <p:cSld>
-    <p:spTree>
-      <p:nvGrpSpPr>
-        <p:cNvPr id="1" name=""/>
-        <p:cNvGrpSpPr/>
-        <p:nvPr/>
-      </p:nvGrpSpPr>
-      <p:grpSpPr>
-        <a:xfrm>
-          <a:off x="0" y="0"/>
-          <a:ext cx="0" cy="0"/>
-          <a:chOff x="0" y="0"/>
-          <a:chExt cx="0" cy="0"/>
-        </a:xfrm>
-      </p:grpSpPr>
-      <p:sp>
-        <p:nvSpPr>
-          <p:cNvPr id="2" name="Título 1">
-            <a:extLst>
-              <a:ext uri="{FF2B5EF4-FFF2-40B4-BE49-F238E27FC236}">
-                <a16:creationId xmlns:a16="http://schemas.microsoft.com/office/drawing/2014/main" id="{F714E3DE-0F71-44D8-8845-68C76A03E5C9}"/>
-              </a:ext>
-            </a:extLst>
-          </p:cNvPr>
-          <p:cNvSpPr>
-            <a:spLocks noGrp="1"/>
-          </p:cNvSpPr>
-          <p:nvPr>
-            <p:ph type="title"/>
-          </p:nvPr>
-        </p:nvSpPr>
-        <p:spPr>
-          <a:xfrm>
-            <a:off x="663214" y="96350"/>
-            <a:ext cx="10353762" cy="970450"/>
-          </a:xfrm>
-        </p:spPr>
-        <p:txBody>
-          <a:bodyPr/>
-          <a:lstStyle/>
-          <a:p>
-            <a:r>
-              <a:rPr lang="es-EC" dirty="0"/>
-              <a:t>Correlación</a:t>
-            </a:r>
-            <a:endParaRPr lang="en-US" dirty="0"/>
-          </a:p>
-        </p:txBody>
-      </p:sp>
-      <p:sp>
-        <p:nvSpPr>
-          <p:cNvPr id="3" name="Marcador de contenido 2">
-            <a:extLst>
-              <a:ext uri="{FF2B5EF4-FFF2-40B4-BE49-F238E27FC236}">
-                <a16:creationId xmlns:a16="http://schemas.microsoft.com/office/drawing/2014/main" id="{0FBB113B-35FE-49FE-80A7-4C3AF82E0BB2}"/>
-              </a:ext>
-            </a:extLst>
-          </p:cNvPr>
-          <p:cNvSpPr>
-            <a:spLocks noGrp="1"/>
-          </p:cNvSpPr>
-          <p:nvPr>
-            <p:ph idx="1"/>
-          </p:nvPr>
-        </p:nvSpPr>
-        <p:spPr/>
-        <p:txBody>
-          <a:bodyPr/>
-          <a:lstStyle/>
-          <a:p>
-            <a:endParaRPr lang="en-US" dirty="0"/>
-          </a:p>
-        </p:txBody>
-      </p:sp>
-      <p:pic>
-        <p:nvPicPr>
-          <p:cNvPr id="6" name="Imagen 5">
-            <a:extLst>
-              <a:ext uri="{FF2B5EF4-FFF2-40B4-BE49-F238E27FC236}">
-                <a16:creationId xmlns:a16="http://schemas.microsoft.com/office/drawing/2014/main" id="{C46D530F-3EA9-4E73-8D00-63ED343B3835}"/>
-              </a:ext>
-            </a:extLst>
-          </p:cNvPr>
-          <p:cNvPicPr>
-            <a:picLocks noChangeAspect="1"/>
-          </p:cNvPicPr>
-          <p:nvPr/>
-        </p:nvPicPr>
-        <p:blipFill rotWithShape="1">
-          <a:blip r:embed="rId2"/>
-          <a:srcRect l="9239" t="10222" r="3696" b="5293"/>
-          <a:stretch/>
-        </p:blipFill>
-        <p:spPr>
-          <a:xfrm>
-            <a:off x="67307" y="894522"/>
-            <a:ext cx="6764930" cy="3690730"/>
-          </a:xfrm>
-          <a:prstGeom prst="rect">
-            <a:avLst/>
-          </a:prstGeom>
-        </p:spPr>
-      </p:pic>
-      <p:pic>
-        <p:nvPicPr>
-          <p:cNvPr id="7" name="Imagen 6">
-            <a:extLst>
-              <a:ext uri="{FF2B5EF4-FFF2-40B4-BE49-F238E27FC236}">
-                <a16:creationId xmlns:a16="http://schemas.microsoft.com/office/drawing/2014/main" id="{E87826FE-D9DD-4ABD-92AB-6DA21FE4DC16}"/>
-              </a:ext>
-            </a:extLst>
-          </p:cNvPr>
-          <p:cNvPicPr>
-            <a:picLocks noChangeAspect="1"/>
-          </p:cNvPicPr>
-          <p:nvPr/>
-        </p:nvPicPr>
-        <p:blipFill rotWithShape="1">
-          <a:blip r:embed="rId3"/>
-          <a:srcRect l="8696" t="9835" r="4130" b="7032"/>
-          <a:stretch/>
-        </p:blipFill>
-        <p:spPr>
-          <a:xfrm>
-            <a:off x="5264502" y="3074505"/>
-            <a:ext cx="6622698" cy="3550823"/>
-          </a:xfrm>
-          <a:prstGeom prst="rect">
-            <a:avLst/>
-          </a:prstGeom>
-        </p:spPr>
-      </p:pic>
-    </p:spTree>
-    <p:extLst>
-      <p:ext uri="{BB962C8B-B14F-4D97-AF65-F5344CB8AC3E}">
-        <p14:creationId xmlns:p14="http://schemas.microsoft.com/office/powerpoint/2010/main" val="1880308113"/>
       </p:ext>
     </p:extLst>
   </p:cSld>
@@ -7635,7 +6388,7 @@
                             </p:stCondLst>
                             <p:childTnLst>
                               <p:par>
-                                <p:cTn id="5" presetID="1" presetClass="entr" presetSubtype="0" fill="hold" nodeType="clickEffect">
+                                <p:cTn id="5" presetID="10" presetClass="entr" presetSubtype="0" fill="hold" nodeType="clickEffect">
                                   <p:stCondLst>
                                     <p:cond delay="0"/>
                                   </p:stCondLst>
@@ -7648,7 +6401,7 @@
                                           </p:stCondLst>
                                         </p:cTn>
                                         <p:tgtEl>
-                                          <p:spTgt spid="7"/>
+                                          <p:spTgt spid="3"/>
                                         </p:tgtEl>
                                         <p:attrNameLst>
                                           <p:attrName>style.visibility</p:attrName>
@@ -7658,6 +6411,14 @@
                                         <p:strVal val="visible"/>
                                       </p:to>
                                     </p:set>
+                                    <p:animEffect transition="in" filter="fade">
+                                      <p:cBhvr>
+                                        <p:cTn id="7" dur="500"/>
+                                        <p:tgtEl>
+                                          <p:spTgt spid="3"/>
+                                        </p:tgtEl>
+                                      </p:cBhvr>
+                                    </p:animEffect>
                                   </p:childTnLst>
                                 </p:cTn>
                               </p:par>
@@ -7692,7 +6453,7 @@
 </p:sld>
 </file>
 
-<file path=ppt/slides/slide22.xml><?xml version="1.0" encoding="utf-8"?>
+<file path=ppt/slides/slide11.xml><?xml version="1.0" encoding="utf-8"?>
 <p:sld xmlns:a="http://schemas.openxmlformats.org/drawingml/2006/main" xmlns:r="http://schemas.openxmlformats.org/officeDocument/2006/relationships" xmlns:p="http://schemas.openxmlformats.org/presentationml/2006/main">
   <p:cSld>
     <p:spTree>
@@ -7714,7 +6475,7 @@
           <p:cNvPr id="2" name="Título 1">
             <a:extLst>
               <a:ext uri="{FF2B5EF4-FFF2-40B4-BE49-F238E27FC236}">
-                <a16:creationId xmlns:a16="http://schemas.microsoft.com/office/drawing/2014/main" id="{11639CEF-24FF-40FE-9A7D-8170EDA61C5B}"/>
+                <a16:creationId xmlns:a16="http://schemas.microsoft.com/office/drawing/2014/main" id="{0D02D3FB-8039-4837-98C9-80B15F3390DA}"/>
               </a:ext>
             </a:extLst>
           </p:cNvPr>
@@ -7727,29 +6488,18 @@
         </p:nvSpPr>
         <p:spPr>
           <a:xfrm>
-            <a:off x="612205" y="291547"/>
-            <a:ext cx="10546126" cy="940905"/>
+            <a:off x="913794" y="339478"/>
+            <a:ext cx="10353762" cy="970450"/>
           </a:xfrm>
         </p:spPr>
         <p:txBody>
-          <a:bodyPr>
-            <a:noAutofit/>
-          </a:bodyPr>
+          <a:bodyPr/>
           <a:lstStyle/>
           <a:p>
             <a:r>
-              <a:rPr lang="es-ES" sz="3200" dirty="0"/>
-              <a:t>El comportamiento de los usuarios. Por cada usuario se debe presentar: la cantidad de seguidores y de amigos, también el número de Tweets y </a:t>
-            </a:r>
-            <a:r>
-              <a:rPr lang="es-ES" sz="3200" dirty="0" err="1"/>
-              <a:t>re-tweets</a:t>
-            </a:r>
-            <a:r>
-              <a:rPr lang="es-ES" sz="3200" dirty="0"/>
-              <a:t>.</a:t>
-            </a:r>
-            <a:endParaRPr lang="en-US" sz="3200" dirty="0"/>
+              <a:rPr lang="en-US" dirty="0"/>
+              <a:t>Distribución de URLs</a:t>
+            </a:r>
           </a:p>
         </p:txBody>
       </p:sp>
@@ -7758,7 +6508,7 @@
           <p:cNvPr id="4" name="Marcador de contenido 3">
             <a:extLst>
               <a:ext uri="{FF2B5EF4-FFF2-40B4-BE49-F238E27FC236}">
-                <a16:creationId xmlns:a16="http://schemas.microsoft.com/office/drawing/2014/main" id="{6CE63A9B-C3B8-4A98-88FE-94F12FDDBF32}"/>
+                <a16:creationId xmlns:a16="http://schemas.microsoft.com/office/drawing/2014/main" id="{0ECC9319-2B95-45F8-A699-99FEB8B43123}"/>
               </a:ext>
             </a:extLst>
           </p:cNvPr>
@@ -7771,13 +6521,13 @@
         </p:nvPicPr>
         <p:blipFill rotWithShape="1">
           <a:blip r:embed="rId2"/>
-          <a:srcRect l="7610" t="20500" r="24473" b="39613"/>
+          <a:srcRect l="7535" t="53278" r="39630" b="26977"/>
           <a:stretch/>
         </p:blipFill>
         <p:spPr>
           <a:xfrm>
-            <a:off x="1683027" y="1603513"/>
-            <a:ext cx="8521148" cy="2813586"/>
+            <a:off x="1637047" y="2009817"/>
+            <a:ext cx="8466509" cy="1778933"/>
           </a:xfrm>
           <a:prstGeom prst="rect">
             <a:avLst/>
@@ -7789,7 +6539,7 @@
           <p:cNvPr id="5" name="Imagen 4">
             <a:extLst>
               <a:ext uri="{FF2B5EF4-FFF2-40B4-BE49-F238E27FC236}">
-                <a16:creationId xmlns:a16="http://schemas.microsoft.com/office/drawing/2014/main" id="{100E722B-E048-41E6-A74A-F014667BAE60}"/>
+                <a16:creationId xmlns:a16="http://schemas.microsoft.com/office/drawing/2014/main" id="{B7412E90-A688-49D3-B48F-F08345FDAE33}"/>
               </a:ext>
             </a:extLst>
           </p:cNvPr>
@@ -7798,15 +6548,16 @@
           </p:cNvPicPr>
           <p:nvPr/>
         </p:nvPicPr>
-        <p:blipFill rotWithShape="1">
+        <p:blipFill>
           <a:blip r:embed="rId3"/>
-          <a:srcRect l="7499" t="39222" r="22610" b="27392"/>
-          <a:stretch/>
+          <a:stretch>
+            <a:fillRect/>
+          </a:stretch>
         </p:blipFill>
         <p:spPr>
           <a:xfrm>
-            <a:off x="1683027" y="4417099"/>
-            <a:ext cx="8521148" cy="2288501"/>
+            <a:off x="1399501" y="1197039"/>
+            <a:ext cx="9868055" cy="5548072"/>
           </a:xfrm>
           <a:prstGeom prst="rect">
             <a:avLst/>
@@ -7816,156 +6567,7 @@
     </p:spTree>
     <p:extLst>
       <p:ext uri="{BB962C8B-B14F-4D97-AF65-F5344CB8AC3E}">
-        <p14:creationId xmlns:p14="http://schemas.microsoft.com/office/powerpoint/2010/main" val="2605567926"/>
-      </p:ext>
-    </p:extLst>
-  </p:cSld>
-  <p:clrMapOvr>
-    <a:masterClrMapping/>
-  </p:clrMapOvr>
-</p:sld>
-</file>
-
-<file path=ppt/slides/slide23.xml><?xml version="1.0" encoding="utf-8"?>
-<p:sld xmlns:a="http://schemas.openxmlformats.org/drawingml/2006/main" xmlns:r="http://schemas.openxmlformats.org/officeDocument/2006/relationships" xmlns:p="http://schemas.openxmlformats.org/presentationml/2006/main">
-  <p:cSld>
-    <p:spTree>
-      <p:nvGrpSpPr>
-        <p:cNvPr id="1" name=""/>
-        <p:cNvGrpSpPr/>
-        <p:nvPr/>
-      </p:nvGrpSpPr>
-      <p:grpSpPr>
-        <a:xfrm>
-          <a:off x="0" y="0"/>
-          <a:ext cx="0" cy="0"/>
-          <a:chOff x="0" y="0"/>
-          <a:chExt cx="0" cy="0"/>
-        </a:xfrm>
-      </p:grpSpPr>
-      <p:sp>
-        <p:nvSpPr>
-          <p:cNvPr id="2" name="Título 1">
-            <a:extLst>
-              <a:ext uri="{FF2B5EF4-FFF2-40B4-BE49-F238E27FC236}">
-                <a16:creationId xmlns:a16="http://schemas.microsoft.com/office/drawing/2014/main" id="{033C2C14-7317-420F-88AF-2FDE0E3F29B2}"/>
-              </a:ext>
-            </a:extLst>
-          </p:cNvPr>
-          <p:cNvSpPr>
-            <a:spLocks noGrp="1"/>
-          </p:cNvSpPr>
-          <p:nvPr>
-            <p:ph type="title"/>
-          </p:nvPr>
-        </p:nvSpPr>
-        <p:spPr>
-          <a:xfrm>
-            <a:off x="822937" y="319572"/>
-            <a:ext cx="10353762" cy="970450"/>
-          </a:xfrm>
-        </p:spPr>
-        <p:txBody>
-          <a:bodyPr>
-            <a:normAutofit fontScale="90000"/>
-          </a:bodyPr>
-          <a:lstStyle/>
-          <a:p>
-            <a:r>
-              <a:rPr lang="es-EC" dirty="0"/>
-              <a:t>Visualización del comportamiento de los usuarios</a:t>
-            </a:r>
-            <a:endParaRPr lang="en-US" dirty="0"/>
-          </a:p>
-        </p:txBody>
-      </p:sp>
-      <p:sp>
-        <p:nvSpPr>
-          <p:cNvPr id="3" name="Marcador de contenido 2">
-            <a:extLst>
-              <a:ext uri="{FF2B5EF4-FFF2-40B4-BE49-F238E27FC236}">
-                <a16:creationId xmlns:a16="http://schemas.microsoft.com/office/drawing/2014/main" id="{A90117A9-DC25-4C3B-986F-C0CA70C0EA85}"/>
-              </a:ext>
-            </a:extLst>
-          </p:cNvPr>
-          <p:cNvSpPr>
-            <a:spLocks noGrp="1"/>
-          </p:cNvSpPr>
-          <p:nvPr>
-            <p:ph idx="1"/>
-          </p:nvPr>
-        </p:nvSpPr>
-        <p:spPr/>
-        <p:txBody>
-          <a:bodyPr/>
-          <a:lstStyle/>
-          <a:p>
-            <a:endParaRPr lang="en-US"/>
-          </a:p>
-        </p:txBody>
-      </p:sp>
-      <p:pic>
-        <p:nvPicPr>
-          <p:cNvPr id="5" name="Imagen 4">
-            <a:extLst>
-              <a:ext uri="{FF2B5EF4-FFF2-40B4-BE49-F238E27FC236}">
-                <a16:creationId xmlns:a16="http://schemas.microsoft.com/office/drawing/2014/main" id="{6F98389C-A1C4-4EC4-8EC1-BC2F19200C63}"/>
-              </a:ext>
-            </a:extLst>
-          </p:cNvPr>
-          <p:cNvPicPr>
-            <a:picLocks noChangeAspect="1"/>
-          </p:cNvPicPr>
-          <p:nvPr/>
-        </p:nvPicPr>
-        <p:blipFill rotWithShape="1">
-          <a:blip r:embed="rId2"/>
-          <a:srcRect l="3044" t="8868" r="1739" b="5292"/>
-          <a:stretch/>
-        </p:blipFill>
-        <p:spPr>
-          <a:xfrm>
-            <a:off x="822937" y="1378952"/>
-            <a:ext cx="10535478" cy="5339900"/>
-          </a:xfrm>
-          <a:prstGeom prst="rect">
-            <a:avLst/>
-          </a:prstGeom>
-        </p:spPr>
-      </p:pic>
-      <p:pic>
-        <p:nvPicPr>
-          <p:cNvPr id="6" name="Imagen 5">
-            <a:extLst>
-              <a:ext uri="{FF2B5EF4-FFF2-40B4-BE49-F238E27FC236}">
-                <a16:creationId xmlns:a16="http://schemas.microsoft.com/office/drawing/2014/main" id="{EB0AD594-9A4A-457F-A1DD-FD135238A2DD}"/>
-              </a:ext>
-            </a:extLst>
-          </p:cNvPr>
-          <p:cNvPicPr>
-            <a:picLocks noChangeAspect="1"/>
-          </p:cNvPicPr>
-          <p:nvPr/>
-        </p:nvPicPr>
-        <p:blipFill rotWithShape="1">
-          <a:blip r:embed="rId3"/>
-          <a:srcRect l="5155" t="9062" r="155" b="7864"/>
-          <a:stretch/>
-        </p:blipFill>
-        <p:spPr>
-          <a:xfrm>
-            <a:off x="822937" y="1378952"/>
-            <a:ext cx="10825723" cy="5339900"/>
-          </a:xfrm>
-          <a:prstGeom prst="rect">
-            <a:avLst/>
-          </a:prstGeom>
-        </p:spPr>
-      </p:pic>
-    </p:spTree>
-    <p:extLst>
-      <p:ext uri="{BB962C8B-B14F-4D97-AF65-F5344CB8AC3E}">
-        <p14:creationId xmlns:p14="http://schemas.microsoft.com/office/powerpoint/2010/main" val="2508439638"/>
+        <p14:creationId xmlns:p14="http://schemas.microsoft.com/office/powerpoint/2010/main" val="2736708777"/>
       </p:ext>
     </p:extLst>
   </p:cSld>
@@ -7993,7 +6595,7 @@
                             </p:stCondLst>
                             <p:childTnLst>
                               <p:par>
-                                <p:cTn id="5" presetID="1" presetClass="entr" presetSubtype="0" fill="hold" nodeType="clickEffect">
+                                <p:cTn id="5" presetID="10" presetClass="entr" presetSubtype="0" fill="hold" nodeType="clickEffect">
                                   <p:stCondLst>
                                     <p:cond delay="0"/>
                                   </p:stCondLst>
@@ -8006,7 +6608,7 @@
                                           </p:stCondLst>
                                         </p:cTn>
                                         <p:tgtEl>
-                                          <p:spTgt spid="6"/>
+                                          <p:spTgt spid="5"/>
                                         </p:tgtEl>
                                         <p:attrNameLst>
                                           <p:attrName>style.visibility</p:attrName>
@@ -8016,6 +6618,14 @@
                                         <p:strVal val="visible"/>
                                       </p:to>
                                     </p:set>
+                                    <p:animEffect transition="in" filter="fade">
+                                      <p:cBhvr>
+                                        <p:cTn id="7" dur="500"/>
+                                        <p:tgtEl>
+                                          <p:spTgt spid="5"/>
+                                        </p:tgtEl>
+                                      </p:cBhvr>
+                                    </p:animEffect>
                                   </p:childTnLst>
                                 </p:cTn>
                               </p:par>
@@ -8050,7 +6660,7 @@
 </p:sld>
 </file>
 
-<file path=ppt/slides/slide24.xml><?xml version="1.0" encoding="utf-8"?>
+<file path=ppt/slides/slide12.xml><?xml version="1.0" encoding="utf-8"?>
 <p:sld xmlns:a="http://schemas.openxmlformats.org/drawingml/2006/main" xmlns:r="http://schemas.openxmlformats.org/officeDocument/2006/relationships" xmlns:p="http://schemas.openxmlformats.org/presentationml/2006/main">
   <p:cSld>
     <p:spTree>
@@ -8072,7 +6682,7 @@
           <p:cNvPr id="2" name="Título 1">
             <a:extLst>
               <a:ext uri="{FF2B5EF4-FFF2-40B4-BE49-F238E27FC236}">
-                <a16:creationId xmlns:a16="http://schemas.microsoft.com/office/drawing/2014/main" id="{F054B27D-97CE-4CC9-87D9-BA244F87FD68}"/>
+                <a16:creationId xmlns:a16="http://schemas.microsoft.com/office/drawing/2014/main" id="{ACE2A8EE-F5A6-4551-B9AE-F917D5D6BA63}"/>
               </a:ext>
             </a:extLst>
           </p:cNvPr>
@@ -8083,18 +6693,20 @@
             <p:ph type="title"/>
           </p:nvPr>
         </p:nvSpPr>
-        <p:spPr/>
-        <p:txBody>
-          <a:bodyPr>
-            <a:normAutofit/>
-          </a:bodyPr>
+        <p:spPr>
+          <a:xfrm>
+            <a:off x="858461" y="0"/>
+            <a:ext cx="10353762" cy="970450"/>
+          </a:xfrm>
+        </p:spPr>
+        <p:txBody>
+          <a:bodyPr/>
           <a:lstStyle/>
           <a:p>
             <a:r>
-              <a:rPr lang="es-ES" dirty="0"/>
-              <a:t>Cuántas veces se ha mencionado a un usuario?</a:t>
-            </a:r>
-            <a:endParaRPr lang="en-US" dirty="0"/>
+              <a:rPr lang="en-US" dirty="0"/>
+              <a:t>Distribución de media</a:t>
+            </a:r>
           </a:p>
         </p:txBody>
       </p:sp>
@@ -8103,7 +6715,7 @@
           <p:cNvPr id="4" name="Marcador de contenido 3">
             <a:extLst>
               <a:ext uri="{FF2B5EF4-FFF2-40B4-BE49-F238E27FC236}">
-                <a16:creationId xmlns:a16="http://schemas.microsoft.com/office/drawing/2014/main" id="{329F1AEC-3C1F-43D4-9162-921B3A764BBA}"/>
+                <a16:creationId xmlns:a16="http://schemas.microsoft.com/office/drawing/2014/main" id="{F397FF5D-B335-4FE0-820B-A49C8E4AC770}"/>
               </a:ext>
             </a:extLst>
           </p:cNvPr>
@@ -8116,13 +6728,43 @@
         </p:nvPicPr>
         <p:blipFill rotWithShape="1">
           <a:blip r:embed="rId2"/>
-          <a:srcRect l="6924" t="63485" r="26192" b="19393"/>
+          <a:srcRect l="8477" t="18793" r="33144" b="68136"/>
           <a:stretch/>
         </p:blipFill>
         <p:spPr>
           <a:xfrm>
-            <a:off x="456897" y="2311368"/>
-            <a:ext cx="11267557" cy="1621805"/>
+            <a:off x="858462" y="2058478"/>
+            <a:ext cx="10600301" cy="1334386"/>
+          </a:xfrm>
+          <a:prstGeom prst="rect">
+            <a:avLst/>
+          </a:prstGeom>
+        </p:spPr>
+      </p:pic>
+      <p:pic>
+        <p:nvPicPr>
+          <p:cNvPr id="3" name="Imagen 2">
+            <a:extLst>
+              <a:ext uri="{FF2B5EF4-FFF2-40B4-BE49-F238E27FC236}">
+                <a16:creationId xmlns:a16="http://schemas.microsoft.com/office/drawing/2014/main" id="{AF75834F-A079-4852-BC48-8FD08138EDB5}"/>
+              </a:ext>
+            </a:extLst>
+          </p:cNvPr>
+          <p:cNvPicPr>
+            <a:picLocks noChangeAspect="1"/>
+          </p:cNvPicPr>
+          <p:nvPr/>
+        </p:nvPicPr>
+        <p:blipFill>
+          <a:blip r:embed="rId3"/>
+          <a:stretch>
+            <a:fillRect/>
+          </a:stretch>
+        </p:blipFill>
+        <p:spPr>
+          <a:xfrm>
+            <a:off x="858462" y="943946"/>
+            <a:ext cx="10600301" cy="5762229"/>
           </a:xfrm>
           <a:prstGeom prst="rect">
             <a:avLst/>
@@ -8132,154 +6774,7 @@
     </p:spTree>
     <p:extLst>
       <p:ext uri="{BB962C8B-B14F-4D97-AF65-F5344CB8AC3E}">
-        <p14:creationId xmlns:p14="http://schemas.microsoft.com/office/powerpoint/2010/main" val="1103030273"/>
-      </p:ext>
-    </p:extLst>
-  </p:cSld>
-  <p:clrMapOvr>
-    <a:masterClrMapping/>
-  </p:clrMapOvr>
-</p:sld>
-</file>
-
-<file path=ppt/slides/slide25.xml><?xml version="1.0" encoding="utf-8"?>
-<p:sld xmlns:a="http://schemas.openxmlformats.org/drawingml/2006/main" xmlns:r="http://schemas.openxmlformats.org/officeDocument/2006/relationships" xmlns:p="http://schemas.openxmlformats.org/presentationml/2006/main">
-  <p:cSld>
-    <p:spTree>
-      <p:nvGrpSpPr>
-        <p:cNvPr id="1" name=""/>
-        <p:cNvGrpSpPr/>
-        <p:nvPr/>
-      </p:nvGrpSpPr>
-      <p:grpSpPr>
-        <a:xfrm>
-          <a:off x="0" y="0"/>
-          <a:ext cx="0" cy="0"/>
-          <a:chOff x="0" y="0"/>
-          <a:chExt cx="0" cy="0"/>
-        </a:xfrm>
-      </p:grpSpPr>
-      <p:sp>
-        <p:nvSpPr>
-          <p:cNvPr id="2" name="Título 1">
-            <a:extLst>
-              <a:ext uri="{FF2B5EF4-FFF2-40B4-BE49-F238E27FC236}">
-                <a16:creationId xmlns:a16="http://schemas.microsoft.com/office/drawing/2014/main" id="{E38E60BE-28E8-4DC9-8365-7E82664CD4E9}"/>
-              </a:ext>
-            </a:extLst>
-          </p:cNvPr>
-          <p:cNvSpPr>
-            <a:spLocks noGrp="1"/>
-          </p:cNvSpPr>
-          <p:nvPr>
-            <p:ph type="title"/>
-          </p:nvPr>
-        </p:nvSpPr>
-        <p:spPr>
-          <a:xfrm>
-            <a:off x="728870" y="96350"/>
-            <a:ext cx="10353762" cy="970450"/>
-          </a:xfrm>
-        </p:spPr>
-        <p:txBody>
-          <a:bodyPr/>
-          <a:lstStyle/>
-          <a:p>
-            <a:r>
-              <a:rPr lang="es-EC" dirty="0"/>
-              <a:t>Veces en las que se a mencionado a un usuario</a:t>
-            </a:r>
-            <a:endParaRPr lang="en-US" dirty="0"/>
-          </a:p>
-        </p:txBody>
-      </p:sp>
-      <p:sp>
-        <p:nvSpPr>
-          <p:cNvPr id="3" name="Marcador de contenido 2">
-            <a:extLst>
-              <a:ext uri="{FF2B5EF4-FFF2-40B4-BE49-F238E27FC236}">
-                <a16:creationId xmlns:a16="http://schemas.microsoft.com/office/drawing/2014/main" id="{5ABFBBA3-6EEB-4AD2-9B35-3C97AF7DA478}"/>
-              </a:ext>
-            </a:extLst>
-          </p:cNvPr>
-          <p:cNvSpPr>
-            <a:spLocks noGrp="1"/>
-          </p:cNvSpPr>
-          <p:nvPr>
-            <p:ph idx="1"/>
-          </p:nvPr>
-        </p:nvSpPr>
-        <p:spPr/>
-        <p:txBody>
-          <a:bodyPr/>
-          <a:lstStyle/>
-          <a:p>
-            <a:endParaRPr lang="en-US"/>
-          </a:p>
-        </p:txBody>
-      </p:sp>
-      <p:pic>
-        <p:nvPicPr>
-          <p:cNvPr id="4" name="Imagen 3">
-            <a:extLst>
-              <a:ext uri="{FF2B5EF4-FFF2-40B4-BE49-F238E27FC236}">
-                <a16:creationId xmlns:a16="http://schemas.microsoft.com/office/drawing/2014/main" id="{12CFBAA8-1B49-4239-8372-363FB0190650}"/>
-              </a:ext>
-            </a:extLst>
-          </p:cNvPr>
-          <p:cNvPicPr>
-            <a:picLocks noChangeAspect="1"/>
-          </p:cNvPicPr>
-          <p:nvPr/>
-        </p:nvPicPr>
-        <p:blipFill rotWithShape="1">
-          <a:blip r:embed="rId2"/>
-          <a:srcRect l="4239" t="10222" r="4781" b="6259"/>
-          <a:stretch/>
-        </p:blipFill>
-        <p:spPr>
-          <a:xfrm>
-            <a:off x="728869" y="1215949"/>
-            <a:ext cx="10654747" cy="5499224"/>
-          </a:xfrm>
-          <a:prstGeom prst="rect">
-            <a:avLst/>
-          </a:prstGeom>
-        </p:spPr>
-      </p:pic>
-      <p:pic>
-        <p:nvPicPr>
-          <p:cNvPr id="5" name="Imagen 4">
-            <a:extLst>
-              <a:ext uri="{FF2B5EF4-FFF2-40B4-BE49-F238E27FC236}">
-                <a16:creationId xmlns:a16="http://schemas.microsoft.com/office/drawing/2014/main" id="{477F1B49-2E72-4CD2-BFC7-EBC23EE53FE8}"/>
-              </a:ext>
-            </a:extLst>
-          </p:cNvPr>
-          <p:cNvPicPr>
-            <a:picLocks noChangeAspect="1"/>
-          </p:cNvPicPr>
-          <p:nvPr/>
-        </p:nvPicPr>
-        <p:blipFill rotWithShape="1">
-          <a:blip r:embed="rId3"/>
-          <a:srcRect l="5977" t="10028" r="5977" b="5679"/>
-          <a:stretch/>
-        </p:blipFill>
-        <p:spPr>
-          <a:xfrm>
-            <a:off x="689111" y="937225"/>
-            <a:ext cx="10734261" cy="5777948"/>
-          </a:xfrm>
-          <a:prstGeom prst="rect">
-            <a:avLst/>
-          </a:prstGeom>
-        </p:spPr>
-      </p:pic>
-    </p:spTree>
-    <p:extLst>
-      <p:ext uri="{BB962C8B-B14F-4D97-AF65-F5344CB8AC3E}">
-        <p14:creationId xmlns:p14="http://schemas.microsoft.com/office/powerpoint/2010/main" val="2526282382"/>
+        <p14:creationId xmlns:p14="http://schemas.microsoft.com/office/powerpoint/2010/main" val="1471670156"/>
       </p:ext>
     </p:extLst>
   </p:cSld>
@@ -8307,7 +6802,7 @@
                             </p:stCondLst>
                             <p:childTnLst>
                               <p:par>
-                                <p:cTn id="5" presetID="1" presetClass="entr" presetSubtype="0" fill="hold" nodeType="clickEffect">
+                                <p:cTn id="5" presetID="10" presetClass="entr" presetSubtype="0" fill="hold" nodeType="clickEffect">
                                   <p:stCondLst>
                                     <p:cond delay="0"/>
                                   </p:stCondLst>
@@ -8320,7 +6815,7 @@
                                           </p:stCondLst>
                                         </p:cTn>
                                         <p:tgtEl>
-                                          <p:spTgt spid="5"/>
+                                          <p:spTgt spid="3"/>
                                         </p:tgtEl>
                                         <p:attrNameLst>
                                           <p:attrName>style.visibility</p:attrName>
@@ -8330,6 +6825,14 @@
                                         <p:strVal val="visible"/>
                                       </p:to>
                                     </p:set>
+                                    <p:animEffect transition="in" filter="fade">
+                                      <p:cBhvr>
+                                        <p:cTn id="7" dur="500"/>
+                                        <p:tgtEl>
+                                          <p:spTgt spid="3"/>
+                                        </p:tgtEl>
+                                      </p:cBhvr>
+                                    </p:animEffect>
                                   </p:childTnLst>
                                 </p:cTn>
                               </p:par>
@@ -8361,6 +6864,1083 @@
       </p:par>
     </p:tnLst>
   </p:timing>
+</p:sld>
+</file>
+
+<file path=ppt/slides/slide13.xml><?xml version="1.0" encoding="utf-8"?>
+<p:sld xmlns:a="http://schemas.openxmlformats.org/drawingml/2006/main" xmlns:r="http://schemas.openxmlformats.org/officeDocument/2006/relationships" xmlns:p="http://schemas.openxmlformats.org/presentationml/2006/main">
+  <p:cSld>
+    <p:spTree>
+      <p:nvGrpSpPr>
+        <p:cNvPr id="1" name=""/>
+        <p:cNvGrpSpPr/>
+        <p:nvPr/>
+      </p:nvGrpSpPr>
+      <p:grpSpPr>
+        <a:xfrm>
+          <a:off x="0" y="0"/>
+          <a:ext cx="0" cy="0"/>
+          <a:chOff x="0" y="0"/>
+          <a:chExt cx="0" cy="0"/>
+        </a:xfrm>
+      </p:grpSpPr>
+      <p:sp>
+        <p:nvSpPr>
+          <p:cNvPr id="2" name="Título 1">
+            <a:extLst>
+              <a:ext uri="{FF2B5EF4-FFF2-40B4-BE49-F238E27FC236}">
+                <a16:creationId xmlns:a16="http://schemas.microsoft.com/office/drawing/2014/main" id="{45140040-0B26-4A52-A136-E0C99960D0CD}"/>
+              </a:ext>
+            </a:extLst>
+          </p:cNvPr>
+          <p:cNvSpPr>
+            <a:spLocks noGrp="1"/>
+          </p:cNvSpPr>
+          <p:nvPr>
+            <p:ph type="title"/>
+          </p:nvPr>
+        </p:nvSpPr>
+        <p:spPr/>
+        <p:txBody>
+          <a:bodyPr>
+            <a:normAutofit fontScale="90000"/>
+          </a:bodyPr>
+          <a:lstStyle/>
+          <a:p>
+            <a:r>
+              <a:rPr lang="es-ES" dirty="0"/>
+              <a:t>¿Existe una correlación entre el número de amigos y la cantidad de seguidores?</a:t>
+            </a:r>
+            <a:endParaRPr lang="en-US" dirty="0"/>
+          </a:p>
+        </p:txBody>
+      </p:sp>
+      <p:pic>
+        <p:nvPicPr>
+          <p:cNvPr id="4" name="Marcador de contenido 3">
+            <a:extLst>
+              <a:ext uri="{FF2B5EF4-FFF2-40B4-BE49-F238E27FC236}">
+                <a16:creationId xmlns:a16="http://schemas.microsoft.com/office/drawing/2014/main" id="{1B6DF738-C7C1-476A-9D57-2C1DD5131D5E}"/>
+              </a:ext>
+            </a:extLst>
+          </p:cNvPr>
+          <p:cNvPicPr>
+            <a:picLocks noGrp="1" noChangeAspect="1"/>
+          </p:cNvPicPr>
+          <p:nvPr>
+            <p:ph idx="1"/>
+          </p:nvPr>
+        </p:nvPicPr>
+        <p:blipFill rotWithShape="1">
+          <a:blip r:embed="rId2"/>
+          <a:srcRect l="8632" t="41807" r="29806" b="15344"/>
+          <a:stretch/>
+        </p:blipFill>
+        <p:spPr>
+          <a:xfrm>
+            <a:off x="1093304" y="1947578"/>
+            <a:ext cx="10005392" cy="3915387"/>
+          </a:xfrm>
+          <a:prstGeom prst="rect">
+            <a:avLst/>
+          </a:prstGeom>
+        </p:spPr>
+      </p:pic>
+      <p:pic>
+        <p:nvPicPr>
+          <p:cNvPr id="3" name="Imagen 2">
+            <a:extLst>
+              <a:ext uri="{FF2B5EF4-FFF2-40B4-BE49-F238E27FC236}">
+                <a16:creationId xmlns:a16="http://schemas.microsoft.com/office/drawing/2014/main" id="{998D951F-9E20-4D4D-BFD3-174CCFB7512F}"/>
+              </a:ext>
+            </a:extLst>
+          </p:cNvPr>
+          <p:cNvPicPr>
+            <a:picLocks noChangeAspect="1"/>
+          </p:cNvPicPr>
+          <p:nvPr/>
+        </p:nvPicPr>
+        <p:blipFill>
+          <a:blip r:embed="rId3"/>
+          <a:stretch>
+            <a:fillRect/>
+          </a:stretch>
+        </p:blipFill>
+        <p:spPr>
+          <a:xfrm>
+            <a:off x="1410873" y="1656386"/>
+            <a:ext cx="8974347" cy="4891423"/>
+          </a:xfrm>
+          <a:prstGeom prst="rect">
+            <a:avLst/>
+          </a:prstGeom>
+        </p:spPr>
+      </p:pic>
+      <p:pic>
+        <p:nvPicPr>
+          <p:cNvPr id="6" name="Imagen 5">
+            <a:extLst>
+              <a:ext uri="{FF2B5EF4-FFF2-40B4-BE49-F238E27FC236}">
+                <a16:creationId xmlns:a16="http://schemas.microsoft.com/office/drawing/2014/main" id="{37247D08-DE61-4B46-9E84-C55E503EC32B}"/>
+              </a:ext>
+            </a:extLst>
+          </p:cNvPr>
+          <p:cNvPicPr>
+            <a:picLocks noChangeAspect="1"/>
+          </p:cNvPicPr>
+          <p:nvPr/>
+        </p:nvPicPr>
+        <p:blipFill>
+          <a:blip r:embed="rId4"/>
+          <a:stretch>
+            <a:fillRect/>
+          </a:stretch>
+        </p:blipFill>
+        <p:spPr>
+          <a:xfrm>
+            <a:off x="1432993" y="1656386"/>
+            <a:ext cx="9348134" cy="4967760"/>
+          </a:xfrm>
+          <a:prstGeom prst="rect">
+            <a:avLst/>
+          </a:prstGeom>
+        </p:spPr>
+      </p:pic>
+    </p:spTree>
+    <p:extLst>
+      <p:ext uri="{BB962C8B-B14F-4D97-AF65-F5344CB8AC3E}">
+        <p14:creationId xmlns:p14="http://schemas.microsoft.com/office/powerpoint/2010/main" val="2539356392"/>
+      </p:ext>
+    </p:extLst>
+  </p:cSld>
+  <p:clrMapOvr>
+    <a:masterClrMapping/>
+  </p:clrMapOvr>
+  <p:timing>
+    <p:tnLst>
+      <p:par>
+        <p:cTn id="1" dur="indefinite" restart="never" nodeType="tmRoot">
+          <p:childTnLst>
+            <p:seq concurrent="1" nextAc="seek">
+              <p:cTn id="2" dur="indefinite" nodeType="mainSeq">
+                <p:childTnLst>
+                  <p:par>
+                    <p:cTn id="3" fill="hold">
+                      <p:stCondLst>
+                        <p:cond delay="indefinite"/>
+                      </p:stCondLst>
+                      <p:childTnLst>
+                        <p:par>
+                          <p:cTn id="4" fill="hold">
+                            <p:stCondLst>
+                              <p:cond delay="0"/>
+                            </p:stCondLst>
+                            <p:childTnLst>
+                              <p:par>
+                                <p:cTn id="5" presetID="10" presetClass="entr" presetSubtype="0" fill="hold" nodeType="clickEffect">
+                                  <p:stCondLst>
+                                    <p:cond delay="0"/>
+                                  </p:stCondLst>
+                                  <p:childTnLst>
+                                    <p:set>
+                                      <p:cBhvr>
+                                        <p:cTn id="6" dur="1" fill="hold">
+                                          <p:stCondLst>
+                                            <p:cond delay="0"/>
+                                          </p:stCondLst>
+                                        </p:cTn>
+                                        <p:tgtEl>
+                                          <p:spTgt spid="3"/>
+                                        </p:tgtEl>
+                                        <p:attrNameLst>
+                                          <p:attrName>style.visibility</p:attrName>
+                                        </p:attrNameLst>
+                                      </p:cBhvr>
+                                      <p:to>
+                                        <p:strVal val="visible"/>
+                                      </p:to>
+                                    </p:set>
+                                    <p:animEffect transition="in" filter="fade">
+                                      <p:cBhvr>
+                                        <p:cTn id="7" dur="500"/>
+                                        <p:tgtEl>
+                                          <p:spTgt spid="3"/>
+                                        </p:tgtEl>
+                                      </p:cBhvr>
+                                    </p:animEffect>
+                                  </p:childTnLst>
+                                </p:cTn>
+                              </p:par>
+                            </p:childTnLst>
+                          </p:cTn>
+                        </p:par>
+                      </p:childTnLst>
+                    </p:cTn>
+                  </p:par>
+                  <p:par>
+                    <p:cTn id="8" fill="hold">
+                      <p:stCondLst>
+                        <p:cond delay="indefinite"/>
+                      </p:stCondLst>
+                      <p:childTnLst>
+                        <p:par>
+                          <p:cTn id="9" fill="hold">
+                            <p:stCondLst>
+                              <p:cond delay="0"/>
+                            </p:stCondLst>
+                            <p:childTnLst>
+                              <p:par>
+                                <p:cTn id="10" presetID="10" presetClass="entr" presetSubtype="0" fill="hold" nodeType="clickEffect">
+                                  <p:stCondLst>
+                                    <p:cond delay="0"/>
+                                  </p:stCondLst>
+                                  <p:childTnLst>
+                                    <p:set>
+                                      <p:cBhvr>
+                                        <p:cTn id="11" dur="1" fill="hold">
+                                          <p:stCondLst>
+                                            <p:cond delay="0"/>
+                                          </p:stCondLst>
+                                        </p:cTn>
+                                        <p:tgtEl>
+                                          <p:spTgt spid="6"/>
+                                        </p:tgtEl>
+                                        <p:attrNameLst>
+                                          <p:attrName>style.visibility</p:attrName>
+                                        </p:attrNameLst>
+                                      </p:cBhvr>
+                                      <p:to>
+                                        <p:strVal val="visible"/>
+                                      </p:to>
+                                    </p:set>
+                                    <p:animEffect transition="in" filter="fade">
+                                      <p:cBhvr>
+                                        <p:cTn id="12" dur="500"/>
+                                        <p:tgtEl>
+                                          <p:spTgt spid="6"/>
+                                        </p:tgtEl>
+                                      </p:cBhvr>
+                                    </p:animEffect>
+                                  </p:childTnLst>
+                                </p:cTn>
+                              </p:par>
+                            </p:childTnLst>
+                          </p:cTn>
+                        </p:par>
+                      </p:childTnLst>
+                    </p:cTn>
+                  </p:par>
+                </p:childTnLst>
+              </p:cTn>
+              <p:prevCondLst>
+                <p:cond evt="onPrev" delay="0">
+                  <p:tgtEl>
+                    <p:sldTgt/>
+                  </p:tgtEl>
+                </p:cond>
+              </p:prevCondLst>
+              <p:nextCondLst>
+                <p:cond evt="onNext" delay="0">
+                  <p:tgtEl>
+                    <p:sldTgt/>
+                  </p:tgtEl>
+                </p:cond>
+              </p:nextCondLst>
+            </p:seq>
+          </p:childTnLst>
+        </p:cTn>
+      </p:par>
+    </p:tnLst>
+  </p:timing>
+</p:sld>
+</file>
+
+<file path=ppt/slides/slide14.xml><?xml version="1.0" encoding="utf-8"?>
+<p:sld xmlns:a="http://schemas.openxmlformats.org/drawingml/2006/main" xmlns:r="http://schemas.openxmlformats.org/officeDocument/2006/relationships" xmlns:p="http://schemas.openxmlformats.org/presentationml/2006/main">
+  <p:cSld>
+    <p:spTree>
+      <p:nvGrpSpPr>
+        <p:cNvPr id="1" name=""/>
+        <p:cNvGrpSpPr/>
+        <p:nvPr/>
+      </p:nvGrpSpPr>
+      <p:grpSpPr>
+        <a:xfrm>
+          <a:off x="0" y="0"/>
+          <a:ext cx="0" cy="0"/>
+          <a:chOff x="0" y="0"/>
+          <a:chExt cx="0" cy="0"/>
+        </a:xfrm>
+      </p:grpSpPr>
+      <p:sp>
+        <p:nvSpPr>
+          <p:cNvPr id="2" name="Título 1">
+            <a:extLst>
+              <a:ext uri="{FF2B5EF4-FFF2-40B4-BE49-F238E27FC236}">
+                <a16:creationId xmlns:a16="http://schemas.microsoft.com/office/drawing/2014/main" id="{11639CEF-24FF-40FE-9A7D-8170EDA61C5B}"/>
+              </a:ext>
+            </a:extLst>
+          </p:cNvPr>
+          <p:cNvSpPr>
+            <a:spLocks noGrp="1"/>
+          </p:cNvSpPr>
+          <p:nvPr>
+            <p:ph type="title"/>
+          </p:nvPr>
+        </p:nvSpPr>
+        <p:spPr>
+          <a:xfrm>
+            <a:off x="612205" y="291547"/>
+            <a:ext cx="10546126" cy="940905"/>
+          </a:xfrm>
+        </p:spPr>
+        <p:txBody>
+          <a:bodyPr>
+            <a:noAutofit/>
+          </a:bodyPr>
+          <a:lstStyle/>
+          <a:p>
+            <a:r>
+              <a:rPr lang="es-ES" sz="3200" dirty="0"/>
+              <a:t>El comportamiento de los usuarios. Por cada usuario se debe presentar: la cantidad de seguidores y de amigos, también el número de Tweets y </a:t>
+            </a:r>
+            <a:r>
+              <a:rPr lang="es-ES" sz="3200" dirty="0" err="1"/>
+              <a:t>re-tweets</a:t>
+            </a:r>
+            <a:r>
+              <a:rPr lang="es-ES" sz="3200" dirty="0"/>
+              <a:t>.</a:t>
+            </a:r>
+            <a:endParaRPr lang="en-US" sz="3200" dirty="0"/>
+          </a:p>
+        </p:txBody>
+      </p:sp>
+      <p:pic>
+        <p:nvPicPr>
+          <p:cNvPr id="10" name="Imagen 9">
+            <a:extLst>
+              <a:ext uri="{FF2B5EF4-FFF2-40B4-BE49-F238E27FC236}">
+                <a16:creationId xmlns:a16="http://schemas.microsoft.com/office/drawing/2014/main" id="{AC8BB350-BECF-4DD4-9A4B-6FD5DBF1FC13}"/>
+              </a:ext>
+            </a:extLst>
+          </p:cNvPr>
+          <p:cNvPicPr>
+            <a:picLocks noChangeAspect="1"/>
+          </p:cNvPicPr>
+          <p:nvPr/>
+        </p:nvPicPr>
+        <p:blipFill rotWithShape="1">
+          <a:blip r:embed="rId2"/>
+          <a:srcRect l="17065" t="10415" r="20001" b="18439"/>
+          <a:stretch/>
+        </p:blipFill>
+        <p:spPr>
+          <a:xfrm>
+            <a:off x="1855110" y="1467163"/>
+            <a:ext cx="8481780" cy="5390837"/>
+          </a:xfrm>
+          <a:prstGeom prst="rect">
+            <a:avLst/>
+          </a:prstGeom>
+        </p:spPr>
+      </p:pic>
+      <p:pic>
+        <p:nvPicPr>
+          <p:cNvPr id="11" name="Imagen 10">
+            <a:extLst>
+              <a:ext uri="{FF2B5EF4-FFF2-40B4-BE49-F238E27FC236}">
+                <a16:creationId xmlns:a16="http://schemas.microsoft.com/office/drawing/2014/main" id="{5051629D-6179-45FD-A941-2009A62EFCC0}"/>
+              </a:ext>
+            </a:extLst>
+          </p:cNvPr>
+          <p:cNvPicPr>
+            <a:picLocks noChangeAspect="1"/>
+          </p:cNvPicPr>
+          <p:nvPr/>
+        </p:nvPicPr>
+        <p:blipFill>
+          <a:blip r:embed="rId3"/>
+          <a:stretch>
+            <a:fillRect/>
+          </a:stretch>
+        </p:blipFill>
+        <p:spPr>
+          <a:xfrm>
+            <a:off x="785072" y="1467163"/>
+            <a:ext cx="10621855" cy="5390837"/>
+          </a:xfrm>
+          <a:prstGeom prst="rect">
+            <a:avLst/>
+          </a:prstGeom>
+        </p:spPr>
+      </p:pic>
+      <p:pic>
+        <p:nvPicPr>
+          <p:cNvPr id="12" name="Imagen 11">
+            <a:extLst>
+              <a:ext uri="{FF2B5EF4-FFF2-40B4-BE49-F238E27FC236}">
+                <a16:creationId xmlns:a16="http://schemas.microsoft.com/office/drawing/2014/main" id="{707CCA0F-066D-4E72-A3CA-67138116BA44}"/>
+              </a:ext>
+            </a:extLst>
+          </p:cNvPr>
+          <p:cNvPicPr>
+            <a:picLocks noChangeAspect="1"/>
+          </p:cNvPicPr>
+          <p:nvPr/>
+        </p:nvPicPr>
+        <p:blipFill>
+          <a:blip r:embed="rId4"/>
+          <a:stretch>
+            <a:fillRect/>
+          </a:stretch>
+        </p:blipFill>
+        <p:spPr>
+          <a:xfrm>
+            <a:off x="755439" y="1467163"/>
+            <a:ext cx="10769381" cy="5390837"/>
+          </a:xfrm>
+          <a:prstGeom prst="rect">
+            <a:avLst/>
+          </a:prstGeom>
+        </p:spPr>
+      </p:pic>
+    </p:spTree>
+    <p:extLst>
+      <p:ext uri="{BB962C8B-B14F-4D97-AF65-F5344CB8AC3E}">
+        <p14:creationId xmlns:p14="http://schemas.microsoft.com/office/powerpoint/2010/main" val="2605567926"/>
+      </p:ext>
+    </p:extLst>
+  </p:cSld>
+  <p:clrMapOvr>
+    <a:masterClrMapping/>
+  </p:clrMapOvr>
+  <p:timing>
+    <p:tnLst>
+      <p:par>
+        <p:cTn id="1" dur="indefinite" restart="never" nodeType="tmRoot">
+          <p:childTnLst>
+            <p:seq concurrent="1" nextAc="seek">
+              <p:cTn id="2" dur="indefinite" nodeType="mainSeq">
+                <p:childTnLst>
+                  <p:par>
+                    <p:cTn id="3" fill="hold">
+                      <p:stCondLst>
+                        <p:cond delay="indefinite"/>
+                      </p:stCondLst>
+                      <p:childTnLst>
+                        <p:par>
+                          <p:cTn id="4" fill="hold">
+                            <p:stCondLst>
+                              <p:cond delay="0"/>
+                            </p:stCondLst>
+                            <p:childTnLst>
+                              <p:par>
+                                <p:cTn id="5" presetID="10" presetClass="entr" presetSubtype="0" fill="hold" nodeType="clickEffect">
+                                  <p:stCondLst>
+                                    <p:cond delay="0"/>
+                                  </p:stCondLst>
+                                  <p:childTnLst>
+                                    <p:set>
+                                      <p:cBhvr>
+                                        <p:cTn id="6" dur="1" fill="hold">
+                                          <p:stCondLst>
+                                            <p:cond delay="0"/>
+                                          </p:stCondLst>
+                                        </p:cTn>
+                                        <p:tgtEl>
+                                          <p:spTgt spid="11"/>
+                                        </p:tgtEl>
+                                        <p:attrNameLst>
+                                          <p:attrName>style.visibility</p:attrName>
+                                        </p:attrNameLst>
+                                      </p:cBhvr>
+                                      <p:to>
+                                        <p:strVal val="visible"/>
+                                      </p:to>
+                                    </p:set>
+                                    <p:animEffect transition="in" filter="fade">
+                                      <p:cBhvr>
+                                        <p:cTn id="7" dur="500"/>
+                                        <p:tgtEl>
+                                          <p:spTgt spid="11"/>
+                                        </p:tgtEl>
+                                      </p:cBhvr>
+                                    </p:animEffect>
+                                  </p:childTnLst>
+                                </p:cTn>
+                              </p:par>
+                            </p:childTnLst>
+                          </p:cTn>
+                        </p:par>
+                      </p:childTnLst>
+                    </p:cTn>
+                  </p:par>
+                  <p:par>
+                    <p:cTn id="8" fill="hold">
+                      <p:stCondLst>
+                        <p:cond delay="indefinite"/>
+                      </p:stCondLst>
+                      <p:childTnLst>
+                        <p:par>
+                          <p:cTn id="9" fill="hold">
+                            <p:stCondLst>
+                              <p:cond delay="0"/>
+                            </p:stCondLst>
+                            <p:childTnLst>
+                              <p:par>
+                                <p:cTn id="10" presetID="10" presetClass="entr" presetSubtype="0" fill="hold" nodeType="clickEffect">
+                                  <p:stCondLst>
+                                    <p:cond delay="0"/>
+                                  </p:stCondLst>
+                                  <p:childTnLst>
+                                    <p:set>
+                                      <p:cBhvr>
+                                        <p:cTn id="11" dur="1" fill="hold">
+                                          <p:stCondLst>
+                                            <p:cond delay="0"/>
+                                          </p:stCondLst>
+                                        </p:cTn>
+                                        <p:tgtEl>
+                                          <p:spTgt spid="12"/>
+                                        </p:tgtEl>
+                                        <p:attrNameLst>
+                                          <p:attrName>style.visibility</p:attrName>
+                                        </p:attrNameLst>
+                                      </p:cBhvr>
+                                      <p:to>
+                                        <p:strVal val="visible"/>
+                                      </p:to>
+                                    </p:set>
+                                    <p:animEffect transition="in" filter="fade">
+                                      <p:cBhvr>
+                                        <p:cTn id="12" dur="500"/>
+                                        <p:tgtEl>
+                                          <p:spTgt spid="12"/>
+                                        </p:tgtEl>
+                                      </p:cBhvr>
+                                    </p:animEffect>
+                                  </p:childTnLst>
+                                </p:cTn>
+                              </p:par>
+                            </p:childTnLst>
+                          </p:cTn>
+                        </p:par>
+                      </p:childTnLst>
+                    </p:cTn>
+                  </p:par>
+                </p:childTnLst>
+              </p:cTn>
+              <p:prevCondLst>
+                <p:cond evt="onPrev" delay="0">
+                  <p:tgtEl>
+                    <p:sldTgt/>
+                  </p:tgtEl>
+                </p:cond>
+              </p:prevCondLst>
+              <p:nextCondLst>
+                <p:cond evt="onNext" delay="0">
+                  <p:tgtEl>
+                    <p:sldTgt/>
+                  </p:tgtEl>
+                </p:cond>
+              </p:nextCondLst>
+            </p:seq>
+          </p:childTnLst>
+        </p:cTn>
+      </p:par>
+    </p:tnLst>
+  </p:timing>
+</p:sld>
+</file>
+
+<file path=ppt/slides/slide15.xml><?xml version="1.0" encoding="utf-8"?>
+<p:sld xmlns:a="http://schemas.openxmlformats.org/drawingml/2006/main" xmlns:r="http://schemas.openxmlformats.org/officeDocument/2006/relationships" xmlns:p="http://schemas.openxmlformats.org/presentationml/2006/main">
+  <p:cSld>
+    <p:spTree>
+      <p:nvGrpSpPr>
+        <p:cNvPr id="1" name=""/>
+        <p:cNvGrpSpPr/>
+        <p:nvPr/>
+      </p:nvGrpSpPr>
+      <p:grpSpPr>
+        <a:xfrm>
+          <a:off x="0" y="0"/>
+          <a:ext cx="0" cy="0"/>
+          <a:chOff x="0" y="0"/>
+          <a:chExt cx="0" cy="0"/>
+        </a:xfrm>
+      </p:grpSpPr>
+      <p:pic>
+        <p:nvPicPr>
+          <p:cNvPr id="10" name="Imagen 9">
+            <a:extLst>
+              <a:ext uri="{FF2B5EF4-FFF2-40B4-BE49-F238E27FC236}">
+                <a16:creationId xmlns:a16="http://schemas.microsoft.com/office/drawing/2014/main" id="{967C4B43-3E87-447B-9683-08B6741EFB7B}"/>
+              </a:ext>
+            </a:extLst>
+          </p:cNvPr>
+          <p:cNvPicPr>
+            <a:picLocks noChangeAspect="1"/>
+          </p:cNvPicPr>
+          <p:nvPr/>
+        </p:nvPicPr>
+        <p:blipFill rotWithShape="1">
+          <a:blip r:embed="rId2"/>
+          <a:srcRect l="14783" t="37921" r="35216" b="30425"/>
+          <a:stretch/>
+        </p:blipFill>
+        <p:spPr>
+          <a:xfrm>
+            <a:off x="1982502" y="1732449"/>
+            <a:ext cx="8216348" cy="2924475"/>
+          </a:xfrm>
+          <a:prstGeom prst="rect">
+            <a:avLst/>
+          </a:prstGeom>
+        </p:spPr>
+      </p:pic>
+      <p:sp>
+        <p:nvSpPr>
+          <p:cNvPr id="2" name="Título 1">
+            <a:extLst>
+              <a:ext uri="{FF2B5EF4-FFF2-40B4-BE49-F238E27FC236}">
+                <a16:creationId xmlns:a16="http://schemas.microsoft.com/office/drawing/2014/main" id="{F054B27D-97CE-4CC9-87D9-BA244F87FD68}"/>
+              </a:ext>
+            </a:extLst>
+          </p:cNvPr>
+          <p:cNvSpPr>
+            <a:spLocks noGrp="1"/>
+          </p:cNvSpPr>
+          <p:nvPr>
+            <p:ph type="title"/>
+          </p:nvPr>
+        </p:nvSpPr>
+        <p:spPr>
+          <a:xfrm>
+            <a:off x="913795" y="159026"/>
+            <a:ext cx="10353762" cy="970450"/>
+          </a:xfrm>
+        </p:spPr>
+        <p:txBody>
+          <a:bodyPr>
+            <a:normAutofit/>
+          </a:bodyPr>
+          <a:lstStyle/>
+          <a:p>
+            <a:r>
+              <a:rPr lang="es-ES" dirty="0"/>
+              <a:t>Cuántas veces se ha mencionado a un usuario?</a:t>
+            </a:r>
+            <a:endParaRPr lang="en-US" dirty="0"/>
+          </a:p>
+        </p:txBody>
+      </p:sp>
+      <p:pic>
+        <p:nvPicPr>
+          <p:cNvPr id="3" name="Imagen 2">
+            <a:extLst>
+              <a:ext uri="{FF2B5EF4-FFF2-40B4-BE49-F238E27FC236}">
+                <a16:creationId xmlns:a16="http://schemas.microsoft.com/office/drawing/2014/main" id="{C5BA3B81-3430-4EA1-BFDF-F6CA1946AA6B}"/>
+              </a:ext>
+            </a:extLst>
+          </p:cNvPr>
+          <p:cNvPicPr>
+            <a:picLocks noChangeAspect="1"/>
+          </p:cNvPicPr>
+          <p:nvPr/>
+        </p:nvPicPr>
+        <p:blipFill>
+          <a:blip r:embed="rId3"/>
+          <a:stretch>
+            <a:fillRect/>
+          </a:stretch>
+        </p:blipFill>
+        <p:spPr>
+          <a:xfrm>
+            <a:off x="804986" y="1193809"/>
+            <a:ext cx="10650635" cy="5505165"/>
+          </a:xfrm>
+          <a:prstGeom prst="rect">
+            <a:avLst/>
+          </a:prstGeom>
+        </p:spPr>
+      </p:pic>
+      <p:pic>
+        <p:nvPicPr>
+          <p:cNvPr id="5" name="Imagen 4">
+            <a:extLst>
+              <a:ext uri="{FF2B5EF4-FFF2-40B4-BE49-F238E27FC236}">
+                <a16:creationId xmlns:a16="http://schemas.microsoft.com/office/drawing/2014/main" id="{D35882C9-B421-42EE-BCB9-A262ECC08ECD}"/>
+              </a:ext>
+            </a:extLst>
+          </p:cNvPr>
+          <p:cNvPicPr>
+            <a:picLocks noChangeAspect="1"/>
+          </p:cNvPicPr>
+          <p:nvPr/>
+        </p:nvPicPr>
+        <p:blipFill>
+          <a:blip r:embed="rId4"/>
+          <a:stretch>
+            <a:fillRect/>
+          </a:stretch>
+        </p:blipFill>
+        <p:spPr>
+          <a:xfrm>
+            <a:off x="765358" y="1193809"/>
+            <a:ext cx="10729890" cy="5642337"/>
+          </a:xfrm>
+          <a:prstGeom prst="rect">
+            <a:avLst/>
+          </a:prstGeom>
+        </p:spPr>
+      </p:pic>
+    </p:spTree>
+    <p:extLst>
+      <p:ext uri="{BB962C8B-B14F-4D97-AF65-F5344CB8AC3E}">
+        <p14:creationId xmlns:p14="http://schemas.microsoft.com/office/powerpoint/2010/main" val="1103030273"/>
+      </p:ext>
+    </p:extLst>
+  </p:cSld>
+  <p:clrMapOvr>
+    <a:masterClrMapping/>
+  </p:clrMapOvr>
+  <p:timing>
+    <p:tnLst>
+      <p:par>
+        <p:cTn id="1" dur="indefinite" restart="never" nodeType="tmRoot">
+          <p:childTnLst>
+            <p:seq concurrent="1" nextAc="seek">
+              <p:cTn id="2" dur="indefinite" nodeType="mainSeq">
+                <p:childTnLst>
+                  <p:par>
+                    <p:cTn id="3" fill="hold">
+                      <p:stCondLst>
+                        <p:cond delay="indefinite"/>
+                      </p:stCondLst>
+                      <p:childTnLst>
+                        <p:par>
+                          <p:cTn id="4" fill="hold">
+                            <p:stCondLst>
+                              <p:cond delay="0"/>
+                            </p:stCondLst>
+                            <p:childTnLst>
+                              <p:par>
+                                <p:cTn id="5" presetID="10" presetClass="entr" presetSubtype="0" fill="hold" nodeType="clickEffect">
+                                  <p:stCondLst>
+                                    <p:cond delay="0"/>
+                                  </p:stCondLst>
+                                  <p:childTnLst>
+                                    <p:set>
+                                      <p:cBhvr>
+                                        <p:cTn id="6" dur="1" fill="hold">
+                                          <p:stCondLst>
+                                            <p:cond delay="0"/>
+                                          </p:stCondLst>
+                                        </p:cTn>
+                                        <p:tgtEl>
+                                          <p:spTgt spid="3"/>
+                                        </p:tgtEl>
+                                        <p:attrNameLst>
+                                          <p:attrName>style.visibility</p:attrName>
+                                        </p:attrNameLst>
+                                      </p:cBhvr>
+                                      <p:to>
+                                        <p:strVal val="visible"/>
+                                      </p:to>
+                                    </p:set>
+                                    <p:animEffect transition="in" filter="fade">
+                                      <p:cBhvr>
+                                        <p:cTn id="7" dur="500"/>
+                                        <p:tgtEl>
+                                          <p:spTgt spid="3"/>
+                                        </p:tgtEl>
+                                      </p:cBhvr>
+                                    </p:animEffect>
+                                  </p:childTnLst>
+                                </p:cTn>
+                              </p:par>
+                            </p:childTnLst>
+                          </p:cTn>
+                        </p:par>
+                      </p:childTnLst>
+                    </p:cTn>
+                  </p:par>
+                  <p:par>
+                    <p:cTn id="8" fill="hold">
+                      <p:stCondLst>
+                        <p:cond delay="indefinite"/>
+                      </p:stCondLst>
+                      <p:childTnLst>
+                        <p:par>
+                          <p:cTn id="9" fill="hold">
+                            <p:stCondLst>
+                              <p:cond delay="0"/>
+                            </p:stCondLst>
+                            <p:childTnLst>
+                              <p:par>
+                                <p:cTn id="10" presetID="10" presetClass="entr" presetSubtype="0" fill="hold" nodeType="clickEffect">
+                                  <p:stCondLst>
+                                    <p:cond delay="0"/>
+                                  </p:stCondLst>
+                                  <p:childTnLst>
+                                    <p:set>
+                                      <p:cBhvr>
+                                        <p:cTn id="11" dur="1" fill="hold">
+                                          <p:stCondLst>
+                                            <p:cond delay="0"/>
+                                          </p:stCondLst>
+                                        </p:cTn>
+                                        <p:tgtEl>
+                                          <p:spTgt spid="5"/>
+                                        </p:tgtEl>
+                                        <p:attrNameLst>
+                                          <p:attrName>style.visibility</p:attrName>
+                                        </p:attrNameLst>
+                                      </p:cBhvr>
+                                      <p:to>
+                                        <p:strVal val="visible"/>
+                                      </p:to>
+                                    </p:set>
+                                    <p:animEffect transition="in" filter="fade">
+                                      <p:cBhvr>
+                                        <p:cTn id="12" dur="500"/>
+                                        <p:tgtEl>
+                                          <p:spTgt spid="5"/>
+                                        </p:tgtEl>
+                                      </p:cBhvr>
+                                    </p:animEffect>
+                                  </p:childTnLst>
+                                </p:cTn>
+                              </p:par>
+                            </p:childTnLst>
+                          </p:cTn>
+                        </p:par>
+                      </p:childTnLst>
+                    </p:cTn>
+                  </p:par>
+                </p:childTnLst>
+              </p:cTn>
+              <p:prevCondLst>
+                <p:cond evt="onPrev" delay="0">
+                  <p:tgtEl>
+                    <p:sldTgt/>
+                  </p:tgtEl>
+                </p:cond>
+              </p:prevCondLst>
+              <p:nextCondLst>
+                <p:cond evt="onNext" delay="0">
+                  <p:tgtEl>
+                    <p:sldTgt/>
+                  </p:tgtEl>
+                </p:cond>
+              </p:nextCondLst>
+            </p:seq>
+          </p:childTnLst>
+        </p:cTn>
+      </p:par>
+    </p:tnLst>
+  </p:timing>
+</p:sld>
+</file>
+
+<file path=ppt/slides/slide16.xml><?xml version="1.0" encoding="utf-8"?>
+<p:sld xmlns:a="http://schemas.openxmlformats.org/drawingml/2006/main" xmlns:r="http://schemas.openxmlformats.org/officeDocument/2006/relationships" xmlns:p="http://schemas.openxmlformats.org/presentationml/2006/main">
+  <p:cSld>
+    <p:spTree>
+      <p:nvGrpSpPr>
+        <p:cNvPr id="1" name=""/>
+        <p:cNvGrpSpPr/>
+        <p:nvPr/>
+      </p:nvGrpSpPr>
+      <p:grpSpPr>
+        <a:xfrm>
+          <a:off x="0" y="0"/>
+          <a:ext cx="0" cy="0"/>
+          <a:chOff x="0" y="0"/>
+          <a:chExt cx="0" cy="0"/>
+        </a:xfrm>
+      </p:grpSpPr>
+      <p:pic>
+        <p:nvPicPr>
+          <p:cNvPr id="1026" name="Picture 2" descr="Resultado de imagen para gracias totales">
+            <a:extLst>
+              <a:ext uri="{FF2B5EF4-FFF2-40B4-BE49-F238E27FC236}">
+                <a16:creationId xmlns:a16="http://schemas.microsoft.com/office/drawing/2014/main" id="{EC5FFB37-F5B1-46AA-815F-DE6267E84946}"/>
+              </a:ext>
+            </a:extLst>
+          </p:cNvPr>
+          <p:cNvPicPr>
+            <a:picLocks noGrp="1" noChangeAspect="1" noChangeArrowheads="1"/>
+          </p:cNvPicPr>
+          <p:nvPr>
+            <p:ph idx="1"/>
+          </p:nvPr>
+        </p:nvPicPr>
+        <p:blipFill>
+          <a:blip r:embed="rId2">
+            <a:extLst>
+              <a:ext uri="{28A0092B-C50C-407E-A947-70E740481C1C}">
+                <a14:useLocalDpi xmlns:a14="http://schemas.microsoft.com/office/drawing/2010/main" val="0"/>
+              </a:ext>
+            </a:extLst>
+          </a:blip>
+          <a:srcRect/>
+          <a:stretch>
+            <a:fillRect/>
+          </a:stretch>
+        </p:blipFill>
+        <p:spPr bwMode="auto">
+          <a:xfrm>
+            <a:off x="2799556" y="132556"/>
+            <a:ext cx="6592887" cy="6592887"/>
+          </a:xfrm>
+          <a:prstGeom prst="rect">
+            <a:avLst/>
+          </a:prstGeom>
+          <a:noFill/>
+          <a:extLst>
+            <a:ext uri="{909E8E84-426E-40DD-AFC4-6F175D3DCCD1}">
+              <a14:hiddenFill xmlns:a14="http://schemas.microsoft.com/office/drawing/2010/main">
+                <a:solidFill>
+                  <a:srgbClr val="FFFFFF"/>
+                </a:solidFill>
+              </a14:hiddenFill>
+            </a:ext>
+          </a:extLst>
+        </p:spPr>
+      </p:pic>
+    </p:spTree>
+    <p:extLst>
+      <p:ext uri="{BB962C8B-B14F-4D97-AF65-F5344CB8AC3E}">
+        <p14:creationId xmlns:p14="http://schemas.microsoft.com/office/powerpoint/2010/main" val="1637709969"/>
+      </p:ext>
+    </p:extLst>
+  </p:cSld>
+  <p:clrMapOvr>
+    <a:masterClrMapping/>
+  </p:clrMapOvr>
+</p:sld>
+</file>
+
+<file path=ppt/slides/slide2.xml><?xml version="1.0" encoding="utf-8"?>
+<p:sld xmlns:a="http://schemas.openxmlformats.org/drawingml/2006/main" xmlns:r="http://schemas.openxmlformats.org/officeDocument/2006/relationships" xmlns:p="http://schemas.openxmlformats.org/presentationml/2006/main">
+  <p:cSld>
+    <p:spTree>
+      <p:nvGrpSpPr>
+        <p:cNvPr id="1" name=""/>
+        <p:cNvGrpSpPr/>
+        <p:nvPr/>
+      </p:nvGrpSpPr>
+      <p:grpSpPr>
+        <a:xfrm>
+          <a:off x="0" y="0"/>
+          <a:ext cx="0" cy="0"/>
+          <a:chOff x="0" y="0"/>
+          <a:chExt cx="0" cy="0"/>
+        </a:xfrm>
+      </p:grpSpPr>
+      <p:sp>
+        <p:nvSpPr>
+          <p:cNvPr id="2" name="Título 1">
+            <a:extLst>
+              <a:ext uri="{FF2B5EF4-FFF2-40B4-BE49-F238E27FC236}">
+                <a16:creationId xmlns:a16="http://schemas.microsoft.com/office/drawing/2014/main" id="{55E1685E-EF9F-45AF-B0EB-FD8FB3984DF1}"/>
+              </a:ext>
+            </a:extLst>
+          </p:cNvPr>
+          <p:cNvSpPr>
+            <a:spLocks noGrp="1"/>
+          </p:cNvSpPr>
+          <p:nvPr>
+            <p:ph type="title"/>
+          </p:nvPr>
+        </p:nvSpPr>
+        <p:spPr/>
+        <p:txBody>
+          <a:bodyPr>
+            <a:normAutofit/>
+          </a:bodyPr>
+          <a:lstStyle/>
+          <a:p>
+            <a:r>
+              <a:rPr lang="es-EC" dirty="0"/>
+              <a:t>OBJETIVOS</a:t>
+            </a:r>
+            <a:endParaRPr lang="en-US" dirty="0"/>
+          </a:p>
+        </p:txBody>
+      </p:sp>
+      <p:sp>
+        <p:nvSpPr>
+          <p:cNvPr id="3" name="Marcador de contenido 2">
+            <a:extLst>
+              <a:ext uri="{FF2B5EF4-FFF2-40B4-BE49-F238E27FC236}">
+                <a16:creationId xmlns:a16="http://schemas.microsoft.com/office/drawing/2014/main" id="{F19BE3D7-0571-40D7-A5A3-F8D6FE58BFCF}"/>
+              </a:ext>
+            </a:extLst>
+          </p:cNvPr>
+          <p:cNvSpPr>
+            <a:spLocks noGrp="1"/>
+          </p:cNvSpPr>
+          <p:nvPr>
+            <p:ph idx="1"/>
+          </p:nvPr>
+        </p:nvSpPr>
+        <p:spPr/>
+        <p:txBody>
+          <a:bodyPr/>
+          <a:lstStyle/>
+          <a:p>
+            <a:pPr marL="36900" indent="0">
+              <a:buNone/>
+            </a:pPr>
+            <a:r>
+              <a:rPr lang="es-EC" dirty="0"/>
+              <a:t>GENERAL</a:t>
+            </a:r>
+          </a:p>
+          <a:p>
+            <a:r>
+              <a:rPr lang="es-ES" dirty="0"/>
+              <a:t>Realizar un análisis exploratorio de datos a un data set</a:t>
+            </a:r>
+          </a:p>
+          <a:p>
+            <a:pPr marL="36900" indent="0">
+              <a:buNone/>
+            </a:pPr>
+            <a:r>
+              <a:rPr lang="en-US" dirty="0"/>
+              <a:t>ESPECIFICO</a:t>
+            </a:r>
+          </a:p>
+          <a:p>
+            <a:r>
+              <a:rPr lang="es-ES" dirty="0"/>
+              <a:t>Construir un conjunto de consultas SQL para extraer datos almacenados en la base de datos con el fin de proporcionar información relevante.</a:t>
+            </a:r>
+          </a:p>
+          <a:p>
+            <a:r>
+              <a:rPr lang="es-ES" dirty="0"/>
+              <a:t> Utilizar conceptos de programación funcional para realizar análisis exploratorio de datos. </a:t>
+            </a:r>
+            <a:endParaRPr lang="en-US" dirty="0"/>
+          </a:p>
+        </p:txBody>
+      </p:sp>
+    </p:spTree>
+    <p:extLst>
+      <p:ext uri="{BB962C8B-B14F-4D97-AF65-F5344CB8AC3E}">
+        <p14:creationId xmlns:p14="http://schemas.microsoft.com/office/powerpoint/2010/main" val="1121408369"/>
+      </p:ext>
+    </p:extLst>
+  </p:cSld>
+  <p:clrMapOvr>
+    <a:masterClrMapping/>
+  </p:clrMapOvr>
 </p:sld>
 </file>
 
@@ -9144,7 +8724,12 @@
             <p:ph type="title"/>
           </p:nvPr>
         </p:nvSpPr>
-        <p:spPr/>
+        <p:spPr>
+          <a:xfrm>
+            <a:off x="997913" y="229938"/>
+            <a:ext cx="10353762" cy="970450"/>
+          </a:xfrm>
+        </p:spPr>
         <p:txBody>
           <a:bodyPr/>
           <a:lstStyle/>
@@ -9175,13 +8760,43 @@
         </p:nvPicPr>
         <p:blipFill rotWithShape="1">
           <a:blip r:embed="rId2"/>
-          <a:srcRect l="7536" t="26858" r="12409" b="20024"/>
+          <a:srcRect l="9381" t="26858" r="14170" b="20024"/>
           <a:stretch/>
         </p:blipFill>
         <p:spPr>
           <a:xfrm>
-            <a:off x="997913" y="2005232"/>
-            <a:ext cx="9997466" cy="3729524"/>
+            <a:off x="1228299" y="2005232"/>
+            <a:ext cx="9547163" cy="3729524"/>
+          </a:xfrm>
+          <a:prstGeom prst="rect">
+            <a:avLst/>
+          </a:prstGeom>
+        </p:spPr>
+      </p:pic>
+      <p:pic>
+        <p:nvPicPr>
+          <p:cNvPr id="3" name="Imagen 2">
+            <a:extLst>
+              <a:ext uri="{FF2B5EF4-FFF2-40B4-BE49-F238E27FC236}">
+                <a16:creationId xmlns:a16="http://schemas.microsoft.com/office/drawing/2014/main" id="{AAABE4AB-DE6B-4E9E-A26B-300A2A40CDAC}"/>
+              </a:ext>
+            </a:extLst>
+          </p:cNvPr>
+          <p:cNvPicPr>
+            <a:picLocks noChangeAspect="1"/>
+          </p:cNvPicPr>
+          <p:nvPr/>
+        </p:nvPicPr>
+        <p:blipFill>
+          <a:blip r:embed="rId3"/>
+          <a:stretch>
+            <a:fillRect/>
+          </a:stretch>
+        </p:blipFill>
+        <p:spPr>
+          <a:xfrm>
+            <a:off x="1040059" y="1200388"/>
+            <a:ext cx="9735403" cy="5495592"/>
           </a:xfrm>
           <a:prstGeom prst="rect">
             <a:avLst/>
@@ -9198,6 +8813,89 @@
   <p:clrMapOvr>
     <a:masterClrMapping/>
   </p:clrMapOvr>
+  <p:timing>
+    <p:tnLst>
+      <p:par>
+        <p:cTn id="1" dur="indefinite" restart="never" nodeType="tmRoot">
+          <p:childTnLst>
+            <p:seq concurrent="1" nextAc="seek">
+              <p:cTn id="2" dur="indefinite" nodeType="mainSeq">
+                <p:childTnLst>
+                  <p:par>
+                    <p:cTn id="3" fill="hold">
+                      <p:stCondLst>
+                        <p:cond delay="indefinite"/>
+                      </p:stCondLst>
+                      <p:childTnLst>
+                        <p:par>
+                          <p:cTn id="4" fill="hold">
+                            <p:stCondLst>
+                              <p:cond delay="0"/>
+                            </p:stCondLst>
+                            <p:childTnLst>
+                              <p:par>
+                                <p:cTn id="5" presetID="10" presetClass="entr" presetSubtype="0" fill="hold" nodeType="clickEffect">
+                                  <p:stCondLst>
+                                    <p:cond delay="0"/>
+                                  </p:stCondLst>
+                                  <p:childTnLst>
+                                    <p:set>
+                                      <p:cBhvr>
+                                        <p:cTn id="6" dur="1" fill="hold">
+                                          <p:stCondLst>
+                                            <p:cond delay="0"/>
+                                          </p:stCondLst>
+                                        </p:cTn>
+                                        <p:tgtEl>
+                                          <p:spTgt spid="3"/>
+                                        </p:tgtEl>
+                                        <p:attrNameLst>
+                                          <p:attrName>style.visibility</p:attrName>
+                                        </p:attrNameLst>
+                                      </p:cBhvr>
+                                      <p:to>
+                                        <p:strVal val="visible"/>
+                                      </p:to>
+                                    </p:set>
+                                    <p:animEffect transition="in" filter="fade">
+                                      <p:cBhvr>
+                                        <p:cTn id="7" dur="500"/>
+                                        <p:tgtEl>
+                                          <p:spTgt spid="3"/>
+                                        </p:tgtEl>
+                                      </p:cBhvr>
+                                    </p:animEffect>
+                                  </p:childTnLst>
+                                </p:cTn>
+                              </p:par>
+                            </p:childTnLst>
+                          </p:cTn>
+                        </p:par>
+                      </p:childTnLst>
+                    </p:cTn>
+                  </p:par>
+                </p:childTnLst>
+              </p:cTn>
+              <p:prevCondLst>
+                <p:cond evt="onPrev" delay="0">
+                  <p:tgtEl>
+                    <p:sldTgt/>
+                  </p:tgtEl>
+                </p:cond>
+              </p:prevCondLst>
+              <p:nextCondLst>
+                <p:cond evt="onNext" delay="0">
+                  <p:tgtEl>
+                    <p:sldTgt/>
+                  </p:tgtEl>
+                </p:cond>
+              </p:nextCondLst>
+            </p:seq>
+          </p:childTnLst>
+        </p:cTn>
+      </p:par>
+    </p:tnLst>
+  </p:timing>
 </p:sld>
 </file>
 
@@ -9223,7 +8921,7 @@
           <p:cNvPr id="2" name="Título 1">
             <a:extLst>
               <a:ext uri="{FF2B5EF4-FFF2-40B4-BE49-F238E27FC236}">
-                <a16:creationId xmlns:a16="http://schemas.microsoft.com/office/drawing/2014/main" id="{47F8B509-042C-4B5F-AC99-3C8C36094BB1}"/>
+                <a16:creationId xmlns:a16="http://schemas.microsoft.com/office/drawing/2014/main" id="{5719CFC5-CF63-4A70-9369-FBE53425957C}"/>
               </a:ext>
             </a:extLst>
           </p:cNvPr>
@@ -9234,21 +8932,30 @@
             <p:ph type="title"/>
           </p:nvPr>
         </p:nvSpPr>
-        <p:spPr/>
+        <p:spPr>
+          <a:xfrm>
+            <a:off x="919119" y="128712"/>
+            <a:ext cx="10353762" cy="970450"/>
+          </a:xfrm>
+        </p:spPr>
         <p:txBody>
           <a:bodyPr/>
           <a:lstStyle/>
           <a:p>
-            <a:endParaRPr lang="en-US"/>
+            <a:r>
+              <a:rPr lang="es-ES" dirty="0"/>
+              <a:t>Número de Tweets y ReTweets por hora</a:t>
+            </a:r>
+            <a:endParaRPr lang="en-US" dirty="0"/>
           </a:p>
         </p:txBody>
       </p:sp>
       <p:pic>
         <p:nvPicPr>
-          <p:cNvPr id="7" name="Marcador de contenido 6">
+          <p:cNvPr id="4" name="Marcador de contenido 3">
             <a:extLst>
               <a:ext uri="{FF2B5EF4-FFF2-40B4-BE49-F238E27FC236}">
-                <a16:creationId xmlns:a16="http://schemas.microsoft.com/office/drawing/2014/main" id="{C778C855-CC3A-43A7-85B7-FC243ACF4F6A}"/>
+                <a16:creationId xmlns:a16="http://schemas.microsoft.com/office/drawing/2014/main" id="{65997A1B-7385-4B6F-B0AE-235F9D97F75F}"/>
               </a:ext>
             </a:extLst>
           </p:cNvPr>
@@ -9259,16 +8966,45 @@
             <p:ph idx="1"/>
           </p:nvPr>
         </p:nvPicPr>
+        <p:blipFill rotWithShape="1">
+          <a:blip r:embed="rId2"/>
+          <a:srcRect l="7746" t="26025" r="32911" b="29479"/>
+          <a:stretch/>
+        </p:blipFill>
+        <p:spPr>
+          <a:xfrm>
+            <a:off x="1630017" y="2054182"/>
+            <a:ext cx="8971722" cy="3782173"/>
+          </a:xfrm>
+          <a:prstGeom prst="rect">
+            <a:avLst/>
+          </a:prstGeom>
+        </p:spPr>
+      </p:pic>
+      <p:pic>
+        <p:nvPicPr>
+          <p:cNvPr id="3" name="Imagen 2">
+            <a:extLst>
+              <a:ext uri="{FF2B5EF4-FFF2-40B4-BE49-F238E27FC236}">
+                <a16:creationId xmlns:a16="http://schemas.microsoft.com/office/drawing/2014/main" id="{BE3D2781-3447-4039-AE02-A4CD0D680D57}"/>
+              </a:ext>
+            </a:extLst>
+          </p:cNvPr>
+          <p:cNvPicPr>
+            <a:picLocks noChangeAspect="1"/>
+          </p:cNvPicPr>
+          <p:nvPr/>
+        </p:nvPicPr>
         <p:blipFill>
-          <a:blip r:embed="rId2"/>
+          <a:blip r:embed="rId3"/>
           <a:stretch>
             <a:fillRect/>
           </a:stretch>
         </p:blipFill>
         <p:spPr>
           <a:xfrm>
-            <a:off x="1127086" y="638343"/>
-            <a:ext cx="9927180" cy="5581314"/>
+            <a:off x="1478267" y="1400922"/>
+            <a:ext cx="9474005" cy="5328366"/>
           </a:xfrm>
           <a:prstGeom prst="rect">
             <a:avLst/>
@@ -9278,13 +9014,96 @@
     </p:spTree>
     <p:extLst>
       <p:ext uri="{BB962C8B-B14F-4D97-AF65-F5344CB8AC3E}">
-        <p14:creationId xmlns:p14="http://schemas.microsoft.com/office/powerpoint/2010/main" val="2602477946"/>
+        <p14:creationId xmlns:p14="http://schemas.microsoft.com/office/powerpoint/2010/main" val="804287821"/>
       </p:ext>
     </p:extLst>
   </p:cSld>
   <p:clrMapOvr>
     <a:masterClrMapping/>
   </p:clrMapOvr>
+  <p:timing>
+    <p:tnLst>
+      <p:par>
+        <p:cTn id="1" dur="indefinite" restart="never" nodeType="tmRoot">
+          <p:childTnLst>
+            <p:seq concurrent="1" nextAc="seek">
+              <p:cTn id="2" dur="indefinite" nodeType="mainSeq">
+                <p:childTnLst>
+                  <p:par>
+                    <p:cTn id="3" fill="hold">
+                      <p:stCondLst>
+                        <p:cond delay="indefinite"/>
+                      </p:stCondLst>
+                      <p:childTnLst>
+                        <p:par>
+                          <p:cTn id="4" fill="hold">
+                            <p:stCondLst>
+                              <p:cond delay="0"/>
+                            </p:stCondLst>
+                            <p:childTnLst>
+                              <p:par>
+                                <p:cTn id="5" presetID="10" presetClass="entr" presetSubtype="0" fill="hold" nodeType="clickEffect">
+                                  <p:stCondLst>
+                                    <p:cond delay="0"/>
+                                  </p:stCondLst>
+                                  <p:childTnLst>
+                                    <p:set>
+                                      <p:cBhvr>
+                                        <p:cTn id="6" dur="1" fill="hold">
+                                          <p:stCondLst>
+                                            <p:cond delay="0"/>
+                                          </p:stCondLst>
+                                        </p:cTn>
+                                        <p:tgtEl>
+                                          <p:spTgt spid="3"/>
+                                        </p:tgtEl>
+                                        <p:attrNameLst>
+                                          <p:attrName>style.visibility</p:attrName>
+                                        </p:attrNameLst>
+                                      </p:cBhvr>
+                                      <p:to>
+                                        <p:strVal val="visible"/>
+                                      </p:to>
+                                    </p:set>
+                                    <p:animEffect transition="in" filter="fade">
+                                      <p:cBhvr>
+                                        <p:cTn id="7" dur="500"/>
+                                        <p:tgtEl>
+                                          <p:spTgt spid="3"/>
+                                        </p:tgtEl>
+                                      </p:cBhvr>
+                                    </p:animEffect>
+                                  </p:childTnLst>
+                                </p:cTn>
+                              </p:par>
+                            </p:childTnLst>
+                          </p:cTn>
+                        </p:par>
+                      </p:childTnLst>
+                    </p:cTn>
+                  </p:par>
+                </p:childTnLst>
+              </p:cTn>
+              <p:prevCondLst>
+                <p:cond evt="onPrev" delay="0">
+                  <p:tgtEl>
+                    <p:sldTgt/>
+                  </p:tgtEl>
+                </p:cond>
+              </p:prevCondLst>
+              <p:nextCondLst>
+                <p:cond evt="onNext" delay="0">
+                  <p:tgtEl>
+                    <p:sldTgt/>
+                  </p:tgtEl>
+                </p:cond>
+              </p:nextCondLst>
+            </p:seq>
+          </p:childTnLst>
+        </p:cTn>
+      </p:par>
+    </p:tnLst>
+  </p:timing>
 </p:sld>
 </file>
 
@@ -9310,7 +9129,7 @@
           <p:cNvPr id="2" name="Título 1">
             <a:extLst>
               <a:ext uri="{FF2B5EF4-FFF2-40B4-BE49-F238E27FC236}">
-                <a16:creationId xmlns:a16="http://schemas.microsoft.com/office/drawing/2014/main" id="{5719CFC5-CF63-4A70-9369-FBE53425957C}"/>
+                <a16:creationId xmlns:a16="http://schemas.microsoft.com/office/drawing/2014/main" id="{404E281B-D69E-4930-B314-56204F7B3978}"/>
               </a:ext>
             </a:extLst>
           </p:cNvPr>
@@ -9323,12 +9142,14 @@
         </p:nvSpPr>
         <p:spPr/>
         <p:txBody>
-          <a:bodyPr/>
+          <a:bodyPr>
+            <a:normAutofit fontScale="90000"/>
+          </a:bodyPr>
           <a:lstStyle/>
           <a:p>
             <a:r>
               <a:rPr lang="es-ES" dirty="0"/>
-              <a:t>Número de Tweets y ReTweets por hora</a:t>
+              <a:t>Aplicaciones más utilizadas para publicar Tweets</a:t>
             </a:r>
             <a:endParaRPr lang="en-US" dirty="0"/>
           </a:p>
@@ -9339,7 +9160,7 @@
           <p:cNvPr id="4" name="Marcador de contenido 3">
             <a:extLst>
               <a:ext uri="{FF2B5EF4-FFF2-40B4-BE49-F238E27FC236}">
-                <a16:creationId xmlns:a16="http://schemas.microsoft.com/office/drawing/2014/main" id="{65997A1B-7385-4B6F-B0AE-235F9D97F75F}"/>
+                <a16:creationId xmlns:a16="http://schemas.microsoft.com/office/drawing/2014/main" id="{4B33B69A-FE8B-45E8-8938-B56D6C90F783}"/>
               </a:ext>
             </a:extLst>
           </p:cNvPr>
@@ -9352,13 +9173,43 @@
         </p:nvPicPr>
         <p:blipFill rotWithShape="1">
           <a:blip r:embed="rId2"/>
-          <a:srcRect l="6009" t="26025" r="29920" b="29479"/>
+          <a:srcRect l="7068" t="29362" r="41180" b="34763"/>
           <a:stretch/>
         </p:blipFill>
         <p:spPr>
           <a:xfrm>
-            <a:off x="1367308" y="2054182"/>
-            <a:ext cx="9686433" cy="3782173"/>
+            <a:off x="1582787" y="2216059"/>
+            <a:ext cx="9037075" cy="3522135"/>
+          </a:xfrm>
+          <a:prstGeom prst="rect">
+            <a:avLst/>
+          </a:prstGeom>
+        </p:spPr>
+      </p:pic>
+      <p:pic>
+        <p:nvPicPr>
+          <p:cNvPr id="3" name="Imagen 2">
+            <a:extLst>
+              <a:ext uri="{FF2B5EF4-FFF2-40B4-BE49-F238E27FC236}">
+                <a16:creationId xmlns:a16="http://schemas.microsoft.com/office/drawing/2014/main" id="{BAE9715C-E1FD-451C-A661-074E02F9D679}"/>
+              </a:ext>
+            </a:extLst>
+          </p:cNvPr>
+          <p:cNvPicPr>
+            <a:picLocks noChangeAspect="1"/>
+          </p:cNvPicPr>
+          <p:nvPr/>
+        </p:nvPicPr>
+        <p:blipFill>
+          <a:blip r:embed="rId3"/>
+          <a:stretch>
+            <a:fillRect/>
+          </a:stretch>
+        </p:blipFill>
+        <p:spPr>
+          <a:xfrm>
+            <a:off x="1572138" y="1580050"/>
+            <a:ext cx="9037075" cy="5080367"/>
           </a:xfrm>
           <a:prstGeom prst="rect">
             <a:avLst/>
@@ -9368,13 +9219,96 @@
     </p:spTree>
     <p:extLst>
       <p:ext uri="{BB962C8B-B14F-4D97-AF65-F5344CB8AC3E}">
-        <p14:creationId xmlns:p14="http://schemas.microsoft.com/office/powerpoint/2010/main" val="804287821"/>
+        <p14:creationId xmlns:p14="http://schemas.microsoft.com/office/powerpoint/2010/main" val="1764736838"/>
       </p:ext>
     </p:extLst>
   </p:cSld>
   <p:clrMapOvr>
     <a:masterClrMapping/>
   </p:clrMapOvr>
+  <p:timing>
+    <p:tnLst>
+      <p:par>
+        <p:cTn id="1" dur="indefinite" restart="never" nodeType="tmRoot">
+          <p:childTnLst>
+            <p:seq concurrent="1" nextAc="seek">
+              <p:cTn id="2" dur="indefinite" nodeType="mainSeq">
+                <p:childTnLst>
+                  <p:par>
+                    <p:cTn id="3" fill="hold">
+                      <p:stCondLst>
+                        <p:cond delay="indefinite"/>
+                      </p:stCondLst>
+                      <p:childTnLst>
+                        <p:par>
+                          <p:cTn id="4" fill="hold">
+                            <p:stCondLst>
+                              <p:cond delay="0"/>
+                            </p:stCondLst>
+                            <p:childTnLst>
+                              <p:par>
+                                <p:cTn id="5" presetID="10" presetClass="entr" presetSubtype="0" fill="hold" nodeType="clickEffect">
+                                  <p:stCondLst>
+                                    <p:cond delay="0"/>
+                                  </p:stCondLst>
+                                  <p:childTnLst>
+                                    <p:set>
+                                      <p:cBhvr>
+                                        <p:cTn id="6" dur="1" fill="hold">
+                                          <p:stCondLst>
+                                            <p:cond delay="0"/>
+                                          </p:stCondLst>
+                                        </p:cTn>
+                                        <p:tgtEl>
+                                          <p:spTgt spid="3"/>
+                                        </p:tgtEl>
+                                        <p:attrNameLst>
+                                          <p:attrName>style.visibility</p:attrName>
+                                        </p:attrNameLst>
+                                      </p:cBhvr>
+                                      <p:to>
+                                        <p:strVal val="visible"/>
+                                      </p:to>
+                                    </p:set>
+                                    <p:animEffect transition="in" filter="fade">
+                                      <p:cBhvr>
+                                        <p:cTn id="7" dur="500"/>
+                                        <p:tgtEl>
+                                          <p:spTgt spid="3"/>
+                                        </p:tgtEl>
+                                      </p:cBhvr>
+                                    </p:animEffect>
+                                  </p:childTnLst>
+                                </p:cTn>
+                              </p:par>
+                            </p:childTnLst>
+                          </p:cTn>
+                        </p:par>
+                      </p:childTnLst>
+                    </p:cTn>
+                  </p:par>
+                </p:childTnLst>
+              </p:cTn>
+              <p:prevCondLst>
+                <p:cond evt="onPrev" delay="0">
+                  <p:tgtEl>
+                    <p:sldTgt/>
+                  </p:tgtEl>
+                </p:cond>
+              </p:prevCondLst>
+              <p:nextCondLst>
+                <p:cond evt="onNext" delay="0">
+                  <p:tgtEl>
+                    <p:sldTgt/>
+                  </p:tgtEl>
+                </p:cond>
+              </p:nextCondLst>
+            </p:seq>
+          </p:childTnLst>
+        </p:cTn>
+      </p:par>
+    </p:tnLst>
+  </p:timing>
 </p:sld>
 </file>
 
@@ -9400,7 +9334,7 @@
           <p:cNvPr id="2" name="Título 1">
             <a:extLst>
               <a:ext uri="{FF2B5EF4-FFF2-40B4-BE49-F238E27FC236}">
-                <a16:creationId xmlns:a16="http://schemas.microsoft.com/office/drawing/2014/main" id="{64E8025B-6727-4EC4-9812-6A6C9EC088DB}"/>
+                <a16:creationId xmlns:a16="http://schemas.microsoft.com/office/drawing/2014/main" id="{C2A8908E-7CD2-4CB3-96FC-7FF80B76A6AF}"/>
               </a:ext>
             </a:extLst>
           </p:cNvPr>
@@ -9411,46 +9345,60 @@
             <p:ph type="title"/>
           </p:nvPr>
         </p:nvSpPr>
-        <p:spPr/>
+        <p:spPr>
+          <a:xfrm>
+            <a:off x="924443" y="609600"/>
+            <a:ext cx="10353762" cy="970450"/>
+          </a:xfrm>
+        </p:spPr>
         <p:txBody>
           <a:bodyPr/>
           <a:lstStyle/>
           <a:p>
-            <a:endParaRPr lang="en-US"/>
-          </a:p>
-        </p:txBody>
-      </p:sp>
-      <p:sp>
-        <p:nvSpPr>
-          <p:cNvPr id="3" name="Marcador de contenido 2">
+            <a:r>
+              <a:rPr lang="en-US" dirty="0"/>
+              <a:t>Distribución de Hashtags</a:t>
+            </a:r>
+          </a:p>
+        </p:txBody>
+      </p:sp>
+      <p:pic>
+        <p:nvPicPr>
+          <p:cNvPr id="4" name="Marcador de contenido 3">
             <a:extLst>
               <a:ext uri="{FF2B5EF4-FFF2-40B4-BE49-F238E27FC236}">
-                <a16:creationId xmlns:a16="http://schemas.microsoft.com/office/drawing/2014/main" id="{52AA6783-BAAF-4E40-A646-54A45181FDCE}"/>
+                <a16:creationId xmlns:a16="http://schemas.microsoft.com/office/drawing/2014/main" id="{96F0D5BC-84F5-4244-BF3D-9853DD169EAB}"/>
               </a:ext>
             </a:extLst>
           </p:cNvPr>
-          <p:cNvSpPr>
-            <a:spLocks noGrp="1"/>
-          </p:cNvSpPr>
+          <p:cNvPicPr>
+            <a:picLocks noGrp="1" noChangeAspect="1"/>
+          </p:cNvPicPr>
           <p:nvPr>
             <p:ph idx="1"/>
           </p:nvPr>
-        </p:nvSpPr>
-        <p:spPr/>
-        <p:txBody>
-          <a:bodyPr/>
-          <a:lstStyle/>
-          <a:p>
-            <a:endParaRPr lang="en-US"/>
-          </a:p>
-        </p:txBody>
-      </p:sp>
+        </p:nvPicPr>
+        <p:blipFill rotWithShape="1">
+          <a:blip r:embed="rId2"/>
+          <a:srcRect l="8010" t="19304" r="31759" b="58227"/>
+          <a:stretch/>
+        </p:blipFill>
+        <p:spPr>
+          <a:xfrm>
+            <a:off x="2548202" y="2161239"/>
+            <a:ext cx="8719355" cy="1828800"/>
+          </a:xfrm>
+          <a:prstGeom prst="rect">
+            <a:avLst/>
+          </a:prstGeom>
+        </p:spPr>
+      </p:pic>
       <p:pic>
         <p:nvPicPr>
-          <p:cNvPr id="4" name="Imagen 3">
+          <p:cNvPr id="3" name="Imagen 2">
             <a:extLst>
               <a:ext uri="{FF2B5EF4-FFF2-40B4-BE49-F238E27FC236}">
-                <a16:creationId xmlns:a16="http://schemas.microsoft.com/office/drawing/2014/main" id="{3C912C7A-4209-4901-B019-5B27BFA64053}"/>
+                <a16:creationId xmlns:a16="http://schemas.microsoft.com/office/drawing/2014/main" id="{A79FA741-2583-40CB-B34F-56BCBE966CB0}"/>
               </a:ext>
             </a:extLst>
           </p:cNvPr>
@@ -9460,15 +9408,15 @@
           <p:nvPr/>
         </p:nvPicPr>
         <p:blipFill>
-          <a:blip r:embed="rId2"/>
+          <a:blip r:embed="rId3"/>
           <a:stretch>
             <a:fillRect/>
           </a:stretch>
         </p:blipFill>
         <p:spPr>
           <a:xfrm>
-            <a:off x="1232453" y="609600"/>
-            <a:ext cx="9475304" cy="5327257"/>
+            <a:off x="1763030" y="1433687"/>
+            <a:ext cx="9517779" cy="5349981"/>
           </a:xfrm>
           <a:prstGeom prst="rect">
             <a:avLst/>
@@ -9478,13 +9426,96 @@
     </p:spTree>
     <p:extLst>
       <p:ext uri="{BB962C8B-B14F-4D97-AF65-F5344CB8AC3E}">
-        <p14:creationId xmlns:p14="http://schemas.microsoft.com/office/powerpoint/2010/main" val="342827385"/>
+        <p14:creationId xmlns:p14="http://schemas.microsoft.com/office/powerpoint/2010/main" val="2047878823"/>
       </p:ext>
     </p:extLst>
   </p:cSld>
   <p:clrMapOvr>
     <a:masterClrMapping/>
   </p:clrMapOvr>
+  <p:timing>
+    <p:tnLst>
+      <p:par>
+        <p:cTn id="1" dur="indefinite" restart="never" nodeType="tmRoot">
+          <p:childTnLst>
+            <p:seq concurrent="1" nextAc="seek">
+              <p:cTn id="2" dur="indefinite" nodeType="mainSeq">
+                <p:childTnLst>
+                  <p:par>
+                    <p:cTn id="3" fill="hold">
+                      <p:stCondLst>
+                        <p:cond delay="indefinite"/>
+                      </p:stCondLst>
+                      <p:childTnLst>
+                        <p:par>
+                          <p:cTn id="4" fill="hold">
+                            <p:stCondLst>
+                              <p:cond delay="0"/>
+                            </p:stCondLst>
+                            <p:childTnLst>
+                              <p:par>
+                                <p:cTn id="5" presetID="10" presetClass="entr" presetSubtype="0" fill="hold" nodeType="clickEffect">
+                                  <p:stCondLst>
+                                    <p:cond delay="0"/>
+                                  </p:stCondLst>
+                                  <p:childTnLst>
+                                    <p:set>
+                                      <p:cBhvr>
+                                        <p:cTn id="6" dur="1" fill="hold">
+                                          <p:stCondLst>
+                                            <p:cond delay="0"/>
+                                          </p:stCondLst>
+                                        </p:cTn>
+                                        <p:tgtEl>
+                                          <p:spTgt spid="3"/>
+                                        </p:tgtEl>
+                                        <p:attrNameLst>
+                                          <p:attrName>style.visibility</p:attrName>
+                                        </p:attrNameLst>
+                                      </p:cBhvr>
+                                      <p:to>
+                                        <p:strVal val="visible"/>
+                                      </p:to>
+                                    </p:set>
+                                    <p:animEffect transition="in" filter="fade">
+                                      <p:cBhvr>
+                                        <p:cTn id="7" dur="500"/>
+                                        <p:tgtEl>
+                                          <p:spTgt spid="3"/>
+                                        </p:tgtEl>
+                                      </p:cBhvr>
+                                    </p:animEffect>
+                                  </p:childTnLst>
+                                </p:cTn>
+                              </p:par>
+                            </p:childTnLst>
+                          </p:cTn>
+                        </p:par>
+                      </p:childTnLst>
+                    </p:cTn>
+                  </p:par>
+                </p:childTnLst>
+              </p:cTn>
+              <p:prevCondLst>
+                <p:cond evt="onPrev" delay="0">
+                  <p:tgtEl>
+                    <p:sldTgt/>
+                  </p:tgtEl>
+                </p:cond>
+              </p:prevCondLst>
+              <p:nextCondLst>
+                <p:cond evt="onNext" delay="0">
+                  <p:tgtEl>
+                    <p:sldTgt/>
+                  </p:tgtEl>
+                </p:cond>
+              </p:nextCondLst>
+            </p:seq>
+          </p:childTnLst>
+        </p:cTn>
+      </p:par>
+    </p:tnLst>
+  </p:timing>
 </p:sld>
 </file>
 
